--- a/Fragrances Recommender System.pptx
+++ b/Fragrances Recommender System.pptx
@@ -1,48 +1,48 @@
 
 <file path=ppt/presentation.xml><?xml version="1.0" encoding="utf-8"?>
-<p:presentation xmlns:a="http://schemas.openxmlformats.org/drawingml/2006/main" xmlns:r="http://schemas.openxmlformats.org/officeDocument/2006/relationships" xmlns:mc="http://schemas.openxmlformats.org/markup-compatibility/2006" xmlns:mv="urn:schemas-microsoft-com:mac:vml" xmlns:p="http://schemas.openxmlformats.org/presentationml/2006/main" xmlns:c="http://schemas.openxmlformats.org/drawingml/2006/chart" xmlns:dgm="http://schemas.openxmlformats.org/drawingml/2006/diagram" xmlns:o="urn:schemas-microsoft-com:office:office" xmlns:v="urn:schemas-microsoft-com:vml" xmlns:pvml="urn:schemas-microsoft-com:office:powerpoint" xmlns:com="http://schemas.openxmlformats.org/drawingml/2006/compatibility" xmlns:p14="http://schemas.microsoft.com/office/powerpoint/2010/main" xmlns:p15="http://schemas.microsoft.com/office/powerpoint/2012/main" xmlns:ahyp="http://schemas.microsoft.com/office/drawing/2018/hyperlinkcolor" autoCompressPictures="0" embedTrueTypeFonts="1" strictFirstAndLastChars="0" saveSubsetFonts="1">
+<p:presentation xmlns:a="http://schemas.openxmlformats.org/drawingml/2006/main" xmlns:r="http://schemas.openxmlformats.org/officeDocument/2006/relationships" xmlns:p="http://schemas.openxmlformats.org/presentationml/2006/main" strictFirstAndLastChars="0" embedTrueTypeFonts="1" saveSubsetFonts="1" autoCompressPictures="0">
   <p:sldMasterIdLst>
-    <p:sldMasterId id="2147483659" r:id="rId5"/>
+    <p:sldMasterId id="2147483659" r:id="rId1"/>
   </p:sldMasterIdLst>
   <p:notesMasterIdLst>
-    <p:notesMasterId r:id="rId6"/>
+    <p:notesMasterId r:id="rId11"/>
   </p:notesMasterIdLst>
   <p:sldIdLst>
-    <p:sldId id="256" r:id="rId7"/>
-    <p:sldId id="257" r:id="rId8"/>
-    <p:sldId id="258" r:id="rId9"/>
-    <p:sldId id="259" r:id="rId10"/>
-    <p:sldId id="260" r:id="rId11"/>
-    <p:sldId id="261" r:id="rId12"/>
-    <p:sldId id="262" r:id="rId13"/>
-    <p:sldId id="263" r:id="rId14"/>
-    <p:sldId id="264" r:id="rId15"/>
+    <p:sldId id="256" r:id="rId2"/>
+    <p:sldId id="257" r:id="rId3"/>
+    <p:sldId id="258" r:id="rId4"/>
+    <p:sldId id="259" r:id="rId5"/>
+    <p:sldId id="260" r:id="rId6"/>
+    <p:sldId id="261" r:id="rId7"/>
+    <p:sldId id="262" r:id="rId8"/>
+    <p:sldId id="263" r:id="rId9"/>
+    <p:sldId id="264" r:id="rId10"/>
   </p:sldIdLst>
-  <p:sldSz cy="5143500" cx="9144000"/>
+  <p:sldSz cx="9144000" cy="5143500" type="screen16x9"/>
   <p:notesSz cx="6858000" cy="9144000"/>
   <p:embeddedFontLst>
     <p:embeddedFont>
-      <p:font typeface="Roboto Slab"/>
+      <p:font typeface="Corsiva" pitchFamily="2" charset="-79"/>
+      <p:regular r:id="rId12"/>
+      <p:bold r:id="rId13"/>
+      <p:italic r:id="rId14"/>
+      <p:boldItalic r:id="rId15"/>
+    </p:embeddedFont>
+    <p:embeddedFont>
+      <p:font typeface="Roboto" panose="02000000000000000000" pitchFamily="2" charset="0"/>
       <p:regular r:id="rId16"/>
       <p:bold r:id="rId17"/>
+      <p:italic r:id="rId18"/>
+      <p:boldItalic r:id="rId19"/>
     </p:embeddedFont>
     <p:embeddedFont>
-      <p:font typeface="Corsiva"/>
-      <p:regular r:id="rId18"/>
-      <p:bold r:id="rId19"/>
-      <p:italic r:id="rId20"/>
-      <p:boldItalic r:id="rId21"/>
-    </p:embeddedFont>
-    <p:embeddedFont>
-      <p:font typeface="Roboto"/>
-      <p:regular r:id="rId22"/>
-      <p:bold r:id="rId23"/>
-      <p:italic r:id="rId24"/>
-      <p:boldItalic r:id="rId25"/>
+      <p:font typeface="Roboto Slab" pitchFamily="2" charset="0"/>
+      <p:regular r:id="rId20"/>
+      <p:bold r:id="rId21"/>
     </p:embeddedFont>
   </p:embeddedFontLst>
   <p:defaultTextStyle>
-    <a:defPPr lvl="0" marR="0" rtl="0" algn="l">
+    <a:defPPr marR="0" lvl="0" algn="l" rtl="0">
       <a:lnSpc>
         <a:spcPct val="100000"/>
       </a:lnSpc>
@@ -53,7 +53,7 @@
         <a:spcPts val="0"/>
       </a:spcAft>
     </a:defPPr>
-    <a:lvl1pPr lvl="0" marR="0" rtl="0" algn="l">
+    <a:lvl1pPr marR="0" lvl="0" algn="l" rtl="0">
       <a:lnSpc>
         <a:spcPct val="100000"/>
       </a:lnSpc>
@@ -67,7 +67,7 @@
         <a:srgbClr val="000000"/>
       </a:buClr>
       <a:buFont typeface="Arial"/>
-      <a:defRPr b="0" i="0" sz="1400" u="none" cap="none" strike="noStrike">
+      <a:defRPr sz="1400" b="0" i="0" u="none" strike="noStrike" cap="none">
         <a:solidFill>
           <a:srgbClr val="000000"/>
         </a:solidFill>
@@ -77,7 +77,7 @@
         <a:sym typeface="Arial"/>
       </a:defRPr>
     </a:lvl1pPr>
-    <a:lvl2pPr lvl="1" marR="0" rtl="0" algn="l">
+    <a:lvl2pPr marR="0" lvl="1" algn="l" rtl="0">
       <a:lnSpc>
         <a:spcPct val="100000"/>
       </a:lnSpc>
@@ -91,7 +91,7 @@
         <a:srgbClr val="000000"/>
       </a:buClr>
       <a:buFont typeface="Arial"/>
-      <a:defRPr b="0" i="0" sz="1400" u="none" cap="none" strike="noStrike">
+      <a:defRPr sz="1400" b="0" i="0" u="none" strike="noStrike" cap="none">
         <a:solidFill>
           <a:srgbClr val="000000"/>
         </a:solidFill>
@@ -101,7 +101,7 @@
         <a:sym typeface="Arial"/>
       </a:defRPr>
     </a:lvl2pPr>
-    <a:lvl3pPr lvl="2" marR="0" rtl="0" algn="l">
+    <a:lvl3pPr marR="0" lvl="2" algn="l" rtl="0">
       <a:lnSpc>
         <a:spcPct val="100000"/>
       </a:lnSpc>
@@ -115,7 +115,7 @@
         <a:srgbClr val="000000"/>
       </a:buClr>
       <a:buFont typeface="Arial"/>
-      <a:defRPr b="0" i="0" sz="1400" u="none" cap="none" strike="noStrike">
+      <a:defRPr sz="1400" b="0" i="0" u="none" strike="noStrike" cap="none">
         <a:solidFill>
           <a:srgbClr val="000000"/>
         </a:solidFill>
@@ -125,7 +125,7 @@
         <a:sym typeface="Arial"/>
       </a:defRPr>
     </a:lvl3pPr>
-    <a:lvl4pPr lvl="3" marR="0" rtl="0" algn="l">
+    <a:lvl4pPr marR="0" lvl="3" algn="l" rtl="0">
       <a:lnSpc>
         <a:spcPct val="100000"/>
       </a:lnSpc>
@@ -139,7 +139,7 @@
         <a:srgbClr val="000000"/>
       </a:buClr>
       <a:buFont typeface="Arial"/>
-      <a:defRPr b="0" i="0" sz="1400" u="none" cap="none" strike="noStrike">
+      <a:defRPr sz="1400" b="0" i="0" u="none" strike="noStrike" cap="none">
         <a:solidFill>
           <a:srgbClr val="000000"/>
         </a:solidFill>
@@ -149,7 +149,7 @@
         <a:sym typeface="Arial"/>
       </a:defRPr>
     </a:lvl4pPr>
-    <a:lvl5pPr lvl="4" marR="0" rtl="0" algn="l">
+    <a:lvl5pPr marR="0" lvl="4" algn="l" rtl="0">
       <a:lnSpc>
         <a:spcPct val="100000"/>
       </a:lnSpc>
@@ -163,7 +163,7 @@
         <a:srgbClr val="000000"/>
       </a:buClr>
       <a:buFont typeface="Arial"/>
-      <a:defRPr b="0" i="0" sz="1400" u="none" cap="none" strike="noStrike">
+      <a:defRPr sz="1400" b="0" i="0" u="none" strike="noStrike" cap="none">
         <a:solidFill>
           <a:srgbClr val="000000"/>
         </a:solidFill>
@@ -173,7 +173,7 @@
         <a:sym typeface="Arial"/>
       </a:defRPr>
     </a:lvl5pPr>
-    <a:lvl6pPr lvl="5" marR="0" rtl="0" algn="l">
+    <a:lvl6pPr marR="0" lvl="5" algn="l" rtl="0">
       <a:lnSpc>
         <a:spcPct val="100000"/>
       </a:lnSpc>
@@ -187,7 +187,7 @@
         <a:srgbClr val="000000"/>
       </a:buClr>
       <a:buFont typeface="Arial"/>
-      <a:defRPr b="0" i="0" sz="1400" u="none" cap="none" strike="noStrike">
+      <a:defRPr sz="1400" b="0" i="0" u="none" strike="noStrike" cap="none">
         <a:solidFill>
           <a:srgbClr val="000000"/>
         </a:solidFill>
@@ -197,7 +197,7 @@
         <a:sym typeface="Arial"/>
       </a:defRPr>
     </a:lvl6pPr>
-    <a:lvl7pPr lvl="6" marR="0" rtl="0" algn="l">
+    <a:lvl7pPr marR="0" lvl="6" algn="l" rtl="0">
       <a:lnSpc>
         <a:spcPct val="100000"/>
       </a:lnSpc>
@@ -211,7 +211,7 @@
         <a:srgbClr val="000000"/>
       </a:buClr>
       <a:buFont typeface="Arial"/>
-      <a:defRPr b="0" i="0" sz="1400" u="none" cap="none" strike="noStrike">
+      <a:defRPr sz="1400" b="0" i="0" u="none" strike="noStrike" cap="none">
         <a:solidFill>
           <a:srgbClr val="000000"/>
         </a:solidFill>
@@ -221,7 +221,7 @@
         <a:sym typeface="Arial"/>
       </a:defRPr>
     </a:lvl7pPr>
-    <a:lvl8pPr lvl="7" marR="0" rtl="0" algn="l">
+    <a:lvl8pPr marR="0" lvl="7" algn="l" rtl="0">
       <a:lnSpc>
         <a:spcPct val="100000"/>
       </a:lnSpc>
@@ -235,7 +235,7 @@
         <a:srgbClr val="000000"/>
       </a:buClr>
       <a:buFont typeface="Arial"/>
-      <a:defRPr b="0" i="0" sz="1400" u="none" cap="none" strike="noStrike">
+      <a:defRPr sz="1400" b="0" i="0" u="none" strike="noStrike" cap="none">
         <a:solidFill>
           <a:srgbClr val="000000"/>
         </a:solidFill>
@@ -245,7 +245,7 @@
         <a:sym typeface="Arial"/>
       </a:defRPr>
     </a:lvl8pPr>
-    <a:lvl9pPr lvl="8" marR="0" rtl="0" algn="l">
+    <a:lvl9pPr marR="0" lvl="8" algn="l" rtl="0">
       <a:lnSpc>
         <a:spcPct val="100000"/>
       </a:lnSpc>
@@ -259,7 +259,7 @@
         <a:srgbClr val="000000"/>
       </a:buClr>
       <a:buFont typeface="Arial"/>
-      <a:defRPr b="0" i="0" sz="1400" u="none" cap="none" strike="noStrike">
+      <a:defRPr sz="1400" b="0" i="0" u="none" strike="noStrike" cap="none">
         <a:solidFill>
           <a:srgbClr val="000000"/>
         </a:solidFill>
@@ -272,7 +272,7 @@
   </p:defaultTextStyle>
   <p:extLst>
     <p:ext uri="{EFAFB233-063F-42B5-8137-9DF3F51BA10A}">
-      <p15:sldGuideLst>
+      <p15:sldGuideLst xmlns:p15="http://schemas.microsoft.com/office/powerpoint/2012/main">
         <p15:guide id="1" orient="horz" pos="1620">
           <p15:clr>
             <a:srgbClr val="747775"/>
@@ -290,11 +290,16 @@
 </file>
 
 <file path=ppt/notesMasters/notesMaster1.xml><?xml version="1.0" encoding="utf-8"?>
-<p:notesMaster xmlns:a="http://schemas.openxmlformats.org/drawingml/2006/main" xmlns:r="http://schemas.openxmlformats.org/officeDocument/2006/relationships" xmlns:mc="http://schemas.openxmlformats.org/markup-compatibility/2006" xmlns:mv="urn:schemas-microsoft-com:mac:vml" xmlns:p="http://schemas.openxmlformats.org/presentationml/2006/main" xmlns:c="http://schemas.openxmlformats.org/drawingml/2006/chart" xmlns:dgm="http://schemas.openxmlformats.org/drawingml/2006/diagram" xmlns:o="urn:schemas-microsoft-com:office:office" xmlns:v="urn:schemas-microsoft-com:vml" xmlns:pvml="urn:schemas-microsoft-com:office:powerpoint" xmlns:com="http://schemas.openxmlformats.org/drawingml/2006/compatibility" xmlns:p14="http://schemas.microsoft.com/office/powerpoint/2010/main" xmlns:p15="http://schemas.microsoft.com/office/powerpoint/2012/main" xmlns:ahyp="http://schemas.microsoft.com/office/drawing/2018/hyperlinkcolor">
+<p:notesMaster xmlns:a="http://schemas.openxmlformats.org/drawingml/2006/main" xmlns:r="http://schemas.openxmlformats.org/officeDocument/2006/relationships" xmlns:p="http://schemas.openxmlformats.org/presentationml/2006/main">
   <p:cSld>
+    <p:bg>
+      <p:bgRef idx="1001">
+        <a:schemeClr val="bg1"/>
+      </p:bgRef>
+    </p:bg>
     <p:spTree>
       <p:nvGrpSpPr>
-        <p:cNvPr id="2" name="Shape 2"/>
+        <p:cNvPr id="1" name="Shape 2"/>
         <p:cNvGrpSpPr/>
         <p:nvPr/>
       </p:nvGrpSpPr>
@@ -309,9 +314,11 @@
       <p:sp>
         <p:nvSpPr>
           <p:cNvPr id="3" name="Google Shape;3;n"/>
-          <p:cNvSpPr/>
+          <p:cNvSpPr>
+            <a:spLocks noGrp="1" noRot="1" noChangeAspect="1"/>
+          </p:cNvSpPr>
           <p:nvPr>
-            <p:ph idx="2" type="sldImg"/>
+            <p:ph type="sldImg" idx="2"/>
           </p:nvPr>
         </p:nvSpPr>
         <p:spPr>
@@ -320,9 +327,13 @@
             <a:ext cx="6096075" cy="3429000"/>
           </a:xfrm>
           <a:custGeom>
-            <a:rect b="b" l="l" r="r" t="t"/>
+            <a:avLst/>
+            <a:gdLst/>
+            <a:ahLst/>
+            <a:cxnLst/>
+            <a:rect l="l" t="t" r="r" b="b"/>
             <a:pathLst>
-              <a:path extrusionOk="0" h="120000" w="120000">
+              <a:path w="120000" h="120000" extrusionOk="0">
                 <a:moveTo>
                   <a:pt x="0" y="0"/>
                 </a:moveTo>
@@ -340,23 +351,25 @@
             </a:pathLst>
           </a:custGeom>
           <a:noFill/>
-          <a:ln cap="flat" cmpd="sng" w="9525">
+          <a:ln w="9525" cap="flat" cmpd="sng">
             <a:solidFill>
               <a:srgbClr val="000000"/>
             </a:solidFill>
             <a:prstDash val="solid"/>
             <a:round/>
-            <a:headEnd len="sm" w="sm" type="none"/>
-            <a:tailEnd len="sm" w="sm" type="none"/>
+            <a:headEnd type="none" w="sm" len="sm"/>
+            <a:tailEnd type="none" w="sm" len="sm"/>
           </a:ln>
         </p:spPr>
       </p:sp>
       <p:sp>
         <p:nvSpPr>
           <p:cNvPr id="4" name="Google Shape;4;n"/>
-          <p:cNvSpPr txBox="1"/>
+          <p:cNvSpPr txBox="1">
+            <a:spLocks noGrp="1"/>
+          </p:cNvSpPr>
           <p:nvPr>
-            <p:ph idx="1" type="body"/>
+            <p:ph type="body" idx="1"/>
           </p:nvPr>
         </p:nvSpPr>
         <p:spPr>
@@ -373,11 +386,11 @@
           </a:ln>
         </p:spPr>
         <p:txBody>
-          <a:bodyPr anchorCtr="0" anchor="t" bIns="91425" lIns="91425" spcFirstLastPara="1" rIns="91425" wrap="square" tIns="91425">
+          <a:bodyPr spcFirstLastPara="1" wrap="square" lIns="91425" tIns="91425" rIns="91425" bIns="91425" anchor="t" anchorCtr="0">
             <a:noAutofit/>
           </a:bodyPr>
           <a:lstStyle>
-            <a:lvl1pPr indent="-298450" lvl="0" marL="457200">
+            <a:lvl1pPr marL="457200" lvl="0" indent="-298450">
               <a:spcBef>
                 <a:spcPts val="0"/>
               </a:spcBef>
@@ -388,7 +401,7 @@
               <a:buChar char="●"/>
               <a:defRPr sz="1100"/>
             </a:lvl1pPr>
-            <a:lvl2pPr indent="-298450" lvl="1" marL="914400">
+            <a:lvl2pPr marL="914400" lvl="1" indent="-298450">
               <a:spcBef>
                 <a:spcPts val="0"/>
               </a:spcBef>
@@ -399,7 +412,7 @@
               <a:buChar char="○"/>
               <a:defRPr sz="1100"/>
             </a:lvl2pPr>
-            <a:lvl3pPr indent="-298450" lvl="2" marL="1371600">
+            <a:lvl3pPr marL="1371600" lvl="2" indent="-298450">
               <a:spcBef>
                 <a:spcPts val="0"/>
               </a:spcBef>
@@ -410,7 +423,7 @@
               <a:buChar char="■"/>
               <a:defRPr sz="1100"/>
             </a:lvl3pPr>
-            <a:lvl4pPr indent="-298450" lvl="3" marL="1828800">
+            <a:lvl4pPr marL="1828800" lvl="3" indent="-298450">
               <a:spcBef>
                 <a:spcPts val="0"/>
               </a:spcBef>
@@ -421,7 +434,7 @@
               <a:buChar char="●"/>
               <a:defRPr sz="1100"/>
             </a:lvl4pPr>
-            <a:lvl5pPr indent="-298450" lvl="4" marL="2286000">
+            <a:lvl5pPr marL="2286000" lvl="4" indent="-298450">
               <a:spcBef>
                 <a:spcPts val="0"/>
               </a:spcBef>
@@ -432,7 +445,7 @@
               <a:buChar char="○"/>
               <a:defRPr sz="1100"/>
             </a:lvl5pPr>
-            <a:lvl6pPr indent="-298450" lvl="5" marL="2743200">
+            <a:lvl6pPr marL="2743200" lvl="5" indent="-298450">
               <a:spcBef>
                 <a:spcPts val="0"/>
               </a:spcBef>
@@ -443,7 +456,7 @@
               <a:buChar char="■"/>
               <a:defRPr sz="1100"/>
             </a:lvl6pPr>
-            <a:lvl7pPr indent="-298450" lvl="6" marL="3200400">
+            <a:lvl7pPr marL="3200400" lvl="6" indent="-298450">
               <a:spcBef>
                 <a:spcPts val="0"/>
               </a:spcBef>
@@ -454,7 +467,7 @@
               <a:buChar char="●"/>
               <a:defRPr sz="1100"/>
             </a:lvl7pPr>
-            <a:lvl8pPr indent="-298450" lvl="7" marL="3657600">
+            <a:lvl8pPr marL="3657600" lvl="7" indent="-298450">
               <a:spcBef>
                 <a:spcPts val="0"/>
               </a:spcBef>
@@ -465,7 +478,7 @@
               <a:buChar char="○"/>
               <a:defRPr sz="1100"/>
             </a:lvl8pPr>
-            <a:lvl9pPr indent="-298450" lvl="8" marL="4114800">
+            <a:lvl9pPr marL="4114800" lvl="8" indent="-298450">
               <a:spcBef>
                 <a:spcPts val="0"/>
               </a:spcBef>
@@ -477,14 +490,16 @@
               <a:defRPr sz="1100"/>
             </a:lvl9pPr>
           </a:lstStyle>
-          <a:p/>
+          <a:p>
+            <a:endParaRPr/>
+          </a:p>
         </p:txBody>
       </p:sp>
     </p:spTree>
   </p:cSld>
-  <p:clrMap accent1="accent1" accent2="accent2" accent3="accent3" accent4="accent4" accent5="accent5" accent6="accent6" bg1="lt1" bg2="dk2" tx1="dk1" tx2="lt2" folHlink="folHlink" hlink="hlink"/>
+  <p:clrMap bg1="lt1" tx1="dk1" bg2="dk2" tx2="lt2" accent1="accent1" accent2="accent2" accent3="accent3" accent4="accent4" accent5="accent5" accent6="accent6" hlink="hlink" folHlink="folHlink"/>
   <p:notesStyle>
-    <a:defPPr lvl="0" marR="0" rtl="0" algn="l">
+    <a:defPPr marR="0" lvl="0" algn="l" rtl="0">
       <a:lnSpc>
         <a:spcPct val="100000"/>
       </a:lnSpc>
@@ -495,7 +510,7 @@
         <a:spcPts val="0"/>
       </a:spcAft>
     </a:defPPr>
-    <a:lvl1pPr lvl="0" marR="0" rtl="0" algn="l">
+    <a:lvl1pPr marR="0" lvl="0" algn="l" rtl="0">
       <a:lnSpc>
         <a:spcPct val="100000"/>
       </a:lnSpc>
@@ -509,7 +524,7 @@
         <a:srgbClr val="000000"/>
       </a:buClr>
       <a:buFont typeface="Arial"/>
-      <a:defRPr b="0" i="0" sz="1400" u="none" cap="none" strike="noStrike">
+      <a:defRPr sz="1400" b="0" i="0" u="none" strike="noStrike" cap="none">
         <a:solidFill>
           <a:srgbClr val="000000"/>
         </a:solidFill>
@@ -519,7 +534,7 @@
         <a:sym typeface="Arial"/>
       </a:defRPr>
     </a:lvl1pPr>
-    <a:lvl2pPr lvl="1" marR="0" rtl="0" algn="l">
+    <a:lvl2pPr marR="0" lvl="1" algn="l" rtl="0">
       <a:lnSpc>
         <a:spcPct val="100000"/>
       </a:lnSpc>
@@ -533,7 +548,7 @@
         <a:srgbClr val="000000"/>
       </a:buClr>
       <a:buFont typeface="Arial"/>
-      <a:defRPr b="0" i="0" sz="1400" u="none" cap="none" strike="noStrike">
+      <a:defRPr sz="1400" b="0" i="0" u="none" strike="noStrike" cap="none">
         <a:solidFill>
           <a:srgbClr val="000000"/>
         </a:solidFill>
@@ -543,7 +558,7 @@
         <a:sym typeface="Arial"/>
       </a:defRPr>
     </a:lvl2pPr>
-    <a:lvl3pPr lvl="2" marR="0" rtl="0" algn="l">
+    <a:lvl3pPr marR="0" lvl="2" algn="l" rtl="0">
       <a:lnSpc>
         <a:spcPct val="100000"/>
       </a:lnSpc>
@@ -557,7 +572,7 @@
         <a:srgbClr val="000000"/>
       </a:buClr>
       <a:buFont typeface="Arial"/>
-      <a:defRPr b="0" i="0" sz="1400" u="none" cap="none" strike="noStrike">
+      <a:defRPr sz="1400" b="0" i="0" u="none" strike="noStrike" cap="none">
         <a:solidFill>
           <a:srgbClr val="000000"/>
         </a:solidFill>
@@ -567,7 +582,7 @@
         <a:sym typeface="Arial"/>
       </a:defRPr>
     </a:lvl3pPr>
-    <a:lvl4pPr lvl="3" marR="0" rtl="0" algn="l">
+    <a:lvl4pPr marR="0" lvl="3" algn="l" rtl="0">
       <a:lnSpc>
         <a:spcPct val="100000"/>
       </a:lnSpc>
@@ -581,7 +596,7 @@
         <a:srgbClr val="000000"/>
       </a:buClr>
       <a:buFont typeface="Arial"/>
-      <a:defRPr b="0" i="0" sz="1400" u="none" cap="none" strike="noStrike">
+      <a:defRPr sz="1400" b="0" i="0" u="none" strike="noStrike" cap="none">
         <a:solidFill>
           <a:srgbClr val="000000"/>
         </a:solidFill>
@@ -591,7 +606,7 @@
         <a:sym typeface="Arial"/>
       </a:defRPr>
     </a:lvl4pPr>
-    <a:lvl5pPr lvl="4" marR="0" rtl="0" algn="l">
+    <a:lvl5pPr marR="0" lvl="4" algn="l" rtl="0">
       <a:lnSpc>
         <a:spcPct val="100000"/>
       </a:lnSpc>
@@ -605,7 +620,7 @@
         <a:srgbClr val="000000"/>
       </a:buClr>
       <a:buFont typeface="Arial"/>
-      <a:defRPr b="0" i="0" sz="1400" u="none" cap="none" strike="noStrike">
+      <a:defRPr sz="1400" b="0" i="0" u="none" strike="noStrike" cap="none">
         <a:solidFill>
           <a:srgbClr val="000000"/>
         </a:solidFill>
@@ -615,7 +630,7 @@
         <a:sym typeface="Arial"/>
       </a:defRPr>
     </a:lvl5pPr>
-    <a:lvl6pPr lvl="5" marR="0" rtl="0" algn="l">
+    <a:lvl6pPr marR="0" lvl="5" algn="l" rtl="0">
       <a:lnSpc>
         <a:spcPct val="100000"/>
       </a:lnSpc>
@@ -629,7 +644,7 @@
         <a:srgbClr val="000000"/>
       </a:buClr>
       <a:buFont typeface="Arial"/>
-      <a:defRPr b="0" i="0" sz="1400" u="none" cap="none" strike="noStrike">
+      <a:defRPr sz="1400" b="0" i="0" u="none" strike="noStrike" cap="none">
         <a:solidFill>
           <a:srgbClr val="000000"/>
         </a:solidFill>
@@ -639,7 +654,7 @@
         <a:sym typeface="Arial"/>
       </a:defRPr>
     </a:lvl6pPr>
-    <a:lvl7pPr lvl="6" marR="0" rtl="0" algn="l">
+    <a:lvl7pPr marR="0" lvl="6" algn="l" rtl="0">
       <a:lnSpc>
         <a:spcPct val="100000"/>
       </a:lnSpc>
@@ -653,7 +668,7 @@
         <a:srgbClr val="000000"/>
       </a:buClr>
       <a:buFont typeface="Arial"/>
-      <a:defRPr b="0" i="0" sz="1400" u="none" cap="none" strike="noStrike">
+      <a:defRPr sz="1400" b="0" i="0" u="none" strike="noStrike" cap="none">
         <a:solidFill>
           <a:srgbClr val="000000"/>
         </a:solidFill>
@@ -663,7 +678,7 @@
         <a:sym typeface="Arial"/>
       </a:defRPr>
     </a:lvl7pPr>
-    <a:lvl8pPr lvl="7" marR="0" rtl="0" algn="l">
+    <a:lvl8pPr marR="0" lvl="7" algn="l" rtl="0">
       <a:lnSpc>
         <a:spcPct val="100000"/>
       </a:lnSpc>
@@ -677,7 +692,7 @@
         <a:srgbClr val="000000"/>
       </a:buClr>
       <a:buFont typeface="Arial"/>
-      <a:defRPr b="0" i="0" sz="1400" u="none" cap="none" strike="noStrike">
+      <a:defRPr sz="1400" b="0" i="0" u="none" strike="noStrike" cap="none">
         <a:solidFill>
           <a:srgbClr val="000000"/>
         </a:solidFill>
@@ -687,7 +702,7 @@
         <a:sym typeface="Arial"/>
       </a:defRPr>
     </a:lvl8pPr>
-    <a:lvl9pPr lvl="8" marR="0" rtl="0" algn="l">
+    <a:lvl9pPr marR="0" lvl="8" algn="l" rtl="0">
       <a:lnSpc>
         <a:spcPct val="100000"/>
       </a:lnSpc>
@@ -701,7 +716,7 @@
         <a:srgbClr val="000000"/>
       </a:buClr>
       <a:buFont typeface="Arial"/>
-      <a:defRPr b="0" i="0" sz="1400" u="none" cap="none" strike="noStrike">
+      <a:defRPr sz="1400" b="0" i="0" u="none" strike="noStrike" cap="none">
         <a:solidFill>
           <a:srgbClr val="000000"/>
         </a:solidFill>
@@ -716,11 +731,11 @@
 </file>
 
 <file path=ppt/notesSlides/notesSlide1.xml><?xml version="1.0" encoding="utf-8"?>
-<p:notes xmlns:a="http://schemas.openxmlformats.org/drawingml/2006/main" xmlns:r="http://schemas.openxmlformats.org/officeDocument/2006/relationships" xmlns:mc="http://schemas.openxmlformats.org/markup-compatibility/2006" xmlns:mv="urn:schemas-microsoft-com:mac:vml" xmlns:p="http://schemas.openxmlformats.org/presentationml/2006/main" xmlns:c="http://schemas.openxmlformats.org/drawingml/2006/chart" xmlns:dgm="http://schemas.openxmlformats.org/drawingml/2006/diagram" xmlns:o="urn:schemas-microsoft-com:office:office" xmlns:v="urn:schemas-microsoft-com:vml" xmlns:pvml="urn:schemas-microsoft-com:office:powerpoint" xmlns:com="http://schemas.openxmlformats.org/drawingml/2006/compatibility" xmlns:p14="http://schemas.microsoft.com/office/powerpoint/2010/main" xmlns:p15="http://schemas.microsoft.com/office/powerpoint/2012/main" xmlns:ahyp="http://schemas.microsoft.com/office/drawing/2018/hyperlinkcolor" showMasterPhAnim="0" showMasterSp="0">
+<p:notes xmlns:a="http://schemas.openxmlformats.org/drawingml/2006/main" xmlns:r="http://schemas.openxmlformats.org/officeDocument/2006/relationships" xmlns:p="http://schemas.openxmlformats.org/presentationml/2006/main" showMasterSp="0" showMasterPhAnim="0">
   <p:cSld>
     <p:spTree>
       <p:nvGrpSpPr>
-        <p:cNvPr id="60" name="Shape 60"/>
+        <p:cNvPr id="1" name="Shape 60"/>
         <p:cNvGrpSpPr/>
         <p:nvPr/>
       </p:nvGrpSpPr>
@@ -735,20 +750,26 @@
       <p:sp>
         <p:nvSpPr>
           <p:cNvPr id="61" name="Google Shape;61;p:notes"/>
-          <p:cNvSpPr/>
+          <p:cNvSpPr>
+            <a:spLocks noGrp="1" noRot="1" noChangeAspect="1"/>
+          </p:cNvSpPr>
           <p:nvPr>
-            <p:ph idx="2" type="sldImg"/>
+            <p:ph type="sldImg" idx="2"/>
           </p:nvPr>
         </p:nvSpPr>
         <p:spPr>
           <a:xfrm>
-            <a:off x="381300" y="685800"/>
-            <a:ext cx="6096075" cy="3429000"/>
+            <a:off x="381000" y="685800"/>
+            <a:ext cx="6096000" cy="3429000"/>
           </a:xfrm>
           <a:custGeom>
-            <a:rect b="b" l="l" r="r" t="t"/>
+            <a:avLst/>
+            <a:gdLst/>
+            <a:ahLst/>
+            <a:cxnLst/>
+            <a:rect l="l" t="t" r="r" b="b"/>
             <a:pathLst>
-              <a:path extrusionOk="0" h="120000" w="120000">
+              <a:path w="120000" h="120000" extrusionOk="0">
                 <a:moveTo>
                   <a:pt x="0" y="0"/>
                 </a:moveTo>
@@ -770,9 +791,11 @@
       <p:sp>
         <p:nvSpPr>
           <p:cNvPr id="62" name="Google Shape;62;p:notes"/>
-          <p:cNvSpPr txBox="1"/>
+          <p:cNvSpPr txBox="1">
+            <a:spLocks noGrp="1"/>
+          </p:cNvSpPr>
           <p:nvPr>
-            <p:ph idx="1" type="body"/>
+            <p:ph type="body" idx="1"/>
           </p:nvPr>
         </p:nvSpPr>
         <p:spPr>
@@ -785,12 +808,12 @@
           </a:prstGeom>
         </p:spPr>
         <p:txBody>
-          <a:bodyPr anchorCtr="0" anchor="t" bIns="91425" lIns="91425" spcFirstLastPara="1" rIns="91425" wrap="square" tIns="91425">
+          <a:bodyPr spcFirstLastPara="1" wrap="square" lIns="91425" tIns="91425" rIns="91425" bIns="91425" anchor="t" anchorCtr="0">
             <a:noAutofit/>
           </a:bodyPr>
           <a:lstStyle/>
           <a:p>
-            <a:pPr indent="0" lvl="0" marL="0" rtl="0" algn="l">
+            <a:pPr marL="0" lvl="0" indent="0" algn="l" rtl="0">
               <a:spcBef>
                 <a:spcPts val="0"/>
               </a:spcBef>
@@ -799,9 +822,6 @@
               </a:spcAft>
               <a:buNone/>
             </a:pPr>
-            <a:r>
-              <a:t/>
-            </a:r>
             <a:endParaRPr/>
           </a:p>
         </p:txBody>
@@ -815,11 +835,11 @@
 </file>
 
 <file path=ppt/notesSlides/notesSlide2.xml><?xml version="1.0" encoding="utf-8"?>
-<p:notes xmlns:a="http://schemas.openxmlformats.org/drawingml/2006/main" xmlns:r="http://schemas.openxmlformats.org/officeDocument/2006/relationships" xmlns:mc="http://schemas.openxmlformats.org/markup-compatibility/2006" xmlns:mv="urn:schemas-microsoft-com:mac:vml" xmlns:p="http://schemas.openxmlformats.org/presentationml/2006/main" xmlns:c="http://schemas.openxmlformats.org/drawingml/2006/chart" xmlns:dgm="http://schemas.openxmlformats.org/drawingml/2006/diagram" xmlns:o="urn:schemas-microsoft-com:office:office" xmlns:v="urn:schemas-microsoft-com:vml" xmlns:pvml="urn:schemas-microsoft-com:office:powerpoint" xmlns:com="http://schemas.openxmlformats.org/drawingml/2006/compatibility" xmlns:p14="http://schemas.microsoft.com/office/powerpoint/2010/main" xmlns:p15="http://schemas.microsoft.com/office/powerpoint/2012/main" xmlns:ahyp="http://schemas.microsoft.com/office/drawing/2018/hyperlinkcolor" showMasterPhAnim="0" showMasterSp="0">
+<p:notes xmlns:a="http://schemas.openxmlformats.org/drawingml/2006/main" xmlns:r="http://schemas.openxmlformats.org/officeDocument/2006/relationships" xmlns:p="http://schemas.openxmlformats.org/presentationml/2006/main" showMasterSp="0" showMasterPhAnim="0">
   <p:cSld>
     <p:spTree>
       <p:nvGrpSpPr>
-        <p:cNvPr id="66" name="Shape 66"/>
+        <p:cNvPr id="1" name="Shape 66"/>
         <p:cNvGrpSpPr/>
         <p:nvPr/>
       </p:nvGrpSpPr>
@@ -834,9 +854,11 @@
       <p:sp>
         <p:nvSpPr>
           <p:cNvPr id="67" name="Google Shape;67;g30af81a471e_0_54:notes"/>
-          <p:cNvSpPr/>
+          <p:cNvSpPr>
+            <a:spLocks noGrp="1" noRot="1" noChangeAspect="1"/>
+          </p:cNvSpPr>
           <p:nvPr>
-            <p:ph idx="2" type="sldImg"/>
+            <p:ph type="sldImg" idx="2"/>
           </p:nvPr>
         </p:nvSpPr>
         <p:spPr>
@@ -845,9 +867,13 @@
             <a:ext cx="6096000" cy="3429000"/>
           </a:xfrm>
           <a:custGeom>
-            <a:rect b="b" l="l" r="r" t="t"/>
+            <a:avLst/>
+            <a:gdLst/>
+            <a:ahLst/>
+            <a:cxnLst/>
+            <a:rect l="l" t="t" r="r" b="b"/>
             <a:pathLst>
-              <a:path extrusionOk="0" h="120000" w="120000">
+              <a:path w="120000" h="120000" extrusionOk="0">
                 <a:moveTo>
                   <a:pt x="0" y="0"/>
                 </a:moveTo>
@@ -869,9 +895,11 @@
       <p:sp>
         <p:nvSpPr>
           <p:cNvPr id="68" name="Google Shape;68;g30af81a471e_0_54:notes"/>
-          <p:cNvSpPr txBox="1"/>
+          <p:cNvSpPr txBox="1">
+            <a:spLocks noGrp="1"/>
+          </p:cNvSpPr>
           <p:nvPr>
-            <p:ph idx="1" type="body"/>
+            <p:ph type="body" idx="1"/>
           </p:nvPr>
         </p:nvSpPr>
         <p:spPr>
@@ -884,12 +912,12 @@
           </a:prstGeom>
         </p:spPr>
         <p:txBody>
-          <a:bodyPr anchorCtr="0" anchor="t" bIns="91425" lIns="91425" spcFirstLastPara="1" rIns="91425" wrap="square" tIns="91425">
+          <a:bodyPr spcFirstLastPara="1" wrap="square" lIns="91425" tIns="91425" rIns="91425" bIns="91425" anchor="t" anchorCtr="0">
             <a:noAutofit/>
           </a:bodyPr>
           <a:lstStyle/>
           <a:p>
-            <a:pPr indent="0" lvl="0" marL="0" rtl="0" algn="l">
+            <a:pPr marL="0" lvl="0" indent="0" algn="l" rtl="0">
               <a:spcBef>
                 <a:spcPts val="0"/>
               </a:spcBef>
@@ -900,15 +928,7 @@
             </a:pPr>
             <a:r>
               <a:rPr lang="en"/>
-              <a:t>This problem statement is phrased this way because we want to show business impact in the context of an example. The variety of choice problem is solved here through the recommendation system because it saves consumers’ time by narrowing down the choices based on the fragrance profile they want. It also fits in with the current trend of integrating automation into sectors of the company and help unsure associates who are on the job and may not be the most familiar with fragrances. We framed this problem in the context of Macy’s but this could apply for most retailers that have a fragrance section or sell a large variety of fragrances both online and in-person through kiosk format. Our question provides a solution that is missing from the current market as well; for example, if we look at amazon’s perfume/cologne/fragrance page it has some options to select such as what chemicals does the user want/not want in their perfume as well as generally popular brands. However, there isn’t really a way for the consumer to specify a profile and get the top brands specifically for that profile. This is where our recommender system comes in and fills in that gap by prompting the user for the profile that they want to see which should be used alongside </a:t>
-            </a:r>
-            <a:r>
-              <a:rPr lang="en"/>
-              <a:t>pre existing</a:t>
-            </a:r>
-            <a:r>
-              <a:rPr lang="en"/>
-              <a:t> filter options in companies like Amazon in their online/in-person systems. </a:t>
+              <a:t>This problem statement is phrased this way because we want to show business impact in the context of an example. The variety of choice problem is solved here through the recommendation system because it saves consumers’ time by narrowing down the choices based on the fragrance profile they want. It also fits in with the current trend of integrating automation into sectors of the company and help unsure associates who are on the job and may not be the most familiar with fragrances. We framed this problem in the context of Macy’s but this could apply for most retailers that have a fragrance section or sell a large variety of fragrances both online and in-person through kiosk format. Our question provides a solution that is missing from the current market as well; for example, if we look at amazon’s perfume/cologne/fragrance page it has some options to select such as what chemicals does the user want/not want in their perfume as well as generally popular brands. However, there isn’t really a way for the consumer to specify a profile and get the top brands specifically for that profile. This is where our recommender system comes in and fills in that gap by prompting the user for the profile that they want to see which should be used alongside pre existing filter options in companies like Amazon in their online/in-person systems. </a:t>
             </a:r>
             <a:endParaRPr/>
           </a:p>
@@ -923,11 +943,11 @@
 </file>
 
 <file path=ppt/notesSlides/notesSlide3.xml><?xml version="1.0" encoding="utf-8"?>
-<p:notes xmlns:a="http://schemas.openxmlformats.org/drawingml/2006/main" xmlns:r="http://schemas.openxmlformats.org/officeDocument/2006/relationships" xmlns:mc="http://schemas.openxmlformats.org/markup-compatibility/2006" xmlns:mv="urn:schemas-microsoft-com:mac:vml" xmlns:p="http://schemas.openxmlformats.org/presentationml/2006/main" xmlns:c="http://schemas.openxmlformats.org/drawingml/2006/chart" xmlns:dgm="http://schemas.openxmlformats.org/drawingml/2006/diagram" xmlns:o="urn:schemas-microsoft-com:office:office" xmlns:v="urn:schemas-microsoft-com:vml" xmlns:pvml="urn:schemas-microsoft-com:office:powerpoint" xmlns:com="http://schemas.openxmlformats.org/drawingml/2006/compatibility" xmlns:p14="http://schemas.microsoft.com/office/powerpoint/2010/main" xmlns:p15="http://schemas.microsoft.com/office/powerpoint/2012/main" xmlns:ahyp="http://schemas.microsoft.com/office/drawing/2018/hyperlinkcolor" showMasterPhAnim="0" showMasterSp="0">
+<p:notes xmlns:a="http://schemas.openxmlformats.org/drawingml/2006/main" xmlns:r="http://schemas.openxmlformats.org/officeDocument/2006/relationships" xmlns:p="http://schemas.openxmlformats.org/presentationml/2006/main" showMasterSp="0" showMasterPhAnim="0">
   <p:cSld>
     <p:spTree>
       <p:nvGrpSpPr>
-        <p:cNvPr id="73" name="Shape 73"/>
+        <p:cNvPr id="1" name="Shape 73"/>
         <p:cNvGrpSpPr/>
         <p:nvPr/>
       </p:nvGrpSpPr>
@@ -942,9 +962,11 @@
       <p:sp>
         <p:nvSpPr>
           <p:cNvPr id="74" name="Google Shape;74;g2fa5a968636_2_237:notes"/>
-          <p:cNvSpPr/>
+          <p:cNvSpPr>
+            <a:spLocks noGrp="1" noRot="1" noChangeAspect="1"/>
+          </p:cNvSpPr>
           <p:nvPr>
-            <p:ph idx="2" type="sldImg"/>
+            <p:ph type="sldImg" idx="2"/>
           </p:nvPr>
         </p:nvSpPr>
         <p:spPr>
@@ -953,9 +975,13 @@
             <a:ext cx="6096000" cy="3429000"/>
           </a:xfrm>
           <a:custGeom>
-            <a:rect b="b" l="l" r="r" t="t"/>
+            <a:avLst/>
+            <a:gdLst/>
+            <a:ahLst/>
+            <a:cxnLst/>
+            <a:rect l="l" t="t" r="r" b="b"/>
             <a:pathLst>
-              <a:path extrusionOk="0" h="120000" w="120000">
+              <a:path w="120000" h="120000" extrusionOk="0">
                 <a:moveTo>
                   <a:pt x="0" y="0"/>
                 </a:moveTo>
@@ -977,9 +1003,11 @@
       <p:sp>
         <p:nvSpPr>
           <p:cNvPr id="75" name="Google Shape;75;g2fa5a968636_2_237:notes"/>
-          <p:cNvSpPr txBox="1"/>
+          <p:cNvSpPr txBox="1">
+            <a:spLocks noGrp="1"/>
+          </p:cNvSpPr>
           <p:nvPr>
-            <p:ph idx="1" type="body"/>
+            <p:ph type="body" idx="1"/>
           </p:nvPr>
         </p:nvSpPr>
         <p:spPr>
@@ -992,12 +1020,12 @@
           </a:prstGeom>
         </p:spPr>
         <p:txBody>
-          <a:bodyPr anchorCtr="0" anchor="t" bIns="91425" lIns="91425" spcFirstLastPara="1" rIns="91425" wrap="square" tIns="91425">
+          <a:bodyPr spcFirstLastPara="1" wrap="square" lIns="91425" tIns="91425" rIns="91425" bIns="91425" anchor="t" anchorCtr="0">
             <a:noAutofit/>
           </a:bodyPr>
           <a:lstStyle/>
           <a:p>
-            <a:pPr indent="0" lvl="0" marL="0" rtl="0" algn="l">
+            <a:pPr marL="0" lvl="0" indent="0" algn="l" rtl="0">
               <a:spcBef>
                 <a:spcPts val="0"/>
               </a:spcBef>
@@ -1008,19 +1036,7 @@
             </a:pPr>
             <a:r>
               <a:rPr lang="en"/>
-              <a:t>Base Notes is a perfume/cologne discussion and review forum. Users write out reviews for the specific products they’ve tried, and </a:t>
-            </a:r>
-            <a:r>
-              <a:rPr lang="en"/>
-              <a:t>each</a:t>
-            </a:r>
-            <a:r>
-              <a:rPr lang="en"/>
-              <a:t> review </a:t>
-            </a:r>
-            <a:r>
-              <a:rPr lang="en"/>
-              <a:t>contains a sentiment left by the user (positive, negative, or neutral). During the scraping process, we extracted a total of 44,000 reviews that were written no later than December 2019. Also, in these reviews, the title was usually in a specific format which was product name + brand name, meaning we would need to separate this in processing.</a:t>
+              <a:t>Base Notes is a perfume/cologne discussion and review forum. Users write out reviews for the specific products they’ve tried, and each review contains a sentiment left by the user (positive, negative, or neutral). During the scraping process, we extracted a total of 44,000 reviews that were written no later than December 2019. Also, in these reviews, the title was usually in a specific format which was product name + brand name, meaning we would need to separate this in processing.</a:t>
             </a:r>
             <a:endParaRPr/>
           </a:p>
@@ -1035,11 +1051,11 @@
 </file>
 
 <file path=ppt/notesSlides/notesSlide4.xml><?xml version="1.0" encoding="utf-8"?>
-<p:notes xmlns:a="http://schemas.openxmlformats.org/drawingml/2006/main" xmlns:r="http://schemas.openxmlformats.org/officeDocument/2006/relationships" xmlns:mc="http://schemas.openxmlformats.org/markup-compatibility/2006" xmlns:mv="urn:schemas-microsoft-com:mac:vml" xmlns:p="http://schemas.openxmlformats.org/presentationml/2006/main" xmlns:c="http://schemas.openxmlformats.org/drawingml/2006/chart" xmlns:dgm="http://schemas.openxmlformats.org/drawingml/2006/diagram" xmlns:o="urn:schemas-microsoft-com:office:office" xmlns:v="urn:schemas-microsoft-com:vml" xmlns:pvml="urn:schemas-microsoft-com:office:powerpoint" xmlns:com="http://schemas.openxmlformats.org/drawingml/2006/compatibility" xmlns:p14="http://schemas.microsoft.com/office/powerpoint/2010/main" xmlns:p15="http://schemas.microsoft.com/office/powerpoint/2012/main" xmlns:ahyp="http://schemas.microsoft.com/office/drawing/2018/hyperlinkcolor" showMasterPhAnim="0" showMasterSp="0">
+<p:notes xmlns:a="http://schemas.openxmlformats.org/drawingml/2006/main" xmlns:r="http://schemas.openxmlformats.org/officeDocument/2006/relationships" xmlns:p="http://schemas.openxmlformats.org/presentationml/2006/main" showMasterSp="0" showMasterPhAnim="0">
   <p:cSld>
     <p:spTree>
       <p:nvGrpSpPr>
-        <p:cNvPr id="82" name="Shape 82"/>
+        <p:cNvPr id="1" name="Shape 82"/>
         <p:cNvGrpSpPr/>
         <p:nvPr/>
       </p:nvGrpSpPr>
@@ -1054,9 +1070,11 @@
       <p:sp>
         <p:nvSpPr>
           <p:cNvPr id="83" name="Google Shape;83;g2fa5a968636_2_1:notes"/>
-          <p:cNvSpPr/>
+          <p:cNvSpPr>
+            <a:spLocks noGrp="1" noRot="1" noChangeAspect="1"/>
+          </p:cNvSpPr>
           <p:nvPr>
-            <p:ph idx="2" type="sldImg"/>
+            <p:ph type="sldImg" idx="2"/>
           </p:nvPr>
         </p:nvSpPr>
         <p:spPr>
@@ -1065,9 +1083,13 @@
             <a:ext cx="6096000" cy="3429000"/>
           </a:xfrm>
           <a:custGeom>
-            <a:rect b="b" l="l" r="r" t="t"/>
+            <a:avLst/>
+            <a:gdLst/>
+            <a:ahLst/>
+            <a:cxnLst/>
+            <a:rect l="l" t="t" r="r" b="b"/>
             <a:pathLst>
-              <a:path extrusionOk="0" h="120000" w="120000">
+              <a:path w="120000" h="120000" extrusionOk="0">
                 <a:moveTo>
                   <a:pt x="0" y="0"/>
                 </a:moveTo>
@@ -1089,9 +1111,11 @@
       <p:sp>
         <p:nvSpPr>
           <p:cNvPr id="84" name="Google Shape;84;g2fa5a968636_2_1:notes"/>
-          <p:cNvSpPr txBox="1"/>
+          <p:cNvSpPr txBox="1">
+            <a:spLocks noGrp="1"/>
+          </p:cNvSpPr>
           <p:nvPr>
-            <p:ph idx="1" type="body"/>
+            <p:ph type="body" idx="1"/>
           </p:nvPr>
         </p:nvSpPr>
         <p:spPr>
@@ -1104,12 +1128,12 @@
           </a:prstGeom>
         </p:spPr>
         <p:txBody>
-          <a:bodyPr anchorCtr="0" anchor="t" bIns="91425" lIns="91425" spcFirstLastPara="1" rIns="91425" wrap="square" tIns="91425">
+          <a:bodyPr spcFirstLastPara="1" wrap="square" lIns="91425" tIns="91425" rIns="91425" bIns="91425" anchor="t" anchorCtr="0">
             <a:noAutofit/>
           </a:bodyPr>
           <a:lstStyle/>
           <a:p>
-            <a:pPr indent="0" lvl="0" marL="0" rtl="0" algn="l">
+            <a:pPr marL="0" lvl="0" indent="0" algn="l" rtl="0">
               <a:spcBef>
                 <a:spcPts val="0"/>
               </a:spcBef>
@@ -1125,7 +1149,7 @@
             <a:endParaRPr/>
           </a:p>
           <a:p>
-            <a:pPr indent="0" lvl="0" marL="0" rtl="0" algn="l">
+            <a:pPr marL="0" lvl="0" indent="0" algn="l" rtl="0">
               <a:spcBef>
                 <a:spcPts val="0"/>
               </a:spcBef>
@@ -1134,13 +1158,10 @@
               </a:spcAft>
               <a:buNone/>
             </a:pPr>
-            <a:r>
-              <a:t/>
-            </a:r>
             <a:endParaRPr/>
           </a:p>
           <a:p>
-            <a:pPr indent="0" lvl="0" marL="0" rtl="0" algn="l">
+            <a:pPr marL="0" lvl="0" indent="0" algn="l" rtl="0">
               <a:spcBef>
                 <a:spcPts val="0"/>
               </a:spcBef>
@@ -1151,16 +1172,12 @@
             </a:pPr>
             <a:r>
               <a:rPr lang="en"/>
-              <a:t> the ‘sentiment’ </a:t>
-            </a:r>
-            <a:r>
-              <a:rPr lang="en"/>
-              <a:t>there which was displayed as a thumbs up/down/neutral and assigned a number in our code, and lastly, the review itself, </a:t>
+              <a:t> the ‘sentiment’ there which was displayed as a thumbs up/down/neutral and assigned a number in our code, and lastly, the review itself, </a:t>
             </a:r>
             <a:endParaRPr/>
           </a:p>
           <a:p>
-            <a:pPr indent="0" lvl="0" marL="0" rtl="0" algn="l">
+            <a:pPr marL="0" lvl="0" indent="0" algn="l" rtl="0">
               <a:spcBef>
                 <a:spcPts val="0"/>
               </a:spcBef>
@@ -1171,20 +1188,12 @@
             </a:pPr>
             <a:r>
               <a:rPr lang="en"/>
-              <a:t>. [In order to ensure that the text reviews were ready for analysis, several </a:t>
-            </a:r>
-            <a:r>
-              <a:rPr lang="en"/>
-              <a:t>preprocessing</a:t>
-            </a:r>
-            <a:r>
-              <a:rPr lang="en"/>
-              <a:t> tasks were executed on the scraped data. First, unicode characters were normalized and any non-ASCII characters were ignored. Afterwards, we removed all punctuation and formatted each review into all lowercase letters. Finally, the text was tokenized and all stop words were removed from the tokens. [</a:t>
+              <a:t>. [In order to ensure that the text reviews were ready for analysis, several preprocessing tasks were executed on the scraped data. First, unicode characters were normalized and any non-ASCII characters were ignored. Afterwards, we removed all punctuation and formatted each review into all lowercase letters. Finally, the text was tokenized and all stop words were removed from the tokens. [</a:t>
             </a:r>
             <a:endParaRPr/>
           </a:p>
           <a:p>
-            <a:pPr indent="0" lvl="0" marL="0" rtl="0" algn="l">
+            <a:pPr marL="0" lvl="0" indent="0" algn="l" rtl="0">
               <a:spcBef>
                 <a:spcPts val="0"/>
               </a:spcBef>
@@ -1193,13 +1202,10 @@
               </a:spcAft>
               <a:buNone/>
             </a:pPr>
-            <a:r>
-              <a:t/>
-            </a:r>
             <a:endParaRPr/>
           </a:p>
           <a:p>
-            <a:pPr indent="0" lvl="0" marL="0" rtl="0" algn="l">
+            <a:pPr marL="0" lvl="0" indent="0" algn="l" rtl="0">
               <a:spcBef>
                 <a:spcPts val="0"/>
               </a:spcBef>
@@ -1215,7 +1221,7 @@
             <a:endParaRPr/>
           </a:p>
           <a:p>
-            <a:pPr indent="0" lvl="0" marL="0" rtl="0" algn="l">
+            <a:pPr marL="0" lvl="0" indent="0" algn="l" rtl="0">
               <a:spcBef>
                 <a:spcPts val="0"/>
               </a:spcBef>
@@ -1224,13 +1230,10 @@
               </a:spcAft>
               <a:buNone/>
             </a:pPr>
-            <a:r>
-              <a:t/>
-            </a:r>
             <a:endParaRPr/>
           </a:p>
           <a:p>
-            <a:pPr indent="0" lvl="0" marL="0" rtl="0" algn="l">
+            <a:pPr marL="0" lvl="0" indent="0" algn="l" rtl="0">
               <a:spcBef>
                 <a:spcPts val="0"/>
               </a:spcBef>
@@ -1246,7 +1249,7 @@
             <a:endParaRPr/>
           </a:p>
           <a:p>
-            <a:pPr indent="0" lvl="0" marL="0" rtl="0" algn="l">
+            <a:pPr marL="0" lvl="0" indent="0" algn="l" rtl="0">
               <a:spcBef>
                 <a:spcPts val="0"/>
               </a:spcBef>
@@ -1255,13 +1258,10 @@
               </a:spcAft>
               <a:buNone/>
             </a:pPr>
-            <a:r>
-              <a:t/>
-            </a:r>
             <a:endParaRPr/>
           </a:p>
           <a:p>
-            <a:pPr indent="0" lvl="0" marL="0" rtl="0" algn="l">
+            <a:pPr marL="0" lvl="0" indent="0" algn="l" rtl="0">
               <a:spcBef>
                 <a:spcPts val="0"/>
               </a:spcBef>
@@ -1287,11 +1287,11 @@
 </file>
 
 <file path=ppt/notesSlides/notesSlide5.xml><?xml version="1.0" encoding="utf-8"?>
-<p:notes xmlns:a="http://schemas.openxmlformats.org/drawingml/2006/main" xmlns:r="http://schemas.openxmlformats.org/officeDocument/2006/relationships" xmlns:mc="http://schemas.openxmlformats.org/markup-compatibility/2006" xmlns:mv="urn:schemas-microsoft-com:mac:vml" xmlns:p="http://schemas.openxmlformats.org/presentationml/2006/main" xmlns:c="http://schemas.openxmlformats.org/drawingml/2006/chart" xmlns:dgm="http://schemas.openxmlformats.org/drawingml/2006/diagram" xmlns:o="urn:schemas-microsoft-com:office:office" xmlns:v="urn:schemas-microsoft-com:vml" xmlns:pvml="urn:schemas-microsoft-com:office:powerpoint" xmlns:com="http://schemas.openxmlformats.org/drawingml/2006/compatibility" xmlns:p14="http://schemas.microsoft.com/office/powerpoint/2010/main" xmlns:p15="http://schemas.microsoft.com/office/powerpoint/2012/main" xmlns:ahyp="http://schemas.microsoft.com/office/drawing/2018/hyperlinkcolor" showMasterPhAnim="0" showMasterSp="0">
+<p:notes xmlns:a="http://schemas.openxmlformats.org/drawingml/2006/main" xmlns:r="http://schemas.openxmlformats.org/officeDocument/2006/relationships" xmlns:p="http://schemas.openxmlformats.org/presentationml/2006/main" showMasterSp="0" showMasterPhAnim="0">
   <p:cSld>
     <p:spTree>
       <p:nvGrpSpPr>
-        <p:cNvPr id="105" name="Shape 105"/>
+        <p:cNvPr id="1" name="Shape 105"/>
         <p:cNvGrpSpPr/>
         <p:nvPr/>
       </p:nvGrpSpPr>
@@ -1306,9 +1306,11 @@
       <p:sp>
         <p:nvSpPr>
           <p:cNvPr id="106" name="Google Shape;106;g2fa5a968636_2_256:notes"/>
-          <p:cNvSpPr/>
+          <p:cNvSpPr>
+            <a:spLocks noGrp="1" noRot="1" noChangeAspect="1"/>
+          </p:cNvSpPr>
           <p:nvPr>
-            <p:ph idx="2" type="sldImg"/>
+            <p:ph type="sldImg" idx="2"/>
           </p:nvPr>
         </p:nvSpPr>
         <p:spPr>
@@ -1317,9 +1319,13 @@
             <a:ext cx="6096000" cy="3429000"/>
           </a:xfrm>
           <a:custGeom>
-            <a:rect b="b" l="l" r="r" t="t"/>
+            <a:avLst/>
+            <a:gdLst/>
+            <a:ahLst/>
+            <a:cxnLst/>
+            <a:rect l="l" t="t" r="r" b="b"/>
             <a:pathLst>
-              <a:path extrusionOk="0" h="120000" w="120000">
+              <a:path w="120000" h="120000" extrusionOk="0">
                 <a:moveTo>
                   <a:pt x="0" y="0"/>
                 </a:moveTo>
@@ -1341,9 +1347,11 @@
       <p:sp>
         <p:nvSpPr>
           <p:cNvPr id="107" name="Google Shape;107;g2fa5a968636_2_256:notes"/>
-          <p:cNvSpPr txBox="1"/>
+          <p:cNvSpPr txBox="1">
+            <a:spLocks noGrp="1"/>
+          </p:cNvSpPr>
           <p:nvPr>
-            <p:ph idx="1" type="body"/>
+            <p:ph type="body" idx="1"/>
           </p:nvPr>
         </p:nvSpPr>
         <p:spPr>
@@ -1356,12 +1364,12 @@
           </a:prstGeom>
         </p:spPr>
         <p:txBody>
-          <a:bodyPr anchorCtr="0" anchor="t" bIns="91425" lIns="91425" spcFirstLastPara="1" rIns="91425" wrap="square" tIns="91425">
+          <a:bodyPr spcFirstLastPara="1" wrap="square" lIns="91425" tIns="91425" rIns="91425" bIns="91425" anchor="t" anchorCtr="0">
             <a:noAutofit/>
           </a:bodyPr>
           <a:lstStyle/>
           <a:p>
-            <a:pPr indent="0" lvl="0" marL="0" rtl="0" algn="l">
+            <a:pPr marL="0" lvl="0" indent="0" algn="l" rtl="0">
               <a:spcBef>
                 <a:spcPts val="0"/>
               </a:spcBef>
@@ -1377,7 +1385,7 @@
             <a:endParaRPr/>
           </a:p>
           <a:p>
-            <a:pPr indent="0" lvl="0" marL="0" rtl="0" algn="l">
+            <a:pPr marL="0" lvl="0" indent="0" algn="l" rtl="0">
               <a:spcBef>
                 <a:spcPts val="0"/>
               </a:spcBef>
@@ -1386,13 +1394,10 @@
               </a:spcAft>
               <a:buNone/>
             </a:pPr>
-            <a:r>
-              <a:t/>
-            </a:r>
             <a:endParaRPr/>
           </a:p>
           <a:p>
-            <a:pPr indent="0" lvl="0" marL="0" rtl="0" algn="l">
+            <a:pPr marL="0" lvl="0" indent="0" algn="l" rtl="0">
               <a:spcBef>
                 <a:spcPts val="0"/>
               </a:spcBef>
@@ -1408,7 +1413,7 @@
             <a:endParaRPr/>
           </a:p>
           <a:p>
-            <a:pPr indent="0" lvl="0" marL="0" rtl="0" algn="l">
+            <a:pPr marL="0" lvl="0" indent="0" algn="l" rtl="0">
               <a:spcBef>
                 <a:spcPts val="0"/>
               </a:spcBef>
@@ -1417,13 +1422,10 @@
               </a:spcAft>
               <a:buNone/>
             </a:pPr>
-            <a:r>
-              <a:t/>
-            </a:r>
             <a:endParaRPr/>
           </a:p>
           <a:p>
-            <a:pPr indent="0" lvl="0" marL="0" rtl="0" algn="l">
+            <a:pPr marL="0" lvl="0" indent="0" algn="l" rtl="0">
               <a:spcBef>
                 <a:spcPts val="0"/>
               </a:spcBef>
@@ -1439,7 +1441,7 @@
             <a:endParaRPr/>
           </a:p>
           <a:p>
-            <a:pPr indent="0" lvl="0" marL="0" rtl="0" algn="l">
+            <a:pPr marL="0" lvl="0" indent="0" algn="l" rtl="0">
               <a:spcBef>
                 <a:spcPts val="0"/>
               </a:spcBef>
@@ -1448,13 +1450,10 @@
               </a:spcAft>
               <a:buNone/>
             </a:pPr>
-            <a:r>
-              <a:t/>
-            </a:r>
             <a:endParaRPr/>
           </a:p>
           <a:p>
-            <a:pPr indent="0" lvl="0" marL="0" rtl="0" algn="l">
+            <a:pPr marL="0" lvl="0" indent="0" algn="l" rtl="0">
               <a:spcBef>
                 <a:spcPts val="0"/>
               </a:spcBef>
@@ -1465,16 +1464,12 @@
             </a:pPr>
             <a:r>
               <a:rPr lang="en"/>
-              <a:t>Describe topic 5 - tom ford noir is a perfume, and </a:t>
-            </a:r>
-            <a:r>
-              <a:rPr lang="en"/>
-              <a:t>attributes (descriptors) sahara and cherry with it</a:t>
+              <a:t>Describe topic 5 - tom ford noir is a perfume, and attributes (descriptors) sahara and cherry with it</a:t>
             </a:r>
             <a:endParaRPr/>
           </a:p>
           <a:p>
-            <a:pPr indent="0" lvl="0" marL="0" rtl="0" algn="l">
+            <a:pPr marL="0" lvl="0" indent="0" algn="l" rtl="0">
               <a:spcBef>
                 <a:spcPts val="0"/>
               </a:spcBef>
@@ -1490,7 +1485,7 @@
             <a:endParaRPr/>
           </a:p>
           <a:p>
-            <a:pPr indent="0" lvl="0" marL="0" rtl="0" algn="l">
+            <a:pPr marL="0" lvl="0" indent="0" algn="l" rtl="0">
               <a:spcBef>
                 <a:spcPts val="0"/>
               </a:spcBef>
@@ -1499,9 +1494,6 @@
               </a:spcAft>
               <a:buNone/>
             </a:pPr>
-            <a:r>
-              <a:t/>
-            </a:r>
             <a:endParaRPr/>
           </a:p>
         </p:txBody>
@@ -1515,11 +1507,11 @@
 </file>
 
 <file path=ppt/notesSlides/notesSlide6.xml><?xml version="1.0" encoding="utf-8"?>
-<p:notes xmlns:a="http://schemas.openxmlformats.org/drawingml/2006/main" xmlns:r="http://schemas.openxmlformats.org/officeDocument/2006/relationships" xmlns:mc="http://schemas.openxmlformats.org/markup-compatibility/2006" xmlns:mv="urn:schemas-microsoft-com:mac:vml" xmlns:p="http://schemas.openxmlformats.org/presentationml/2006/main" xmlns:c="http://schemas.openxmlformats.org/drawingml/2006/chart" xmlns:dgm="http://schemas.openxmlformats.org/drawingml/2006/diagram" xmlns:o="urn:schemas-microsoft-com:office:office" xmlns:v="urn:schemas-microsoft-com:vml" xmlns:pvml="urn:schemas-microsoft-com:office:powerpoint" xmlns:com="http://schemas.openxmlformats.org/drawingml/2006/compatibility" xmlns:p14="http://schemas.microsoft.com/office/powerpoint/2010/main" xmlns:p15="http://schemas.microsoft.com/office/powerpoint/2012/main" xmlns:ahyp="http://schemas.microsoft.com/office/drawing/2018/hyperlinkcolor" showMasterPhAnim="0" showMasterSp="0">
+<p:notes xmlns:a="http://schemas.openxmlformats.org/drawingml/2006/main" xmlns:r="http://schemas.openxmlformats.org/officeDocument/2006/relationships" xmlns:p="http://schemas.openxmlformats.org/presentationml/2006/main" showMasterSp="0" showMasterPhAnim="0">
   <p:cSld>
     <p:spTree>
       <p:nvGrpSpPr>
-        <p:cNvPr id="111" name="Shape 111"/>
+        <p:cNvPr id="1" name="Shape 111"/>
         <p:cNvGrpSpPr/>
         <p:nvPr/>
       </p:nvGrpSpPr>
@@ -1534,9 +1526,11 @@
       <p:sp>
         <p:nvSpPr>
           <p:cNvPr id="112" name="Google Shape;112;g2fa7604a122_0_4:notes"/>
-          <p:cNvSpPr/>
+          <p:cNvSpPr>
+            <a:spLocks noGrp="1" noRot="1" noChangeAspect="1"/>
+          </p:cNvSpPr>
           <p:nvPr>
-            <p:ph idx="2" type="sldImg"/>
+            <p:ph type="sldImg" idx="2"/>
           </p:nvPr>
         </p:nvSpPr>
         <p:spPr>
@@ -1545,9 +1539,13 @@
             <a:ext cx="6096000" cy="3429000"/>
           </a:xfrm>
           <a:custGeom>
-            <a:rect b="b" l="l" r="r" t="t"/>
+            <a:avLst/>
+            <a:gdLst/>
+            <a:ahLst/>
+            <a:cxnLst/>
+            <a:rect l="l" t="t" r="r" b="b"/>
             <a:pathLst>
-              <a:path extrusionOk="0" h="120000" w="120000">
+              <a:path w="120000" h="120000" extrusionOk="0">
                 <a:moveTo>
                   <a:pt x="0" y="0"/>
                 </a:moveTo>
@@ -1569,9 +1567,11 @@
       <p:sp>
         <p:nvSpPr>
           <p:cNvPr id="113" name="Google Shape;113;g2fa7604a122_0_4:notes"/>
-          <p:cNvSpPr txBox="1"/>
+          <p:cNvSpPr txBox="1">
+            <a:spLocks noGrp="1"/>
+          </p:cNvSpPr>
           <p:nvPr>
-            <p:ph idx="1" type="body"/>
+            <p:ph type="body" idx="1"/>
           </p:nvPr>
         </p:nvSpPr>
         <p:spPr>
@@ -1584,12 +1584,12 @@
           </a:prstGeom>
         </p:spPr>
         <p:txBody>
-          <a:bodyPr anchorCtr="0" anchor="t" bIns="91425" lIns="91425" spcFirstLastPara="1" rIns="91425" wrap="square" tIns="91425">
+          <a:bodyPr spcFirstLastPara="1" wrap="square" lIns="91425" tIns="91425" rIns="91425" bIns="91425" anchor="t" anchorCtr="0">
             <a:noAutofit/>
           </a:bodyPr>
           <a:lstStyle/>
           <a:p>
-            <a:pPr indent="0" lvl="0" marL="0" rtl="0" algn="l">
+            <a:pPr marL="0" lvl="0" indent="0" algn="l" rtl="0">
               <a:spcBef>
                 <a:spcPts val="0"/>
               </a:spcBef>
@@ -1605,7 +1605,7 @@
             <a:endParaRPr/>
           </a:p>
           <a:p>
-            <a:pPr indent="0" lvl="0" marL="0" rtl="0" algn="l">
+            <a:pPr marL="0" lvl="0" indent="0" algn="l" rtl="0">
               <a:spcBef>
                 <a:spcPts val="0"/>
               </a:spcBef>
@@ -1614,13 +1614,10 @@
               </a:spcAft>
               <a:buNone/>
             </a:pPr>
-            <a:r>
-              <a:t/>
-            </a:r>
             <a:endParaRPr/>
           </a:p>
           <a:p>
-            <a:pPr indent="0" lvl="0" marL="0" rtl="0" algn="l">
+            <a:pPr marL="0" lvl="0" indent="0" algn="l" rtl="0">
               <a:spcBef>
                 <a:spcPts val="0"/>
               </a:spcBef>
@@ -1636,7 +1633,7 @@
             <a:endParaRPr/>
           </a:p>
           <a:p>
-            <a:pPr indent="0" lvl="0" marL="0" rtl="0" algn="l">
+            <a:pPr marL="0" lvl="0" indent="0" algn="l" rtl="0">
               <a:spcBef>
                 <a:spcPts val="0"/>
               </a:spcBef>
@@ -1645,13 +1642,10 @@
               </a:spcAft>
               <a:buNone/>
             </a:pPr>
-            <a:r>
-              <a:t/>
-            </a:r>
             <a:endParaRPr/>
           </a:p>
           <a:p>
-            <a:pPr indent="0" lvl="0" marL="0" rtl="0" algn="l">
+            <a:pPr marL="0" lvl="0" indent="0" algn="l" rtl="0">
               <a:spcBef>
                 <a:spcPts val="0"/>
               </a:spcBef>
@@ -1667,7 +1661,7 @@
             <a:endParaRPr/>
           </a:p>
           <a:p>
-            <a:pPr indent="0" lvl="0" marL="0" rtl="0" algn="l">
+            <a:pPr marL="0" lvl="0" indent="0" algn="l" rtl="0">
               <a:spcBef>
                 <a:spcPts val="0"/>
               </a:spcBef>
@@ -1676,13 +1670,10 @@
               </a:spcAft>
               <a:buNone/>
             </a:pPr>
-            <a:r>
-              <a:t/>
-            </a:r>
             <a:endParaRPr/>
           </a:p>
           <a:p>
-            <a:pPr indent="0" lvl="0" marL="0" rtl="0" algn="l">
+            <a:pPr marL="0" lvl="0" indent="0" algn="l" rtl="0">
               <a:spcBef>
                 <a:spcPts val="0"/>
               </a:spcBef>
@@ -1698,7 +1689,7 @@
             <a:endParaRPr/>
           </a:p>
           <a:p>
-            <a:pPr indent="0" lvl="0" marL="0" rtl="0" algn="l">
+            <a:pPr marL="0" lvl="0" indent="0" algn="l" rtl="0">
               <a:spcBef>
                 <a:spcPts val="0"/>
               </a:spcBef>
@@ -1714,7 +1705,7 @@
             <a:endParaRPr/>
           </a:p>
           <a:p>
-            <a:pPr indent="0" lvl="0" marL="0" rtl="0" algn="l">
+            <a:pPr marL="0" lvl="0" indent="0" algn="l" rtl="0">
               <a:spcBef>
                 <a:spcPts val="0"/>
               </a:spcBef>
@@ -1730,7 +1721,7 @@
             <a:endParaRPr/>
           </a:p>
           <a:p>
-            <a:pPr indent="0" lvl="0" marL="0" rtl="0" algn="l">
+            <a:pPr marL="0" lvl="0" indent="0" algn="l" rtl="0">
               <a:spcBef>
                 <a:spcPts val="0"/>
               </a:spcBef>
@@ -1746,7 +1737,7 @@
             <a:endParaRPr/>
           </a:p>
           <a:p>
-            <a:pPr indent="0" lvl="0" marL="0" rtl="0" algn="l">
+            <a:pPr marL="0" lvl="0" indent="0" algn="l" rtl="0">
               <a:spcBef>
                 <a:spcPts val="0"/>
               </a:spcBef>
@@ -1755,13 +1746,10 @@
               </a:spcAft>
               <a:buNone/>
             </a:pPr>
-            <a:r>
-              <a:t/>
-            </a:r>
             <a:endParaRPr/>
           </a:p>
           <a:p>
-            <a:pPr indent="0" lvl="0" marL="0" rtl="0" algn="l">
+            <a:pPr marL="0" lvl="0" indent="0" algn="l" rtl="0">
               <a:spcBef>
                 <a:spcPts val="0"/>
               </a:spcBef>
@@ -1777,7 +1765,7 @@
             <a:endParaRPr/>
           </a:p>
           <a:p>
-            <a:pPr indent="0" lvl="0" marL="0" rtl="0" algn="l">
+            <a:pPr marL="0" lvl="0" indent="0" algn="l" rtl="0">
               <a:spcBef>
                 <a:spcPts val="0"/>
               </a:spcBef>
@@ -1793,7 +1781,7 @@
             <a:endParaRPr/>
           </a:p>
           <a:p>
-            <a:pPr indent="0" lvl="0" marL="0" rtl="0" algn="l">
+            <a:pPr marL="0" lvl="0" indent="0" algn="l" rtl="0">
               <a:spcBef>
                 <a:spcPts val="0"/>
               </a:spcBef>
@@ -1802,13 +1790,10 @@
               </a:spcAft>
               <a:buNone/>
             </a:pPr>
-            <a:r>
-              <a:t/>
-            </a:r>
             <a:endParaRPr/>
           </a:p>
           <a:p>
-            <a:pPr indent="0" lvl="0" marL="0" rtl="0" algn="l">
+            <a:pPr marL="0" lvl="0" indent="0" algn="l" rtl="0">
               <a:spcBef>
                 <a:spcPts val="0"/>
               </a:spcBef>
@@ -1824,7 +1809,7 @@
             <a:endParaRPr/>
           </a:p>
           <a:p>
-            <a:pPr indent="0" lvl="0" marL="0" rtl="0" algn="l">
+            <a:pPr marL="0" lvl="0" indent="0" algn="l" rtl="0">
               <a:spcBef>
                 <a:spcPts val="0"/>
               </a:spcBef>
@@ -1833,9 +1818,6 @@
               </a:spcAft>
               <a:buNone/>
             </a:pPr>
-            <a:r>
-              <a:t/>
-            </a:r>
             <a:endParaRPr/>
           </a:p>
         </p:txBody>
@@ -1849,11 +1831,11 @@
 </file>
 
 <file path=ppt/notesSlides/notesSlide7.xml><?xml version="1.0" encoding="utf-8"?>
-<p:notes xmlns:a="http://schemas.openxmlformats.org/drawingml/2006/main" xmlns:r="http://schemas.openxmlformats.org/officeDocument/2006/relationships" xmlns:mc="http://schemas.openxmlformats.org/markup-compatibility/2006" xmlns:mv="urn:schemas-microsoft-com:mac:vml" xmlns:p="http://schemas.openxmlformats.org/presentationml/2006/main" xmlns:c="http://schemas.openxmlformats.org/drawingml/2006/chart" xmlns:dgm="http://schemas.openxmlformats.org/drawingml/2006/diagram" xmlns:o="urn:schemas-microsoft-com:office:office" xmlns:v="urn:schemas-microsoft-com:vml" xmlns:pvml="urn:schemas-microsoft-com:office:powerpoint" xmlns:com="http://schemas.openxmlformats.org/drawingml/2006/compatibility" xmlns:p14="http://schemas.microsoft.com/office/powerpoint/2010/main" xmlns:p15="http://schemas.microsoft.com/office/powerpoint/2012/main" xmlns:ahyp="http://schemas.microsoft.com/office/drawing/2018/hyperlinkcolor" showMasterPhAnim="0" showMasterSp="0">
+<p:notes xmlns:a="http://schemas.openxmlformats.org/drawingml/2006/main" xmlns:r="http://schemas.openxmlformats.org/officeDocument/2006/relationships" xmlns:p="http://schemas.openxmlformats.org/presentationml/2006/main" showMasterSp="0" showMasterPhAnim="0">
   <p:cSld>
     <p:spTree>
       <p:nvGrpSpPr>
-        <p:cNvPr id="116" name="Shape 116"/>
+        <p:cNvPr id="1" name="Shape 116"/>
         <p:cNvGrpSpPr/>
         <p:nvPr/>
       </p:nvGrpSpPr>
@@ -1868,9 +1850,11 @@
       <p:sp>
         <p:nvSpPr>
           <p:cNvPr id="117" name="Google Shape;117;g2fa5a968636_2_232:notes"/>
-          <p:cNvSpPr/>
+          <p:cNvSpPr>
+            <a:spLocks noGrp="1" noRot="1" noChangeAspect="1"/>
+          </p:cNvSpPr>
           <p:nvPr>
-            <p:ph idx="2" type="sldImg"/>
+            <p:ph type="sldImg" idx="2"/>
           </p:nvPr>
         </p:nvSpPr>
         <p:spPr>
@@ -1879,9 +1863,13 @@
             <a:ext cx="6096000" cy="3429000"/>
           </a:xfrm>
           <a:custGeom>
-            <a:rect b="b" l="l" r="r" t="t"/>
+            <a:avLst/>
+            <a:gdLst/>
+            <a:ahLst/>
+            <a:cxnLst/>
+            <a:rect l="l" t="t" r="r" b="b"/>
             <a:pathLst>
-              <a:path extrusionOk="0" h="120000" w="120000">
+              <a:path w="120000" h="120000" extrusionOk="0">
                 <a:moveTo>
                   <a:pt x="0" y="0"/>
                 </a:moveTo>
@@ -1903,9 +1891,11 @@
       <p:sp>
         <p:nvSpPr>
           <p:cNvPr id="118" name="Google Shape;118;g2fa5a968636_2_232:notes"/>
-          <p:cNvSpPr txBox="1"/>
+          <p:cNvSpPr txBox="1">
+            <a:spLocks noGrp="1"/>
+          </p:cNvSpPr>
           <p:nvPr>
-            <p:ph idx="1" type="body"/>
+            <p:ph type="body" idx="1"/>
           </p:nvPr>
         </p:nvSpPr>
         <p:spPr>
@@ -1918,12 +1908,12 @@
           </a:prstGeom>
         </p:spPr>
         <p:txBody>
-          <a:bodyPr anchorCtr="0" anchor="t" bIns="91425" lIns="91425" spcFirstLastPara="1" rIns="91425" wrap="square" tIns="91425">
+          <a:bodyPr spcFirstLastPara="1" wrap="square" lIns="91425" tIns="91425" rIns="91425" bIns="91425" anchor="t" anchorCtr="0">
             <a:noAutofit/>
           </a:bodyPr>
           <a:lstStyle/>
           <a:p>
-            <a:pPr indent="0" lvl="0" marL="0" rtl="0" algn="l">
+            <a:pPr marL="0" lvl="0" indent="0" algn="l" rtl="0">
               <a:spcBef>
                 <a:spcPts val="0"/>
               </a:spcBef>
@@ -1934,15 +1924,7 @@
             </a:pPr>
             <a:r>
               <a:rPr lang="en"/>
-              <a:t>This case study demonstrates an example of our recommendation system’s functionality to a customer that is unfamiliar with what fragrance they want. In this case, consumer x inputs some desired attributes into the kiosk. </a:t>
-            </a:r>
-            <a:r>
-              <a:rPr lang="en"/>
-              <a:t>Behind</a:t>
-            </a:r>
-            <a:r>
-              <a:rPr lang="en"/>
-              <a:t> the scenes, our software will determine which fragrances have the highest spacy similarity scores based off of the reviews. These fragrances will then be outputted back to the user along with their prices to give the user an idea of what to buy.</a:t>
+              <a:t>This case study demonstrates an example of our recommendation system’s functionality to a customer that is unfamiliar with what fragrance they want. In this case, consumer x inputs some desired attributes into the kiosk. Behind the scenes, our software will determine which fragrances have the highest spacy similarity scores based off of the reviews. These fragrances will then be outputted back to the user along with their prices to give the user an idea of what to buy.</a:t>
             </a:r>
             <a:endParaRPr/>
           </a:p>
@@ -1957,11 +1939,11 @@
 </file>
 
 <file path=ppt/notesSlides/notesSlide8.xml><?xml version="1.0" encoding="utf-8"?>
-<p:notes xmlns:a="http://schemas.openxmlformats.org/drawingml/2006/main" xmlns:r="http://schemas.openxmlformats.org/officeDocument/2006/relationships" xmlns:mc="http://schemas.openxmlformats.org/markup-compatibility/2006" xmlns:mv="urn:schemas-microsoft-com:mac:vml" xmlns:p="http://schemas.openxmlformats.org/presentationml/2006/main" xmlns:c="http://schemas.openxmlformats.org/drawingml/2006/chart" xmlns:dgm="http://schemas.openxmlformats.org/drawingml/2006/diagram" xmlns:o="urn:schemas-microsoft-com:office:office" xmlns:v="urn:schemas-microsoft-com:vml" xmlns:pvml="urn:schemas-microsoft-com:office:powerpoint" xmlns:com="http://schemas.openxmlformats.org/drawingml/2006/compatibility" xmlns:p14="http://schemas.microsoft.com/office/powerpoint/2010/main" xmlns:p15="http://schemas.microsoft.com/office/powerpoint/2012/main" xmlns:ahyp="http://schemas.microsoft.com/office/drawing/2018/hyperlinkcolor" showMasterPhAnim="0" showMasterSp="0">
+<p:notes xmlns:a="http://schemas.openxmlformats.org/drawingml/2006/main" xmlns:r="http://schemas.openxmlformats.org/officeDocument/2006/relationships" xmlns:p="http://schemas.openxmlformats.org/presentationml/2006/main" showMasterSp="0" showMasterPhAnim="0">
   <p:cSld>
     <p:spTree>
       <p:nvGrpSpPr>
-        <p:cNvPr id="123" name="Shape 123"/>
+        <p:cNvPr id="1" name="Shape 123"/>
         <p:cNvGrpSpPr/>
         <p:nvPr/>
       </p:nvGrpSpPr>
@@ -1976,9 +1958,11 @@
       <p:sp>
         <p:nvSpPr>
           <p:cNvPr id="124" name="Google Shape;124;g2fa5a968636_2_245:notes"/>
-          <p:cNvSpPr/>
+          <p:cNvSpPr>
+            <a:spLocks noGrp="1" noRot="1" noChangeAspect="1"/>
+          </p:cNvSpPr>
           <p:nvPr>
-            <p:ph idx="2" type="sldImg"/>
+            <p:ph type="sldImg" idx="2"/>
           </p:nvPr>
         </p:nvSpPr>
         <p:spPr>
@@ -1987,9 +1971,13 @@
             <a:ext cx="6096000" cy="3429000"/>
           </a:xfrm>
           <a:custGeom>
-            <a:rect b="b" l="l" r="r" t="t"/>
+            <a:avLst/>
+            <a:gdLst/>
+            <a:ahLst/>
+            <a:cxnLst/>
+            <a:rect l="l" t="t" r="r" b="b"/>
             <a:pathLst>
-              <a:path extrusionOk="0" h="120000" w="120000">
+              <a:path w="120000" h="120000" extrusionOk="0">
                 <a:moveTo>
                   <a:pt x="0" y="0"/>
                 </a:moveTo>
@@ -2011,9 +1999,11 @@
       <p:sp>
         <p:nvSpPr>
           <p:cNvPr id="125" name="Google Shape;125;g2fa5a968636_2_245:notes"/>
-          <p:cNvSpPr txBox="1"/>
+          <p:cNvSpPr txBox="1">
+            <a:spLocks noGrp="1"/>
+          </p:cNvSpPr>
           <p:nvPr>
-            <p:ph idx="1" type="body"/>
+            <p:ph type="body" idx="1"/>
           </p:nvPr>
         </p:nvSpPr>
         <p:spPr>
@@ -2026,12 +2016,12 @@
           </a:prstGeom>
         </p:spPr>
         <p:txBody>
-          <a:bodyPr anchorCtr="0" anchor="t" bIns="91425" lIns="91425" spcFirstLastPara="1" rIns="91425" wrap="square" tIns="91425">
+          <a:bodyPr spcFirstLastPara="1" wrap="square" lIns="91425" tIns="91425" rIns="91425" bIns="91425" anchor="t" anchorCtr="0">
             <a:noAutofit/>
           </a:bodyPr>
           <a:lstStyle/>
           <a:p>
-            <a:pPr indent="-298450" lvl="0" marL="457200" rtl="0" algn="l">
+            <a:pPr marL="457200" lvl="0" indent="-298450" algn="l" rtl="0">
               <a:spcBef>
                 <a:spcPts val="0"/>
               </a:spcBef>
@@ -2048,7 +2038,7 @@
             <a:endParaRPr/>
           </a:p>
           <a:p>
-            <a:pPr indent="-298450" lvl="0" marL="457200" rtl="0" algn="l">
+            <a:pPr marL="457200" lvl="0" indent="-298450" algn="l" rtl="0">
               <a:spcBef>
                 <a:spcPts val="0"/>
               </a:spcBef>
@@ -2075,11 +2065,11 @@
 </file>
 
 <file path=ppt/notesSlides/notesSlide9.xml><?xml version="1.0" encoding="utf-8"?>
-<p:notes xmlns:a="http://schemas.openxmlformats.org/drawingml/2006/main" xmlns:r="http://schemas.openxmlformats.org/officeDocument/2006/relationships" xmlns:mc="http://schemas.openxmlformats.org/markup-compatibility/2006" xmlns:mv="urn:schemas-microsoft-com:mac:vml" xmlns:p="http://schemas.openxmlformats.org/presentationml/2006/main" xmlns:c="http://schemas.openxmlformats.org/drawingml/2006/chart" xmlns:dgm="http://schemas.openxmlformats.org/drawingml/2006/diagram" xmlns:o="urn:schemas-microsoft-com:office:office" xmlns:v="urn:schemas-microsoft-com:vml" xmlns:pvml="urn:schemas-microsoft-com:office:powerpoint" xmlns:com="http://schemas.openxmlformats.org/drawingml/2006/compatibility" xmlns:p14="http://schemas.microsoft.com/office/powerpoint/2010/main" xmlns:p15="http://schemas.microsoft.com/office/powerpoint/2012/main" xmlns:ahyp="http://schemas.microsoft.com/office/drawing/2018/hyperlinkcolor" showMasterPhAnim="0" showMasterSp="0">
+<p:notes xmlns:a="http://schemas.openxmlformats.org/drawingml/2006/main" xmlns:r="http://schemas.openxmlformats.org/officeDocument/2006/relationships" xmlns:p="http://schemas.openxmlformats.org/presentationml/2006/main" showMasterSp="0" showMasterPhAnim="0">
   <p:cSld>
     <p:spTree>
       <p:nvGrpSpPr>
-        <p:cNvPr id="129" name="Shape 129"/>
+        <p:cNvPr id="1" name="Shape 129"/>
         <p:cNvGrpSpPr/>
         <p:nvPr/>
       </p:nvGrpSpPr>
@@ -2094,9 +2084,11 @@
       <p:sp>
         <p:nvSpPr>
           <p:cNvPr id="130" name="Google Shape;130;g2fa75af64c2_4_0:notes"/>
-          <p:cNvSpPr/>
+          <p:cNvSpPr>
+            <a:spLocks noGrp="1" noRot="1" noChangeAspect="1"/>
+          </p:cNvSpPr>
           <p:nvPr>
-            <p:ph idx="2" type="sldImg"/>
+            <p:ph type="sldImg" idx="2"/>
           </p:nvPr>
         </p:nvSpPr>
         <p:spPr>
@@ -2105,9 +2097,13 @@
             <a:ext cx="6096000" cy="3429000"/>
           </a:xfrm>
           <a:custGeom>
-            <a:rect b="b" l="l" r="r" t="t"/>
+            <a:avLst/>
+            <a:gdLst/>
+            <a:ahLst/>
+            <a:cxnLst/>
+            <a:rect l="l" t="t" r="r" b="b"/>
             <a:pathLst>
-              <a:path extrusionOk="0" h="120000" w="120000">
+              <a:path w="120000" h="120000" extrusionOk="0">
                 <a:moveTo>
                   <a:pt x="0" y="0"/>
                 </a:moveTo>
@@ -2129,9 +2125,11 @@
       <p:sp>
         <p:nvSpPr>
           <p:cNvPr id="131" name="Google Shape;131;g2fa75af64c2_4_0:notes"/>
-          <p:cNvSpPr txBox="1"/>
+          <p:cNvSpPr txBox="1">
+            <a:spLocks noGrp="1"/>
+          </p:cNvSpPr>
           <p:nvPr>
-            <p:ph idx="1" type="body"/>
+            <p:ph type="body" idx="1"/>
           </p:nvPr>
         </p:nvSpPr>
         <p:spPr>
@@ -2144,12 +2142,12 @@
           </a:prstGeom>
         </p:spPr>
         <p:txBody>
-          <a:bodyPr anchorCtr="0" anchor="t" bIns="91425" lIns="91425" spcFirstLastPara="1" rIns="91425" wrap="square" tIns="91425">
+          <a:bodyPr spcFirstLastPara="1" wrap="square" lIns="91425" tIns="91425" rIns="91425" bIns="91425" anchor="t" anchorCtr="0">
             <a:noAutofit/>
           </a:bodyPr>
           <a:lstStyle/>
           <a:p>
-            <a:pPr indent="0" lvl="0" marL="0" rtl="0" algn="l">
+            <a:pPr marL="0" lvl="0" indent="0" algn="l" rtl="0">
               <a:lnSpc>
                 <a:spcPct val="115000"/>
               </a:lnSpc>
@@ -2168,7 +2166,7 @@
             <a:endParaRPr/>
           </a:p>
           <a:p>
-            <a:pPr indent="0" lvl="0" marL="0" rtl="0" algn="l">
+            <a:pPr marL="0" lvl="0" indent="0" algn="l" rtl="0">
               <a:lnSpc>
                 <a:spcPct val="115000"/>
               </a:lnSpc>
@@ -2187,7 +2185,7 @@
             <a:endParaRPr/>
           </a:p>
           <a:p>
-            <a:pPr indent="0" lvl="0" marL="0" rtl="0" algn="l">
+            <a:pPr marL="0" lvl="0" indent="0" algn="l" rtl="0">
               <a:lnSpc>
                 <a:spcPct val="115000"/>
               </a:lnSpc>
@@ -2206,7 +2204,7 @@
             <a:endParaRPr/>
           </a:p>
           <a:p>
-            <a:pPr indent="0" lvl="0" marL="0" rtl="0" algn="l">
+            <a:pPr marL="0" lvl="0" indent="0" algn="l" rtl="0">
               <a:lnSpc>
                 <a:spcPct val="115000"/>
               </a:lnSpc>
@@ -2225,7 +2223,7 @@
             <a:endParaRPr/>
           </a:p>
           <a:p>
-            <a:pPr indent="0" lvl="0" marL="0" rtl="0" algn="l">
+            <a:pPr marL="0" lvl="0" indent="0" algn="l" rtl="0">
               <a:lnSpc>
                 <a:spcPct val="115000"/>
               </a:lnSpc>
@@ -2239,28 +2237,12 @@
             </a:pPr>
             <a:r>
               <a:rPr lang="en"/>
-              <a:t>Additionally, </a:t>
-            </a:r>
-            <a:r>
-              <a:rPr lang="en"/>
-              <a:t>google</a:t>
-            </a:r>
-            <a:r>
-              <a:rPr lang="en"/>
-              <a:t> search API has not been the best at pinpointing the perfumes, can use a better API or enhance search </a:t>
-            </a:r>
-            <a:r>
-              <a:rPr lang="en"/>
-              <a:t>capabilities</a:t>
-            </a:r>
-            <a:r>
-              <a:rPr lang="en"/>
-              <a:t>.</a:t>
+              <a:t>Additionally, google search API has not been the best at pinpointing the perfumes, can use a better API or enhance search capabilities.</a:t>
             </a:r>
             <a:endParaRPr/>
           </a:p>
           <a:p>
-            <a:pPr indent="0" lvl="0" marL="0" rtl="0" algn="l">
+            <a:pPr marL="0" lvl="0" indent="0" algn="l" rtl="0">
               <a:lnSpc>
                 <a:spcPct val="115000"/>
               </a:lnSpc>
@@ -2279,7 +2261,7 @@
             <a:endParaRPr/>
           </a:p>
           <a:p>
-            <a:pPr indent="0" lvl="0" marL="0" rtl="0" algn="l">
+            <a:pPr marL="0" lvl="0" indent="0" algn="l" rtl="0">
               <a:lnSpc>
                 <a:spcPct val="115000"/>
               </a:lnSpc>
@@ -2291,13 +2273,10 @@
               </a:spcAft>
               <a:buNone/>
             </a:pPr>
-            <a:r>
-              <a:t/>
-            </a:r>
             <a:endParaRPr/>
           </a:p>
           <a:p>
-            <a:pPr indent="0" lvl="0" marL="0" rtl="0" algn="l">
+            <a:pPr marL="0" lvl="0" indent="0" algn="l" rtl="0">
               <a:lnSpc>
                 <a:spcPct val="115000"/>
               </a:lnSpc>
@@ -2309,9 +2288,6 @@
               </a:spcAft>
               <a:buNone/>
             </a:pPr>
-            <a:r>
-              <a:t/>
-            </a:r>
             <a:endParaRPr/>
           </a:p>
         </p:txBody>
@@ -2325,11 +2301,11 @@
 </file>
 
 <file path=ppt/slideLayouts/slideLayout1.xml><?xml version="1.0" encoding="utf-8"?>
-<p:sldLayout xmlns:a="http://schemas.openxmlformats.org/drawingml/2006/main" xmlns:r="http://schemas.openxmlformats.org/officeDocument/2006/relationships" xmlns:mc="http://schemas.openxmlformats.org/markup-compatibility/2006" xmlns:mv="urn:schemas-microsoft-com:mac:vml" xmlns:p="http://schemas.openxmlformats.org/presentationml/2006/main" xmlns:c="http://schemas.openxmlformats.org/drawingml/2006/chart" xmlns:dgm="http://schemas.openxmlformats.org/drawingml/2006/diagram" xmlns:o="urn:schemas-microsoft-com:office:office" xmlns:v="urn:schemas-microsoft-com:vml" xmlns:pvml="urn:schemas-microsoft-com:office:powerpoint" xmlns:com="http://schemas.openxmlformats.org/drawingml/2006/compatibility" xmlns:p14="http://schemas.microsoft.com/office/powerpoint/2010/main" xmlns:p15="http://schemas.microsoft.com/office/powerpoint/2012/main" xmlns:ahyp="http://schemas.microsoft.com/office/drawing/2018/hyperlinkcolor" matchingName="Title slide" type="title">
+<p:sldLayout xmlns:a="http://schemas.openxmlformats.org/drawingml/2006/main" xmlns:r="http://schemas.openxmlformats.org/officeDocument/2006/relationships" xmlns:p="http://schemas.openxmlformats.org/presentationml/2006/main" matchingName="Title slide" type="title">
   <p:cSld name="TITLE">
     <p:spTree>
       <p:nvGrpSpPr>
-        <p:cNvPr id="9" name="Shape 9"/>
+        <p:cNvPr id="1" name="Shape 9"/>
         <p:cNvGrpSpPr/>
         <p:nvPr/>
       </p:nvGrpSpPr>
@@ -2353,9 +2329,13 @@
             <a:ext cx="1081625" cy="1124950"/>
           </a:xfrm>
           <a:custGeom>
-            <a:rect b="b" l="l" r="r" t="t"/>
+            <a:avLst/>
+            <a:gdLst/>
+            <a:ahLst/>
+            <a:cxnLst/>
+            <a:rect l="l" t="t" r="r" b="b"/>
             <a:pathLst>
-              <a:path extrusionOk="0" h="44998" w="43265">
+              <a:path w="43265" h="44998" extrusionOk="0">
                 <a:moveTo>
                   <a:pt x="0" y="44998"/>
                 </a:moveTo>
@@ -2369,14 +2349,14 @@
             </a:pathLst>
           </a:custGeom>
           <a:noFill/>
-          <a:ln cap="flat" cmpd="sng" w="28575">
+          <a:ln w="28575" cap="flat" cmpd="sng">
             <a:solidFill>
               <a:schemeClr val="accent5"/>
             </a:solidFill>
             <a:prstDash val="solid"/>
             <a:miter lim="8000"/>
-            <a:headEnd len="sm" w="sm" type="none"/>
-            <a:tailEnd len="sm" w="sm" type="none"/>
+            <a:headEnd type="none" w="sm" len="sm"/>
+            <a:tailEnd type="none" w="sm" len="sm"/>
           </a:ln>
         </p:spPr>
       </p:sp>
@@ -2392,9 +2372,13 @@
             <a:ext cx="1081625" cy="1124950"/>
           </a:xfrm>
           <a:custGeom>
-            <a:rect b="b" l="l" r="r" t="t"/>
+            <a:avLst/>
+            <a:gdLst/>
+            <a:ahLst/>
+            <a:cxnLst/>
+            <a:rect l="l" t="t" r="r" b="b"/>
             <a:pathLst>
-              <a:path extrusionOk="0" h="44998" w="43265">
+              <a:path w="43265" h="44998" extrusionOk="0">
                 <a:moveTo>
                   <a:pt x="0" y="44998"/>
                 </a:moveTo>
@@ -2408,14 +2392,14 @@
             </a:pathLst>
           </a:custGeom>
           <a:noFill/>
-          <a:ln cap="flat" cmpd="sng" w="28575">
+          <a:ln w="28575" cap="flat" cmpd="sng">
             <a:solidFill>
               <a:schemeClr val="accent5"/>
             </a:solidFill>
             <a:prstDash val="solid"/>
             <a:miter lim="8000"/>
-            <a:headEnd len="sm" w="sm" type="none"/>
-            <a:tailEnd len="sm" w="sm" type="none"/>
+            <a:headEnd type="none" w="sm" len="sm"/>
+            <a:tailEnd type="none" w="sm" len="sm"/>
           </a:ln>
         </p:spPr>
       </p:sp>
@@ -2434,21 +2418,23 @@
             <a:avLst/>
           </a:prstGeom>
           <a:noFill/>
-          <a:ln cap="flat" cmpd="sng" w="38100">
+          <a:ln w="38100" cap="flat" cmpd="sng">
             <a:solidFill>
               <a:schemeClr val="accent4"/>
             </a:solidFill>
             <a:prstDash val="solid"/>
             <a:round/>
-            <a:headEnd len="sm" w="sm" type="none"/>
-            <a:tailEnd len="sm" w="sm" type="none"/>
+            <a:headEnd type="none" w="sm" len="sm"/>
+            <a:tailEnd type="none" w="sm" len="sm"/>
           </a:ln>
         </p:spPr>
       </p:cxnSp>
       <p:sp>
         <p:nvSpPr>
           <p:cNvPr id="13" name="Google Shape;13;p2"/>
-          <p:cNvSpPr txBox="1"/>
+          <p:cNvSpPr txBox="1">
+            <a:spLocks noGrp="1"/>
+          </p:cNvSpPr>
           <p:nvPr>
             <p:ph type="ctrTitle"/>
           </p:nvPr>
@@ -2463,7 +2449,7 @@
           </a:prstGeom>
         </p:spPr>
         <p:txBody>
-          <a:bodyPr anchorCtr="0" anchor="b" bIns="91425" lIns="91425" spcFirstLastPara="1" rIns="91425" wrap="square" tIns="91425">
+          <a:bodyPr spcFirstLastPara="1" wrap="square" lIns="91425" tIns="91425" rIns="91425" bIns="91425" anchor="b" anchorCtr="0">
             <a:normAutofit/>
           </a:bodyPr>
           <a:lstStyle>
@@ -2567,15 +2553,19 @@
               <a:defRPr sz="4000"/>
             </a:lvl9pPr>
           </a:lstStyle>
-          <a:p/>
+          <a:p>
+            <a:endParaRPr/>
+          </a:p>
         </p:txBody>
       </p:sp>
       <p:sp>
         <p:nvSpPr>
           <p:cNvPr id="14" name="Google Shape;14;p2"/>
-          <p:cNvSpPr txBox="1"/>
+          <p:cNvSpPr txBox="1">
+            <a:spLocks noGrp="1"/>
+          </p:cNvSpPr>
           <p:nvPr>
-            <p:ph idx="1" type="subTitle"/>
+            <p:ph type="subTitle" idx="1"/>
           </p:nvPr>
         </p:nvSpPr>
         <p:spPr>
@@ -2588,7 +2578,7 @@
           </a:prstGeom>
         </p:spPr>
         <p:txBody>
-          <a:bodyPr anchorCtr="0" anchor="t" bIns="91425" lIns="91425" spcFirstLastPara="1" rIns="91425" wrap="square" tIns="91425">
+          <a:bodyPr spcFirstLastPara="1" wrap="square" lIns="91425" tIns="91425" rIns="91425" bIns="91425" anchor="t" anchorCtr="0">
             <a:normAutofit/>
           </a:bodyPr>
           <a:lstStyle>
@@ -2827,15 +2817,19 @@
               </a:defRPr>
             </a:lvl9pPr>
           </a:lstStyle>
-          <a:p/>
+          <a:p>
+            <a:endParaRPr/>
+          </a:p>
         </p:txBody>
       </p:sp>
       <p:sp>
         <p:nvSpPr>
           <p:cNvPr id="15" name="Google Shape;15;p2"/>
-          <p:cNvSpPr txBox="1"/>
+          <p:cNvSpPr txBox="1">
+            <a:spLocks noGrp="1"/>
+          </p:cNvSpPr>
           <p:nvPr>
-            <p:ph idx="12" type="sldNum"/>
+            <p:ph type="sldNum" idx="12"/>
           </p:nvPr>
         </p:nvSpPr>
         <p:spPr>
@@ -2848,7 +2842,7 @@
           </a:prstGeom>
         </p:spPr>
         <p:txBody>
-          <a:bodyPr anchorCtr="0" anchor="ctr" bIns="91425" lIns="91425" spcFirstLastPara="1" rIns="91425" wrap="square" tIns="91425">
+          <a:bodyPr spcFirstLastPara="1" wrap="square" lIns="91425" tIns="91425" rIns="91425" bIns="91425" anchor="ctr" anchorCtr="0">
             <a:normAutofit/>
           </a:bodyPr>
           <a:lstStyle>
@@ -2890,7 +2884,7 @@
             </a:lvl9pPr>
           </a:lstStyle>
           <a:p>
-            <a:pPr indent="0" lvl="0" marL="0" rtl="0" algn="r">
+            <a:pPr marL="0" lvl="0" indent="0" algn="r" rtl="0">
               <a:spcBef>
                 <a:spcPts val="0"/>
               </a:spcBef>
@@ -2909,7 +2903,7 @@
       </p:sp>
       <p:pic>
         <p:nvPicPr>
-          <p:cNvPr descr="La Collection Privée Christian Dior | Under the Dome | soomness ..." id="16" name="Google Shape;16;p2"/>
+          <p:cNvPr id="16" name="Google Shape;16;p2" descr="La Collection Privée Christian Dior | Under the Dome | soomness ..."/>
           <p:cNvPicPr preferRelativeResize="0"/>
           <p:nvPr/>
         </p:nvPicPr>
@@ -2944,11 +2938,11 @@
 </file>
 
 <file path=ppt/slideLayouts/slideLayout10.xml><?xml version="1.0" encoding="utf-8"?>
-<p:sldLayout xmlns:a="http://schemas.openxmlformats.org/drawingml/2006/main" xmlns:r="http://schemas.openxmlformats.org/officeDocument/2006/relationships" xmlns:mc="http://schemas.openxmlformats.org/markup-compatibility/2006" xmlns:mv="urn:schemas-microsoft-com:mac:vml" xmlns:p="http://schemas.openxmlformats.org/presentationml/2006/main" xmlns:c="http://schemas.openxmlformats.org/drawingml/2006/chart" xmlns:dgm="http://schemas.openxmlformats.org/drawingml/2006/diagram" xmlns:o="urn:schemas-microsoft-com:office:office" xmlns:v="urn:schemas-microsoft-com:vml" xmlns:pvml="urn:schemas-microsoft-com:office:powerpoint" xmlns:com="http://schemas.openxmlformats.org/drawingml/2006/compatibility" xmlns:p14="http://schemas.microsoft.com/office/powerpoint/2010/main" xmlns:p15="http://schemas.microsoft.com/office/powerpoint/2012/main" xmlns:ahyp="http://schemas.microsoft.com/office/drawing/2018/hyperlinkcolor" matchingName="Big number">
+<p:sldLayout xmlns:a="http://schemas.openxmlformats.org/drawingml/2006/main" xmlns:r="http://schemas.openxmlformats.org/officeDocument/2006/relationships" xmlns:p="http://schemas.openxmlformats.org/presentationml/2006/main" matchingName="Big number">
   <p:cSld name="BIG_NUMBER">
     <p:spTree>
       <p:nvGrpSpPr>
-        <p:cNvPr id="53" name="Shape 53"/>
+        <p:cNvPr id="1" name="Shape 53"/>
         <p:cNvGrpSpPr/>
         <p:nvPr/>
       </p:nvGrpSpPr>
@@ -2982,12 +2976,12 @@
           </a:ln>
         </p:spPr>
         <p:txBody>
-          <a:bodyPr anchorCtr="0" anchor="ctr" bIns="91425" lIns="91425" spcFirstLastPara="1" rIns="91425" wrap="square" tIns="91425">
+          <a:bodyPr spcFirstLastPara="1" wrap="square" lIns="91425" tIns="91425" rIns="91425" bIns="91425" anchor="ctr" anchorCtr="0">
             <a:noAutofit/>
           </a:bodyPr>
           <a:lstStyle/>
           <a:p>
-            <a:pPr indent="0" lvl="0" marL="0" rtl="0" algn="l">
+            <a:pPr marL="0" lvl="0" indent="0" algn="l" rtl="0">
               <a:spcBef>
                 <a:spcPts val="0"/>
               </a:spcBef>
@@ -2996,9 +2990,6 @@
               </a:spcAft>
               <a:buNone/>
             </a:pPr>
-            <a:r>
-              <a:t/>
-            </a:r>
             <a:endParaRPr/>
           </a:p>
         </p:txBody>
@@ -3006,9 +2997,11 @@
       <p:sp>
         <p:nvSpPr>
           <p:cNvPr id="55" name="Google Shape;55;p11"/>
-          <p:cNvSpPr txBox="1"/>
+          <p:cNvSpPr txBox="1">
+            <a:spLocks noGrp="1"/>
+          </p:cNvSpPr>
           <p:nvPr>
-            <p:ph hasCustomPrompt="1" type="title"/>
+            <p:ph type="title" hasCustomPrompt="1"/>
           </p:nvPr>
         </p:nvSpPr>
         <p:spPr>
@@ -3021,7 +3014,7 @@
           </a:prstGeom>
         </p:spPr>
         <p:txBody>
-          <a:bodyPr anchorCtr="0" anchor="ctr" bIns="91425" lIns="91425" spcFirstLastPara="1" rIns="91425" wrap="square" tIns="91425">
+          <a:bodyPr spcFirstLastPara="1" wrap="square" lIns="91425" tIns="91425" rIns="91425" bIns="91425" anchor="ctr" anchorCtr="0">
             <a:normAutofit/>
           </a:bodyPr>
           <a:lstStyle>
@@ -3198,9 +3191,11 @@
       <p:sp>
         <p:nvSpPr>
           <p:cNvPr id="56" name="Google Shape;56;p11"/>
-          <p:cNvSpPr txBox="1"/>
+          <p:cNvSpPr txBox="1">
+            <a:spLocks noGrp="1"/>
+          </p:cNvSpPr>
           <p:nvPr>
-            <p:ph idx="1" type="body"/>
+            <p:ph type="body" idx="1"/>
           </p:nvPr>
         </p:nvSpPr>
         <p:spPr>
@@ -3213,11 +3208,11 @@
           </a:prstGeom>
         </p:spPr>
         <p:txBody>
-          <a:bodyPr anchorCtr="0" anchor="t" bIns="91425" lIns="91425" spcFirstLastPara="1" rIns="91425" wrap="square" tIns="91425">
+          <a:bodyPr spcFirstLastPara="1" wrap="square" lIns="91425" tIns="91425" rIns="91425" bIns="91425" anchor="t" anchorCtr="0">
             <a:normAutofit/>
           </a:bodyPr>
           <a:lstStyle>
-            <a:lvl1pPr indent="-342900" lvl="0" marL="457200" algn="ctr">
+            <a:lvl1pPr marL="457200" lvl="0" indent="-342900" algn="ctr">
               <a:spcBef>
                 <a:spcPts val="0"/>
               </a:spcBef>
@@ -3228,7 +3223,7 @@
               <a:buChar char="●"/>
               <a:defRPr/>
             </a:lvl1pPr>
-            <a:lvl2pPr indent="-317500" lvl="1" marL="914400" algn="ctr">
+            <a:lvl2pPr marL="914400" lvl="1" indent="-317500" algn="ctr">
               <a:spcBef>
                 <a:spcPts val="0"/>
               </a:spcBef>
@@ -3239,7 +3234,7 @@
               <a:buChar char="○"/>
               <a:defRPr/>
             </a:lvl2pPr>
-            <a:lvl3pPr indent="-317500" lvl="2" marL="1371600" algn="ctr">
+            <a:lvl3pPr marL="1371600" lvl="2" indent="-317500" algn="ctr">
               <a:spcBef>
                 <a:spcPts val="0"/>
               </a:spcBef>
@@ -3250,7 +3245,7 @@
               <a:buChar char="■"/>
               <a:defRPr/>
             </a:lvl3pPr>
-            <a:lvl4pPr indent="-317500" lvl="3" marL="1828800" algn="ctr">
+            <a:lvl4pPr marL="1828800" lvl="3" indent="-317500" algn="ctr">
               <a:spcBef>
                 <a:spcPts val="0"/>
               </a:spcBef>
@@ -3261,7 +3256,7 @@
               <a:buChar char="●"/>
               <a:defRPr/>
             </a:lvl4pPr>
-            <a:lvl5pPr indent="-317500" lvl="4" marL="2286000" algn="ctr">
+            <a:lvl5pPr marL="2286000" lvl="4" indent="-317500" algn="ctr">
               <a:spcBef>
                 <a:spcPts val="0"/>
               </a:spcBef>
@@ -3272,7 +3267,7 @@
               <a:buChar char="○"/>
               <a:defRPr/>
             </a:lvl5pPr>
-            <a:lvl6pPr indent="-317500" lvl="5" marL="2743200" algn="ctr">
+            <a:lvl6pPr marL="2743200" lvl="5" indent="-317500" algn="ctr">
               <a:spcBef>
                 <a:spcPts val="0"/>
               </a:spcBef>
@@ -3283,7 +3278,7 @@
               <a:buChar char="■"/>
               <a:defRPr/>
             </a:lvl6pPr>
-            <a:lvl7pPr indent="-317500" lvl="6" marL="3200400" algn="ctr">
+            <a:lvl7pPr marL="3200400" lvl="6" indent="-317500" algn="ctr">
               <a:spcBef>
                 <a:spcPts val="0"/>
               </a:spcBef>
@@ -3294,7 +3289,7 @@
               <a:buChar char="●"/>
               <a:defRPr/>
             </a:lvl7pPr>
-            <a:lvl8pPr indent="-317500" lvl="7" marL="3657600" algn="ctr">
+            <a:lvl8pPr marL="3657600" lvl="7" indent="-317500" algn="ctr">
               <a:spcBef>
                 <a:spcPts val="0"/>
               </a:spcBef>
@@ -3305,7 +3300,7 @@
               <a:buChar char="○"/>
               <a:defRPr/>
             </a:lvl8pPr>
-            <a:lvl9pPr indent="-317500" lvl="8" marL="4114800" algn="ctr">
+            <a:lvl9pPr marL="4114800" lvl="8" indent="-317500" algn="ctr">
               <a:spcBef>
                 <a:spcPts val="0"/>
               </a:spcBef>
@@ -3317,15 +3312,19 @@
               <a:defRPr/>
             </a:lvl9pPr>
           </a:lstStyle>
-          <a:p/>
+          <a:p>
+            <a:endParaRPr/>
+          </a:p>
         </p:txBody>
       </p:sp>
       <p:sp>
         <p:nvSpPr>
           <p:cNvPr id="57" name="Google Shape;57;p11"/>
-          <p:cNvSpPr txBox="1"/>
+          <p:cNvSpPr txBox="1">
+            <a:spLocks noGrp="1"/>
+          </p:cNvSpPr>
           <p:nvPr>
-            <p:ph idx="12" type="sldNum"/>
+            <p:ph type="sldNum" idx="12"/>
           </p:nvPr>
         </p:nvSpPr>
         <p:spPr>
@@ -3338,7 +3337,7 @@
           </a:prstGeom>
         </p:spPr>
         <p:txBody>
-          <a:bodyPr anchorCtr="0" anchor="ctr" bIns="91425" lIns="91425" spcFirstLastPara="1" rIns="91425" wrap="square" tIns="91425">
+          <a:bodyPr spcFirstLastPara="1" wrap="square" lIns="91425" tIns="91425" rIns="91425" bIns="91425" anchor="ctr" anchorCtr="0">
             <a:normAutofit/>
           </a:bodyPr>
           <a:lstStyle>
@@ -3380,7 +3379,7 @@
             </a:lvl9pPr>
           </a:lstStyle>
           <a:p>
-            <a:pPr indent="0" lvl="0" marL="0" rtl="0" algn="r">
+            <a:pPr marL="0" lvl="0" indent="0" algn="r" rtl="0">
               <a:spcBef>
                 <a:spcPts val="0"/>
               </a:spcBef>
@@ -3406,11 +3405,11 @@
 </file>
 
 <file path=ppt/slideLayouts/slideLayout11.xml><?xml version="1.0" encoding="utf-8"?>
-<p:sldLayout xmlns:a="http://schemas.openxmlformats.org/drawingml/2006/main" xmlns:r="http://schemas.openxmlformats.org/officeDocument/2006/relationships" xmlns:mc="http://schemas.openxmlformats.org/markup-compatibility/2006" xmlns:mv="urn:schemas-microsoft-com:mac:vml" xmlns:p="http://schemas.openxmlformats.org/presentationml/2006/main" xmlns:c="http://schemas.openxmlformats.org/drawingml/2006/chart" xmlns:dgm="http://schemas.openxmlformats.org/drawingml/2006/diagram" xmlns:o="urn:schemas-microsoft-com:office:office" xmlns:v="urn:schemas-microsoft-com:vml" xmlns:pvml="urn:schemas-microsoft-com:office:powerpoint" xmlns:com="http://schemas.openxmlformats.org/drawingml/2006/compatibility" xmlns:p14="http://schemas.microsoft.com/office/powerpoint/2010/main" xmlns:p15="http://schemas.microsoft.com/office/powerpoint/2012/main" xmlns:ahyp="http://schemas.microsoft.com/office/drawing/2018/hyperlinkcolor" matchingName="Blank" type="blank">
+<p:sldLayout xmlns:a="http://schemas.openxmlformats.org/drawingml/2006/main" xmlns:r="http://schemas.openxmlformats.org/officeDocument/2006/relationships" xmlns:p="http://schemas.openxmlformats.org/presentationml/2006/main" matchingName="Blank" type="blank">
   <p:cSld name="BLANK">
     <p:spTree>
       <p:nvGrpSpPr>
-        <p:cNvPr id="58" name="Shape 58"/>
+        <p:cNvPr id="1" name="Shape 58"/>
         <p:cNvGrpSpPr/>
         <p:nvPr/>
       </p:nvGrpSpPr>
@@ -3425,9 +3424,11 @@
       <p:sp>
         <p:nvSpPr>
           <p:cNvPr id="59" name="Google Shape;59;p12"/>
-          <p:cNvSpPr txBox="1"/>
+          <p:cNvSpPr txBox="1">
+            <a:spLocks noGrp="1"/>
+          </p:cNvSpPr>
           <p:nvPr>
-            <p:ph idx="12" type="sldNum"/>
+            <p:ph type="sldNum" idx="12"/>
           </p:nvPr>
         </p:nvSpPr>
         <p:spPr>
@@ -3440,7 +3441,7 @@
           </a:prstGeom>
         </p:spPr>
         <p:txBody>
-          <a:bodyPr anchorCtr="0" anchor="ctr" bIns="91425" lIns="91425" spcFirstLastPara="1" rIns="91425" wrap="square" tIns="91425">
+          <a:bodyPr spcFirstLastPara="1" wrap="square" lIns="91425" tIns="91425" rIns="91425" bIns="91425" anchor="ctr" anchorCtr="0">
             <a:normAutofit/>
           </a:bodyPr>
           <a:lstStyle>
@@ -3482,7 +3483,7 @@
             </a:lvl9pPr>
           </a:lstStyle>
           <a:p>
-            <a:pPr indent="0" lvl="0" marL="0" rtl="0" algn="r">
+            <a:pPr marL="0" lvl="0" indent="0" algn="r" rtl="0">
               <a:spcBef>
                 <a:spcPts val="0"/>
               </a:spcBef>
@@ -3508,11 +3509,11 @@
 </file>
 
 <file path=ppt/slideLayouts/slideLayout2.xml><?xml version="1.0" encoding="utf-8"?>
-<p:sldLayout xmlns:a="http://schemas.openxmlformats.org/drawingml/2006/main" xmlns:r="http://schemas.openxmlformats.org/officeDocument/2006/relationships" xmlns:mc="http://schemas.openxmlformats.org/markup-compatibility/2006" xmlns:mv="urn:schemas-microsoft-com:mac:vml" xmlns:p="http://schemas.openxmlformats.org/presentationml/2006/main" xmlns:c="http://schemas.openxmlformats.org/drawingml/2006/chart" xmlns:dgm="http://schemas.openxmlformats.org/drawingml/2006/diagram" xmlns:o="urn:schemas-microsoft-com:office:office" xmlns:v="urn:schemas-microsoft-com:vml" xmlns:pvml="urn:schemas-microsoft-com:office:powerpoint" xmlns:com="http://schemas.openxmlformats.org/drawingml/2006/compatibility" xmlns:p14="http://schemas.microsoft.com/office/powerpoint/2010/main" xmlns:p15="http://schemas.microsoft.com/office/powerpoint/2012/main" xmlns:ahyp="http://schemas.microsoft.com/office/drawing/2018/hyperlinkcolor" matchingName="Section header" type="secHead">
+<p:sldLayout xmlns:a="http://schemas.openxmlformats.org/drawingml/2006/main" xmlns:r="http://schemas.openxmlformats.org/officeDocument/2006/relationships" xmlns:p="http://schemas.openxmlformats.org/presentationml/2006/main" matchingName="Section header" type="secHead">
   <p:cSld name="SECTION_HEADER">
     <p:spTree>
       <p:nvGrpSpPr>
-        <p:cNvPr id="17" name="Shape 17"/>
+        <p:cNvPr id="1" name="Shape 17"/>
         <p:cNvGrpSpPr/>
         <p:nvPr/>
       </p:nvGrpSpPr>
@@ -3539,21 +3540,23 @@
             <a:avLst/>
           </a:prstGeom>
           <a:noFill/>
-          <a:ln cap="flat" cmpd="sng" w="38100">
+          <a:ln w="38100" cap="flat" cmpd="sng">
             <a:solidFill>
               <a:schemeClr val="accent4"/>
             </a:solidFill>
             <a:prstDash val="solid"/>
             <a:round/>
-            <a:headEnd len="sm" w="sm" type="none"/>
-            <a:tailEnd len="sm" w="sm" type="none"/>
+            <a:headEnd type="none" w="sm" len="sm"/>
+            <a:tailEnd type="none" w="sm" len="sm"/>
           </a:ln>
         </p:spPr>
       </p:cxnSp>
       <p:sp>
         <p:nvSpPr>
           <p:cNvPr id="19" name="Google Shape;19;p3"/>
-          <p:cNvSpPr txBox="1"/>
+          <p:cNvSpPr txBox="1">
+            <a:spLocks noGrp="1"/>
+          </p:cNvSpPr>
           <p:nvPr>
             <p:ph type="title"/>
           </p:nvPr>
@@ -3568,7 +3571,7 @@
           </a:prstGeom>
         </p:spPr>
         <p:txBody>
-          <a:bodyPr anchorCtr="0" anchor="b" bIns="91425" lIns="91425" spcFirstLastPara="1" rIns="91425" wrap="square" tIns="91425">
+          <a:bodyPr spcFirstLastPara="1" wrap="square" lIns="91425" tIns="91425" rIns="91425" bIns="91425" anchor="b" anchorCtr="0">
             <a:normAutofit/>
           </a:bodyPr>
           <a:lstStyle>
@@ -3672,15 +3675,19 @@
               <a:defRPr sz="4800"/>
             </a:lvl9pPr>
           </a:lstStyle>
-          <a:p/>
+          <a:p>
+            <a:endParaRPr/>
+          </a:p>
         </p:txBody>
       </p:sp>
       <p:sp>
         <p:nvSpPr>
           <p:cNvPr id="20" name="Google Shape;20;p3"/>
-          <p:cNvSpPr txBox="1"/>
+          <p:cNvSpPr txBox="1">
+            <a:spLocks noGrp="1"/>
+          </p:cNvSpPr>
           <p:nvPr>
-            <p:ph idx="12" type="sldNum"/>
+            <p:ph type="sldNum" idx="12"/>
           </p:nvPr>
         </p:nvSpPr>
         <p:spPr>
@@ -3693,7 +3700,7 @@
           </a:prstGeom>
         </p:spPr>
         <p:txBody>
-          <a:bodyPr anchorCtr="0" anchor="ctr" bIns="91425" lIns="91425" spcFirstLastPara="1" rIns="91425" wrap="square" tIns="91425">
+          <a:bodyPr spcFirstLastPara="1" wrap="square" lIns="91425" tIns="91425" rIns="91425" bIns="91425" anchor="ctr" anchorCtr="0">
             <a:normAutofit/>
           </a:bodyPr>
           <a:lstStyle>
@@ -3735,7 +3742,7 @@
             </a:lvl9pPr>
           </a:lstStyle>
           <a:p>
-            <a:pPr indent="0" lvl="0" marL="0" rtl="0" algn="r">
+            <a:pPr marL="0" lvl="0" indent="0" algn="r" rtl="0">
               <a:spcBef>
                 <a:spcPts val="0"/>
               </a:spcBef>
@@ -3761,11 +3768,11 @@
 </file>
 
 <file path=ppt/slideLayouts/slideLayout3.xml><?xml version="1.0" encoding="utf-8"?>
-<p:sldLayout xmlns:a="http://schemas.openxmlformats.org/drawingml/2006/main" xmlns:r="http://schemas.openxmlformats.org/officeDocument/2006/relationships" xmlns:mc="http://schemas.openxmlformats.org/markup-compatibility/2006" xmlns:mv="urn:schemas-microsoft-com:mac:vml" xmlns:p="http://schemas.openxmlformats.org/presentationml/2006/main" xmlns:c="http://schemas.openxmlformats.org/drawingml/2006/chart" xmlns:dgm="http://schemas.openxmlformats.org/drawingml/2006/diagram" xmlns:o="urn:schemas-microsoft-com:office:office" xmlns:v="urn:schemas-microsoft-com:vml" xmlns:pvml="urn:schemas-microsoft-com:office:powerpoint" xmlns:com="http://schemas.openxmlformats.org/drawingml/2006/compatibility" xmlns:p14="http://schemas.microsoft.com/office/powerpoint/2010/main" xmlns:p15="http://schemas.microsoft.com/office/powerpoint/2012/main" xmlns:ahyp="http://schemas.microsoft.com/office/drawing/2018/hyperlinkcolor" matchingName="Title and body" type="tx">
+<p:sldLayout xmlns:a="http://schemas.openxmlformats.org/drawingml/2006/main" xmlns:r="http://schemas.openxmlformats.org/officeDocument/2006/relationships" xmlns:p="http://schemas.openxmlformats.org/presentationml/2006/main" matchingName="Title and body" type="tx">
   <p:cSld name="TITLE_AND_BODY">
     <p:spTree>
       <p:nvGrpSpPr>
-        <p:cNvPr id="21" name="Shape 21"/>
+        <p:cNvPr id="1" name="Shape 21"/>
         <p:cNvGrpSpPr/>
         <p:nvPr/>
       </p:nvGrpSpPr>
@@ -3792,21 +3799,23 @@
             <a:avLst/>
           </a:prstGeom>
           <a:noFill/>
-          <a:ln cap="flat" cmpd="sng" w="38100">
+          <a:ln w="38100" cap="flat" cmpd="sng">
             <a:solidFill>
               <a:schemeClr val="accent4"/>
             </a:solidFill>
             <a:prstDash val="solid"/>
             <a:round/>
-            <a:headEnd len="sm" w="sm" type="none"/>
-            <a:tailEnd len="sm" w="sm" type="none"/>
+            <a:headEnd type="none" w="sm" len="sm"/>
+            <a:tailEnd type="none" w="sm" len="sm"/>
           </a:ln>
         </p:spPr>
       </p:cxnSp>
       <p:sp>
         <p:nvSpPr>
           <p:cNvPr id="23" name="Google Shape;23;p4"/>
-          <p:cNvSpPr txBox="1"/>
+          <p:cNvSpPr txBox="1">
+            <a:spLocks noGrp="1"/>
+          </p:cNvSpPr>
           <p:nvPr>
             <p:ph type="title"/>
           </p:nvPr>
@@ -3821,7 +3830,7 @@
           </a:prstGeom>
         </p:spPr>
         <p:txBody>
-          <a:bodyPr anchorCtr="0" anchor="b" bIns="91425" lIns="91425" spcFirstLastPara="1" rIns="91425" wrap="square" tIns="91425">
+          <a:bodyPr spcFirstLastPara="1" wrap="square" lIns="91425" tIns="91425" rIns="91425" bIns="91425" anchor="b" anchorCtr="0">
             <a:normAutofit/>
           </a:bodyPr>
           <a:lstStyle>
@@ -3925,15 +3934,19 @@
               <a:defRPr/>
             </a:lvl9pPr>
           </a:lstStyle>
-          <a:p/>
+          <a:p>
+            <a:endParaRPr/>
+          </a:p>
         </p:txBody>
       </p:sp>
       <p:sp>
         <p:nvSpPr>
           <p:cNvPr id="24" name="Google Shape;24;p4"/>
-          <p:cNvSpPr txBox="1"/>
+          <p:cNvSpPr txBox="1">
+            <a:spLocks noGrp="1"/>
+          </p:cNvSpPr>
           <p:nvPr>
-            <p:ph idx="1" type="body"/>
+            <p:ph type="body" idx="1"/>
           </p:nvPr>
         </p:nvSpPr>
         <p:spPr>
@@ -3946,11 +3959,11 @@
           </a:prstGeom>
         </p:spPr>
         <p:txBody>
-          <a:bodyPr anchorCtr="0" anchor="t" bIns="91425" lIns="91425" spcFirstLastPara="1" rIns="91425" wrap="square" tIns="91425">
+          <a:bodyPr spcFirstLastPara="1" wrap="square" lIns="91425" tIns="91425" rIns="91425" bIns="91425" anchor="t" anchorCtr="0">
             <a:normAutofit/>
           </a:bodyPr>
           <a:lstStyle>
-            <a:lvl1pPr indent="-342900" lvl="0" marL="457200">
+            <a:lvl1pPr marL="457200" lvl="0" indent="-342900">
               <a:spcBef>
                 <a:spcPts val="0"/>
               </a:spcBef>
@@ -3961,7 +3974,7 @@
               <a:buChar char="●"/>
               <a:defRPr/>
             </a:lvl1pPr>
-            <a:lvl2pPr indent="-317500" lvl="1" marL="914400">
+            <a:lvl2pPr marL="914400" lvl="1" indent="-317500">
               <a:spcBef>
                 <a:spcPts val="0"/>
               </a:spcBef>
@@ -3972,7 +3985,7 @@
               <a:buChar char="○"/>
               <a:defRPr/>
             </a:lvl2pPr>
-            <a:lvl3pPr indent="-317500" lvl="2" marL="1371600">
+            <a:lvl3pPr marL="1371600" lvl="2" indent="-317500">
               <a:spcBef>
                 <a:spcPts val="0"/>
               </a:spcBef>
@@ -3983,7 +3996,7 @@
               <a:buChar char="■"/>
               <a:defRPr/>
             </a:lvl3pPr>
-            <a:lvl4pPr indent="-317500" lvl="3" marL="1828800">
+            <a:lvl4pPr marL="1828800" lvl="3" indent="-317500">
               <a:spcBef>
                 <a:spcPts val="0"/>
               </a:spcBef>
@@ -3994,7 +4007,7 @@
               <a:buChar char="●"/>
               <a:defRPr/>
             </a:lvl4pPr>
-            <a:lvl5pPr indent="-317500" lvl="4" marL="2286000">
+            <a:lvl5pPr marL="2286000" lvl="4" indent="-317500">
               <a:spcBef>
                 <a:spcPts val="0"/>
               </a:spcBef>
@@ -4005,7 +4018,7 @@
               <a:buChar char="○"/>
               <a:defRPr/>
             </a:lvl5pPr>
-            <a:lvl6pPr indent="-317500" lvl="5" marL="2743200">
+            <a:lvl6pPr marL="2743200" lvl="5" indent="-317500">
               <a:spcBef>
                 <a:spcPts val="0"/>
               </a:spcBef>
@@ -4016,7 +4029,7 @@
               <a:buChar char="■"/>
               <a:defRPr/>
             </a:lvl6pPr>
-            <a:lvl7pPr indent="-317500" lvl="6" marL="3200400">
+            <a:lvl7pPr marL="3200400" lvl="6" indent="-317500">
               <a:spcBef>
                 <a:spcPts val="0"/>
               </a:spcBef>
@@ -4027,7 +4040,7 @@
               <a:buChar char="●"/>
               <a:defRPr/>
             </a:lvl7pPr>
-            <a:lvl8pPr indent="-317500" lvl="7" marL="3657600">
+            <a:lvl8pPr marL="3657600" lvl="7" indent="-317500">
               <a:spcBef>
                 <a:spcPts val="0"/>
               </a:spcBef>
@@ -4038,7 +4051,7 @@
               <a:buChar char="○"/>
               <a:defRPr/>
             </a:lvl8pPr>
-            <a:lvl9pPr indent="-317500" lvl="8" marL="4114800">
+            <a:lvl9pPr marL="4114800" lvl="8" indent="-317500">
               <a:spcBef>
                 <a:spcPts val="0"/>
               </a:spcBef>
@@ -4050,15 +4063,19 @@
               <a:defRPr/>
             </a:lvl9pPr>
           </a:lstStyle>
-          <a:p/>
+          <a:p>
+            <a:endParaRPr/>
+          </a:p>
         </p:txBody>
       </p:sp>
       <p:sp>
         <p:nvSpPr>
           <p:cNvPr id="25" name="Google Shape;25;p4"/>
-          <p:cNvSpPr txBox="1"/>
+          <p:cNvSpPr txBox="1">
+            <a:spLocks noGrp="1"/>
+          </p:cNvSpPr>
           <p:nvPr>
-            <p:ph idx="12" type="sldNum"/>
+            <p:ph type="sldNum" idx="12"/>
           </p:nvPr>
         </p:nvSpPr>
         <p:spPr>
@@ -4071,7 +4088,7 @@
           </a:prstGeom>
         </p:spPr>
         <p:txBody>
-          <a:bodyPr anchorCtr="0" anchor="ctr" bIns="91425" lIns="91425" spcFirstLastPara="1" rIns="91425" wrap="square" tIns="91425">
+          <a:bodyPr spcFirstLastPara="1" wrap="square" lIns="91425" tIns="91425" rIns="91425" bIns="91425" anchor="ctr" anchorCtr="0">
             <a:normAutofit/>
           </a:bodyPr>
           <a:lstStyle>
@@ -4113,7 +4130,7 @@
             </a:lvl9pPr>
           </a:lstStyle>
           <a:p>
-            <a:pPr indent="0" lvl="0" marL="0" rtl="0" algn="r">
+            <a:pPr marL="0" lvl="0" indent="0" algn="r" rtl="0">
               <a:spcBef>
                 <a:spcPts val="0"/>
               </a:spcBef>
@@ -4139,11 +4156,11 @@
 </file>
 
 <file path=ppt/slideLayouts/slideLayout4.xml><?xml version="1.0" encoding="utf-8"?>
-<p:sldLayout xmlns:a="http://schemas.openxmlformats.org/drawingml/2006/main" xmlns:r="http://schemas.openxmlformats.org/officeDocument/2006/relationships" xmlns:mc="http://schemas.openxmlformats.org/markup-compatibility/2006" xmlns:mv="urn:schemas-microsoft-com:mac:vml" xmlns:p="http://schemas.openxmlformats.org/presentationml/2006/main" xmlns:c="http://schemas.openxmlformats.org/drawingml/2006/chart" xmlns:dgm="http://schemas.openxmlformats.org/drawingml/2006/diagram" xmlns:o="urn:schemas-microsoft-com:office:office" xmlns:v="urn:schemas-microsoft-com:vml" xmlns:pvml="urn:schemas-microsoft-com:office:powerpoint" xmlns:com="http://schemas.openxmlformats.org/drawingml/2006/compatibility" xmlns:p14="http://schemas.microsoft.com/office/powerpoint/2010/main" xmlns:p15="http://schemas.microsoft.com/office/powerpoint/2012/main" xmlns:ahyp="http://schemas.microsoft.com/office/drawing/2018/hyperlinkcolor" matchingName="Title and two columns" type="twoColTx">
+<p:sldLayout xmlns:a="http://schemas.openxmlformats.org/drawingml/2006/main" xmlns:r="http://schemas.openxmlformats.org/officeDocument/2006/relationships" xmlns:p="http://schemas.openxmlformats.org/presentationml/2006/main" matchingName="Title and two columns" type="twoColTx">
   <p:cSld name="TITLE_AND_TWO_COLUMNS">
     <p:spTree>
       <p:nvGrpSpPr>
-        <p:cNvPr id="26" name="Shape 26"/>
+        <p:cNvPr id="1" name="Shape 26"/>
         <p:cNvGrpSpPr/>
         <p:nvPr/>
       </p:nvGrpSpPr>
@@ -4170,21 +4187,23 @@
             <a:avLst/>
           </a:prstGeom>
           <a:noFill/>
-          <a:ln cap="flat" cmpd="sng" w="38100">
+          <a:ln w="38100" cap="flat" cmpd="sng">
             <a:solidFill>
               <a:schemeClr val="accent4"/>
             </a:solidFill>
             <a:prstDash val="solid"/>
             <a:round/>
-            <a:headEnd len="sm" w="sm" type="none"/>
-            <a:tailEnd len="sm" w="sm" type="none"/>
+            <a:headEnd type="none" w="sm" len="sm"/>
+            <a:tailEnd type="none" w="sm" len="sm"/>
           </a:ln>
         </p:spPr>
       </p:cxnSp>
       <p:sp>
         <p:nvSpPr>
           <p:cNvPr id="28" name="Google Shape;28;p5"/>
-          <p:cNvSpPr txBox="1"/>
+          <p:cNvSpPr txBox="1">
+            <a:spLocks noGrp="1"/>
+          </p:cNvSpPr>
           <p:nvPr>
             <p:ph type="title"/>
           </p:nvPr>
@@ -4199,7 +4218,7 @@
           </a:prstGeom>
         </p:spPr>
         <p:txBody>
-          <a:bodyPr anchorCtr="0" anchor="b" bIns="91425" lIns="91425" spcFirstLastPara="1" rIns="91425" wrap="square" tIns="91425">
+          <a:bodyPr spcFirstLastPara="1" wrap="square" lIns="91425" tIns="91425" rIns="91425" bIns="91425" anchor="b" anchorCtr="0">
             <a:normAutofit/>
           </a:bodyPr>
           <a:lstStyle>
@@ -4303,15 +4322,19 @@
               <a:defRPr/>
             </a:lvl9pPr>
           </a:lstStyle>
-          <a:p/>
+          <a:p>
+            <a:endParaRPr/>
+          </a:p>
         </p:txBody>
       </p:sp>
       <p:sp>
         <p:nvSpPr>
           <p:cNvPr id="29" name="Google Shape;29;p5"/>
-          <p:cNvSpPr txBox="1"/>
+          <p:cNvSpPr txBox="1">
+            <a:spLocks noGrp="1"/>
+          </p:cNvSpPr>
           <p:nvPr>
-            <p:ph idx="1" type="body"/>
+            <p:ph type="body" idx="1"/>
           </p:nvPr>
         </p:nvSpPr>
         <p:spPr>
@@ -4324,11 +4347,11 @@
           </a:prstGeom>
         </p:spPr>
         <p:txBody>
-          <a:bodyPr anchorCtr="0" anchor="t" bIns="91425" lIns="91425" spcFirstLastPara="1" rIns="91425" wrap="square" tIns="91425">
+          <a:bodyPr spcFirstLastPara="1" wrap="square" lIns="91425" tIns="91425" rIns="91425" bIns="91425" anchor="t" anchorCtr="0">
             <a:normAutofit/>
           </a:bodyPr>
           <a:lstStyle>
-            <a:lvl1pPr indent="-317500" lvl="0" marL="457200">
+            <a:lvl1pPr marL="457200" lvl="0" indent="-317500">
               <a:spcBef>
                 <a:spcPts val="0"/>
               </a:spcBef>
@@ -4339,7 +4362,7 @@
               <a:buChar char="●"/>
               <a:defRPr sz="1400"/>
             </a:lvl1pPr>
-            <a:lvl2pPr indent="-304800" lvl="1" marL="914400">
+            <a:lvl2pPr marL="914400" lvl="1" indent="-304800">
               <a:spcBef>
                 <a:spcPts val="0"/>
               </a:spcBef>
@@ -4350,7 +4373,7 @@
               <a:buChar char="○"/>
               <a:defRPr sz="1200"/>
             </a:lvl2pPr>
-            <a:lvl3pPr indent="-304800" lvl="2" marL="1371600">
+            <a:lvl3pPr marL="1371600" lvl="2" indent="-304800">
               <a:spcBef>
                 <a:spcPts val="0"/>
               </a:spcBef>
@@ -4361,7 +4384,7 @@
               <a:buChar char="■"/>
               <a:defRPr sz="1200"/>
             </a:lvl3pPr>
-            <a:lvl4pPr indent="-304800" lvl="3" marL="1828800">
+            <a:lvl4pPr marL="1828800" lvl="3" indent="-304800">
               <a:spcBef>
                 <a:spcPts val="0"/>
               </a:spcBef>
@@ -4372,7 +4395,7 @@
               <a:buChar char="●"/>
               <a:defRPr sz="1200"/>
             </a:lvl4pPr>
-            <a:lvl5pPr indent="-304800" lvl="4" marL="2286000">
+            <a:lvl5pPr marL="2286000" lvl="4" indent="-304800">
               <a:spcBef>
                 <a:spcPts val="0"/>
               </a:spcBef>
@@ -4383,7 +4406,7 @@
               <a:buChar char="○"/>
               <a:defRPr sz="1200"/>
             </a:lvl5pPr>
-            <a:lvl6pPr indent="-304800" lvl="5" marL="2743200">
+            <a:lvl6pPr marL="2743200" lvl="5" indent="-304800">
               <a:spcBef>
                 <a:spcPts val="0"/>
               </a:spcBef>
@@ -4394,7 +4417,7 @@
               <a:buChar char="■"/>
               <a:defRPr sz="1200"/>
             </a:lvl6pPr>
-            <a:lvl7pPr indent="-304800" lvl="6" marL="3200400">
+            <a:lvl7pPr marL="3200400" lvl="6" indent="-304800">
               <a:spcBef>
                 <a:spcPts val="0"/>
               </a:spcBef>
@@ -4405,7 +4428,7 @@
               <a:buChar char="●"/>
               <a:defRPr sz="1200"/>
             </a:lvl7pPr>
-            <a:lvl8pPr indent="-304800" lvl="7" marL="3657600">
+            <a:lvl8pPr marL="3657600" lvl="7" indent="-304800">
               <a:spcBef>
                 <a:spcPts val="0"/>
               </a:spcBef>
@@ -4416,7 +4439,7 @@
               <a:buChar char="○"/>
               <a:defRPr sz="1200"/>
             </a:lvl8pPr>
-            <a:lvl9pPr indent="-304800" lvl="8" marL="4114800">
+            <a:lvl9pPr marL="4114800" lvl="8" indent="-304800">
               <a:spcBef>
                 <a:spcPts val="0"/>
               </a:spcBef>
@@ -4428,15 +4451,19 @@
               <a:defRPr sz="1200"/>
             </a:lvl9pPr>
           </a:lstStyle>
-          <a:p/>
+          <a:p>
+            <a:endParaRPr/>
+          </a:p>
         </p:txBody>
       </p:sp>
       <p:sp>
         <p:nvSpPr>
           <p:cNvPr id="30" name="Google Shape;30;p5"/>
-          <p:cNvSpPr txBox="1"/>
+          <p:cNvSpPr txBox="1">
+            <a:spLocks noGrp="1"/>
+          </p:cNvSpPr>
           <p:nvPr>
-            <p:ph idx="2" type="body"/>
+            <p:ph type="body" idx="2"/>
           </p:nvPr>
         </p:nvSpPr>
         <p:spPr>
@@ -4449,11 +4476,11 @@
           </a:prstGeom>
         </p:spPr>
         <p:txBody>
-          <a:bodyPr anchorCtr="0" anchor="t" bIns="91425" lIns="91425" spcFirstLastPara="1" rIns="91425" wrap="square" tIns="91425">
+          <a:bodyPr spcFirstLastPara="1" wrap="square" lIns="91425" tIns="91425" rIns="91425" bIns="91425" anchor="t" anchorCtr="0">
             <a:normAutofit/>
           </a:bodyPr>
           <a:lstStyle>
-            <a:lvl1pPr indent="-317500" lvl="0" marL="457200">
+            <a:lvl1pPr marL="457200" lvl="0" indent="-317500">
               <a:spcBef>
                 <a:spcPts val="0"/>
               </a:spcBef>
@@ -4464,7 +4491,7 @@
               <a:buChar char="●"/>
               <a:defRPr sz="1400"/>
             </a:lvl1pPr>
-            <a:lvl2pPr indent="-304800" lvl="1" marL="914400">
+            <a:lvl2pPr marL="914400" lvl="1" indent="-304800">
               <a:spcBef>
                 <a:spcPts val="0"/>
               </a:spcBef>
@@ -4475,7 +4502,7 @@
               <a:buChar char="○"/>
               <a:defRPr sz="1200"/>
             </a:lvl2pPr>
-            <a:lvl3pPr indent="-304800" lvl="2" marL="1371600">
+            <a:lvl3pPr marL="1371600" lvl="2" indent="-304800">
               <a:spcBef>
                 <a:spcPts val="0"/>
               </a:spcBef>
@@ -4486,7 +4513,7 @@
               <a:buChar char="■"/>
               <a:defRPr sz="1200"/>
             </a:lvl3pPr>
-            <a:lvl4pPr indent="-304800" lvl="3" marL="1828800">
+            <a:lvl4pPr marL="1828800" lvl="3" indent="-304800">
               <a:spcBef>
                 <a:spcPts val="0"/>
               </a:spcBef>
@@ -4497,7 +4524,7 @@
               <a:buChar char="●"/>
               <a:defRPr sz="1200"/>
             </a:lvl4pPr>
-            <a:lvl5pPr indent="-304800" lvl="4" marL="2286000">
+            <a:lvl5pPr marL="2286000" lvl="4" indent="-304800">
               <a:spcBef>
                 <a:spcPts val="0"/>
               </a:spcBef>
@@ -4508,7 +4535,7 @@
               <a:buChar char="○"/>
               <a:defRPr sz="1200"/>
             </a:lvl5pPr>
-            <a:lvl6pPr indent="-304800" lvl="5" marL="2743200">
+            <a:lvl6pPr marL="2743200" lvl="5" indent="-304800">
               <a:spcBef>
                 <a:spcPts val="0"/>
               </a:spcBef>
@@ -4519,7 +4546,7 @@
               <a:buChar char="■"/>
               <a:defRPr sz="1200"/>
             </a:lvl6pPr>
-            <a:lvl7pPr indent="-304800" lvl="6" marL="3200400">
+            <a:lvl7pPr marL="3200400" lvl="6" indent="-304800">
               <a:spcBef>
                 <a:spcPts val="0"/>
               </a:spcBef>
@@ -4530,7 +4557,7 @@
               <a:buChar char="●"/>
               <a:defRPr sz="1200"/>
             </a:lvl7pPr>
-            <a:lvl8pPr indent="-304800" lvl="7" marL="3657600">
+            <a:lvl8pPr marL="3657600" lvl="7" indent="-304800">
               <a:spcBef>
                 <a:spcPts val="0"/>
               </a:spcBef>
@@ -4541,7 +4568,7 @@
               <a:buChar char="○"/>
               <a:defRPr sz="1200"/>
             </a:lvl8pPr>
-            <a:lvl9pPr indent="-304800" lvl="8" marL="4114800">
+            <a:lvl9pPr marL="4114800" lvl="8" indent="-304800">
               <a:spcBef>
                 <a:spcPts val="0"/>
               </a:spcBef>
@@ -4553,15 +4580,19 @@
               <a:defRPr sz="1200"/>
             </a:lvl9pPr>
           </a:lstStyle>
-          <a:p/>
+          <a:p>
+            <a:endParaRPr/>
+          </a:p>
         </p:txBody>
       </p:sp>
       <p:sp>
         <p:nvSpPr>
           <p:cNvPr id="31" name="Google Shape;31;p5"/>
-          <p:cNvSpPr txBox="1"/>
+          <p:cNvSpPr txBox="1">
+            <a:spLocks noGrp="1"/>
+          </p:cNvSpPr>
           <p:nvPr>
-            <p:ph idx="12" type="sldNum"/>
+            <p:ph type="sldNum" idx="12"/>
           </p:nvPr>
         </p:nvSpPr>
         <p:spPr>
@@ -4574,7 +4605,7 @@
           </a:prstGeom>
         </p:spPr>
         <p:txBody>
-          <a:bodyPr anchorCtr="0" anchor="ctr" bIns="91425" lIns="91425" spcFirstLastPara="1" rIns="91425" wrap="square" tIns="91425">
+          <a:bodyPr spcFirstLastPara="1" wrap="square" lIns="91425" tIns="91425" rIns="91425" bIns="91425" anchor="ctr" anchorCtr="0">
             <a:normAutofit/>
           </a:bodyPr>
           <a:lstStyle>
@@ -4616,7 +4647,7 @@
             </a:lvl9pPr>
           </a:lstStyle>
           <a:p>
-            <a:pPr indent="0" lvl="0" marL="0" rtl="0" algn="r">
+            <a:pPr marL="0" lvl="0" indent="0" algn="r" rtl="0">
               <a:spcBef>
                 <a:spcPts val="0"/>
               </a:spcBef>
@@ -4642,11 +4673,11 @@
 </file>
 
 <file path=ppt/slideLayouts/slideLayout5.xml><?xml version="1.0" encoding="utf-8"?>
-<p:sldLayout xmlns:a="http://schemas.openxmlformats.org/drawingml/2006/main" xmlns:r="http://schemas.openxmlformats.org/officeDocument/2006/relationships" xmlns:mc="http://schemas.openxmlformats.org/markup-compatibility/2006" xmlns:mv="urn:schemas-microsoft-com:mac:vml" xmlns:p="http://schemas.openxmlformats.org/presentationml/2006/main" xmlns:c="http://schemas.openxmlformats.org/drawingml/2006/chart" xmlns:dgm="http://schemas.openxmlformats.org/drawingml/2006/diagram" xmlns:o="urn:schemas-microsoft-com:office:office" xmlns:v="urn:schemas-microsoft-com:vml" xmlns:pvml="urn:schemas-microsoft-com:office:powerpoint" xmlns:com="http://schemas.openxmlformats.org/drawingml/2006/compatibility" xmlns:p14="http://schemas.microsoft.com/office/powerpoint/2010/main" xmlns:p15="http://schemas.microsoft.com/office/powerpoint/2012/main" xmlns:ahyp="http://schemas.microsoft.com/office/drawing/2018/hyperlinkcolor" matchingName="Title only" type="titleOnly">
+<p:sldLayout xmlns:a="http://schemas.openxmlformats.org/drawingml/2006/main" xmlns:r="http://schemas.openxmlformats.org/officeDocument/2006/relationships" xmlns:p="http://schemas.openxmlformats.org/presentationml/2006/main" matchingName="Title only" type="titleOnly">
   <p:cSld name="TITLE_ONLY">
     <p:spTree>
       <p:nvGrpSpPr>
-        <p:cNvPr id="32" name="Shape 32"/>
+        <p:cNvPr id="1" name="Shape 32"/>
         <p:cNvGrpSpPr/>
         <p:nvPr/>
       </p:nvGrpSpPr>
@@ -4661,7 +4692,9 @@
       <p:sp>
         <p:nvSpPr>
           <p:cNvPr id="33" name="Google Shape;33;p6"/>
-          <p:cNvSpPr txBox="1"/>
+          <p:cNvSpPr txBox="1">
+            <a:spLocks noGrp="1"/>
+          </p:cNvSpPr>
           <p:nvPr>
             <p:ph type="title"/>
           </p:nvPr>
@@ -4676,7 +4709,7 @@
           </a:prstGeom>
         </p:spPr>
         <p:txBody>
-          <a:bodyPr anchorCtr="0" anchor="b" bIns="91425" lIns="91425" spcFirstLastPara="1" rIns="91425" wrap="square" tIns="91425">
+          <a:bodyPr spcFirstLastPara="1" wrap="square" lIns="91425" tIns="91425" rIns="91425" bIns="91425" anchor="b" anchorCtr="0">
             <a:normAutofit/>
           </a:bodyPr>
           <a:lstStyle>
@@ -4780,15 +4813,19 @@
               <a:defRPr/>
             </a:lvl9pPr>
           </a:lstStyle>
-          <a:p/>
+          <a:p>
+            <a:endParaRPr/>
+          </a:p>
         </p:txBody>
       </p:sp>
       <p:sp>
         <p:nvSpPr>
           <p:cNvPr id="34" name="Google Shape;34;p6"/>
-          <p:cNvSpPr txBox="1"/>
+          <p:cNvSpPr txBox="1">
+            <a:spLocks noGrp="1"/>
+          </p:cNvSpPr>
           <p:nvPr>
-            <p:ph idx="12" type="sldNum"/>
+            <p:ph type="sldNum" idx="12"/>
           </p:nvPr>
         </p:nvSpPr>
         <p:spPr>
@@ -4801,7 +4838,7 @@
           </a:prstGeom>
         </p:spPr>
         <p:txBody>
-          <a:bodyPr anchorCtr="0" anchor="ctr" bIns="91425" lIns="91425" spcFirstLastPara="1" rIns="91425" wrap="square" tIns="91425">
+          <a:bodyPr spcFirstLastPara="1" wrap="square" lIns="91425" tIns="91425" rIns="91425" bIns="91425" anchor="ctr" anchorCtr="0">
             <a:normAutofit/>
           </a:bodyPr>
           <a:lstStyle>
@@ -4843,7 +4880,7 @@
             </a:lvl9pPr>
           </a:lstStyle>
           <a:p>
-            <a:pPr indent="0" lvl="0" marL="0" rtl="0" algn="r">
+            <a:pPr marL="0" lvl="0" indent="0" algn="r" rtl="0">
               <a:spcBef>
                 <a:spcPts val="0"/>
               </a:spcBef>
@@ -4869,11 +4906,11 @@
 </file>
 
 <file path=ppt/slideLayouts/slideLayout6.xml><?xml version="1.0" encoding="utf-8"?>
-<p:sldLayout xmlns:a="http://schemas.openxmlformats.org/drawingml/2006/main" xmlns:r="http://schemas.openxmlformats.org/officeDocument/2006/relationships" xmlns:mc="http://schemas.openxmlformats.org/markup-compatibility/2006" xmlns:mv="urn:schemas-microsoft-com:mac:vml" xmlns:p="http://schemas.openxmlformats.org/presentationml/2006/main" xmlns:c="http://schemas.openxmlformats.org/drawingml/2006/chart" xmlns:dgm="http://schemas.openxmlformats.org/drawingml/2006/diagram" xmlns:o="urn:schemas-microsoft-com:office:office" xmlns:v="urn:schemas-microsoft-com:vml" xmlns:pvml="urn:schemas-microsoft-com:office:powerpoint" xmlns:com="http://schemas.openxmlformats.org/drawingml/2006/compatibility" xmlns:p14="http://schemas.microsoft.com/office/powerpoint/2010/main" xmlns:p15="http://schemas.microsoft.com/office/powerpoint/2012/main" xmlns:ahyp="http://schemas.microsoft.com/office/drawing/2018/hyperlinkcolor" matchingName="One column text">
+<p:sldLayout xmlns:a="http://schemas.openxmlformats.org/drawingml/2006/main" xmlns:r="http://schemas.openxmlformats.org/officeDocument/2006/relationships" xmlns:p="http://schemas.openxmlformats.org/presentationml/2006/main" matchingName="One column text">
   <p:cSld name="ONE_COLUMN_TEXT">
     <p:spTree>
       <p:nvGrpSpPr>
-        <p:cNvPr id="35" name="Shape 35"/>
+        <p:cNvPr id="1" name="Shape 35"/>
         <p:cNvGrpSpPr/>
         <p:nvPr/>
       </p:nvGrpSpPr>
@@ -4900,21 +4937,23 @@
             <a:avLst/>
           </a:prstGeom>
           <a:noFill/>
-          <a:ln cap="flat" cmpd="sng" w="38100">
+          <a:ln w="38100" cap="flat" cmpd="sng">
             <a:solidFill>
               <a:schemeClr val="accent4"/>
             </a:solidFill>
             <a:prstDash val="solid"/>
             <a:round/>
-            <a:headEnd len="sm" w="sm" type="none"/>
-            <a:tailEnd len="sm" w="sm" type="none"/>
+            <a:headEnd type="none" w="sm" len="sm"/>
+            <a:tailEnd type="none" w="sm" len="sm"/>
           </a:ln>
         </p:spPr>
       </p:cxnSp>
       <p:sp>
         <p:nvSpPr>
           <p:cNvPr id="37" name="Google Shape;37;p7"/>
-          <p:cNvSpPr txBox="1"/>
+          <p:cNvSpPr txBox="1">
+            <a:spLocks noGrp="1"/>
+          </p:cNvSpPr>
           <p:nvPr>
             <p:ph type="title"/>
           </p:nvPr>
@@ -4929,7 +4968,7 @@
           </a:prstGeom>
         </p:spPr>
         <p:txBody>
-          <a:bodyPr anchorCtr="0" anchor="b" bIns="91425" lIns="91425" spcFirstLastPara="1" rIns="91425" wrap="square" tIns="91425">
+          <a:bodyPr spcFirstLastPara="1" wrap="square" lIns="91425" tIns="91425" rIns="91425" bIns="91425" anchor="b" anchorCtr="0">
             <a:normAutofit/>
           </a:bodyPr>
           <a:lstStyle>
@@ -5033,15 +5072,19 @@
               <a:defRPr sz="2400"/>
             </a:lvl9pPr>
           </a:lstStyle>
-          <a:p/>
+          <a:p>
+            <a:endParaRPr/>
+          </a:p>
         </p:txBody>
       </p:sp>
       <p:sp>
         <p:nvSpPr>
           <p:cNvPr id="38" name="Google Shape;38;p7"/>
-          <p:cNvSpPr txBox="1"/>
+          <p:cNvSpPr txBox="1">
+            <a:spLocks noGrp="1"/>
+          </p:cNvSpPr>
           <p:nvPr>
-            <p:ph idx="1" type="body"/>
+            <p:ph type="body" idx="1"/>
           </p:nvPr>
         </p:nvSpPr>
         <p:spPr>
@@ -5054,11 +5097,11 @@
           </a:prstGeom>
         </p:spPr>
         <p:txBody>
-          <a:bodyPr anchorCtr="0" anchor="t" bIns="91425" lIns="91425" spcFirstLastPara="1" rIns="91425" wrap="square" tIns="91425">
+          <a:bodyPr spcFirstLastPara="1" wrap="square" lIns="91425" tIns="91425" rIns="91425" bIns="91425" anchor="t" anchorCtr="0">
             <a:normAutofit/>
           </a:bodyPr>
           <a:lstStyle>
-            <a:lvl1pPr indent="-304800" lvl="0" marL="457200">
+            <a:lvl1pPr marL="457200" lvl="0" indent="-304800">
               <a:spcBef>
                 <a:spcPts val="0"/>
               </a:spcBef>
@@ -5069,7 +5112,7 @@
               <a:buChar char="●"/>
               <a:defRPr sz="1200"/>
             </a:lvl1pPr>
-            <a:lvl2pPr indent="-304800" lvl="1" marL="914400">
+            <a:lvl2pPr marL="914400" lvl="1" indent="-304800">
               <a:spcBef>
                 <a:spcPts val="0"/>
               </a:spcBef>
@@ -5080,7 +5123,7 @@
               <a:buChar char="○"/>
               <a:defRPr sz="1200"/>
             </a:lvl2pPr>
-            <a:lvl3pPr indent="-304800" lvl="2" marL="1371600">
+            <a:lvl3pPr marL="1371600" lvl="2" indent="-304800">
               <a:spcBef>
                 <a:spcPts val="0"/>
               </a:spcBef>
@@ -5091,7 +5134,7 @@
               <a:buChar char="■"/>
               <a:defRPr sz="1200"/>
             </a:lvl3pPr>
-            <a:lvl4pPr indent="-304800" lvl="3" marL="1828800">
+            <a:lvl4pPr marL="1828800" lvl="3" indent="-304800">
               <a:spcBef>
                 <a:spcPts val="0"/>
               </a:spcBef>
@@ -5102,7 +5145,7 @@
               <a:buChar char="●"/>
               <a:defRPr sz="1200"/>
             </a:lvl4pPr>
-            <a:lvl5pPr indent="-304800" lvl="4" marL="2286000">
+            <a:lvl5pPr marL="2286000" lvl="4" indent="-304800">
               <a:spcBef>
                 <a:spcPts val="0"/>
               </a:spcBef>
@@ -5113,7 +5156,7 @@
               <a:buChar char="○"/>
               <a:defRPr sz="1200"/>
             </a:lvl5pPr>
-            <a:lvl6pPr indent="-304800" lvl="5" marL="2743200">
+            <a:lvl6pPr marL="2743200" lvl="5" indent="-304800">
               <a:spcBef>
                 <a:spcPts val="0"/>
               </a:spcBef>
@@ -5124,7 +5167,7 @@
               <a:buChar char="■"/>
               <a:defRPr sz="1200"/>
             </a:lvl6pPr>
-            <a:lvl7pPr indent="-304800" lvl="6" marL="3200400">
+            <a:lvl7pPr marL="3200400" lvl="6" indent="-304800">
               <a:spcBef>
                 <a:spcPts val="0"/>
               </a:spcBef>
@@ -5135,7 +5178,7 @@
               <a:buChar char="●"/>
               <a:defRPr sz="1200"/>
             </a:lvl7pPr>
-            <a:lvl8pPr indent="-304800" lvl="7" marL="3657600">
+            <a:lvl8pPr marL="3657600" lvl="7" indent="-304800">
               <a:spcBef>
                 <a:spcPts val="0"/>
               </a:spcBef>
@@ -5146,7 +5189,7 @@
               <a:buChar char="○"/>
               <a:defRPr sz="1200"/>
             </a:lvl8pPr>
-            <a:lvl9pPr indent="-304800" lvl="8" marL="4114800">
+            <a:lvl9pPr marL="4114800" lvl="8" indent="-304800">
               <a:spcBef>
                 <a:spcPts val="0"/>
               </a:spcBef>
@@ -5158,15 +5201,19 @@
               <a:defRPr sz="1200"/>
             </a:lvl9pPr>
           </a:lstStyle>
-          <a:p/>
+          <a:p>
+            <a:endParaRPr/>
+          </a:p>
         </p:txBody>
       </p:sp>
       <p:sp>
         <p:nvSpPr>
           <p:cNvPr id="39" name="Google Shape;39;p7"/>
-          <p:cNvSpPr txBox="1"/>
+          <p:cNvSpPr txBox="1">
+            <a:spLocks noGrp="1"/>
+          </p:cNvSpPr>
           <p:nvPr>
-            <p:ph idx="12" type="sldNum"/>
+            <p:ph type="sldNum" idx="12"/>
           </p:nvPr>
         </p:nvSpPr>
         <p:spPr>
@@ -5179,7 +5226,7 @@
           </a:prstGeom>
         </p:spPr>
         <p:txBody>
-          <a:bodyPr anchorCtr="0" anchor="ctr" bIns="91425" lIns="91425" spcFirstLastPara="1" rIns="91425" wrap="square" tIns="91425">
+          <a:bodyPr spcFirstLastPara="1" wrap="square" lIns="91425" tIns="91425" rIns="91425" bIns="91425" anchor="ctr" anchorCtr="0">
             <a:normAutofit/>
           </a:bodyPr>
           <a:lstStyle>
@@ -5221,7 +5268,7 @@
             </a:lvl9pPr>
           </a:lstStyle>
           <a:p>
-            <a:pPr indent="0" lvl="0" marL="0" rtl="0" algn="r">
+            <a:pPr marL="0" lvl="0" indent="0" algn="r" rtl="0">
               <a:spcBef>
                 <a:spcPts val="0"/>
               </a:spcBef>
@@ -5247,11 +5294,11 @@
 </file>
 
 <file path=ppt/slideLayouts/slideLayout7.xml><?xml version="1.0" encoding="utf-8"?>
-<p:sldLayout xmlns:a="http://schemas.openxmlformats.org/drawingml/2006/main" xmlns:r="http://schemas.openxmlformats.org/officeDocument/2006/relationships" xmlns:mc="http://schemas.openxmlformats.org/markup-compatibility/2006" xmlns:mv="urn:schemas-microsoft-com:mac:vml" xmlns:p="http://schemas.openxmlformats.org/presentationml/2006/main" xmlns:c="http://schemas.openxmlformats.org/drawingml/2006/chart" xmlns:dgm="http://schemas.openxmlformats.org/drawingml/2006/diagram" xmlns:o="urn:schemas-microsoft-com:office:office" xmlns:v="urn:schemas-microsoft-com:vml" xmlns:pvml="urn:schemas-microsoft-com:office:powerpoint" xmlns:com="http://schemas.openxmlformats.org/drawingml/2006/compatibility" xmlns:p14="http://schemas.microsoft.com/office/powerpoint/2010/main" xmlns:p15="http://schemas.microsoft.com/office/powerpoint/2012/main" xmlns:ahyp="http://schemas.microsoft.com/office/drawing/2018/hyperlinkcolor" matchingName="Main point">
+<p:sldLayout xmlns:a="http://schemas.openxmlformats.org/drawingml/2006/main" xmlns:r="http://schemas.openxmlformats.org/officeDocument/2006/relationships" xmlns:p="http://schemas.openxmlformats.org/presentationml/2006/main" matchingName="Main point">
   <p:cSld name="MAIN_POINT">
     <p:spTree>
       <p:nvGrpSpPr>
-        <p:cNvPr id="40" name="Shape 40"/>
+        <p:cNvPr id="1" name="Shape 40"/>
         <p:cNvGrpSpPr/>
         <p:nvPr/>
       </p:nvGrpSpPr>
@@ -5266,7 +5313,9 @@
       <p:sp>
         <p:nvSpPr>
           <p:cNvPr id="41" name="Google Shape;41;p8"/>
-          <p:cNvSpPr txBox="1"/>
+          <p:cNvSpPr txBox="1">
+            <a:spLocks noGrp="1"/>
+          </p:cNvSpPr>
           <p:nvPr>
             <p:ph type="title"/>
           </p:nvPr>
@@ -5281,7 +5330,7 @@
           </a:prstGeom>
         </p:spPr>
         <p:txBody>
-          <a:bodyPr anchorCtr="0" anchor="ctr" bIns="91425" lIns="91425" spcFirstLastPara="1" rIns="91425" wrap="square" tIns="91425">
+          <a:bodyPr spcFirstLastPara="1" wrap="square" lIns="91425" tIns="91425" rIns="91425" bIns="91425" anchor="ctr" anchorCtr="0">
             <a:normAutofit/>
           </a:bodyPr>
           <a:lstStyle>
@@ -5385,15 +5434,19 @@
               <a:defRPr sz="4800"/>
             </a:lvl9pPr>
           </a:lstStyle>
-          <a:p/>
+          <a:p>
+            <a:endParaRPr/>
+          </a:p>
         </p:txBody>
       </p:sp>
       <p:sp>
         <p:nvSpPr>
           <p:cNvPr id="42" name="Google Shape;42;p8"/>
-          <p:cNvSpPr txBox="1"/>
+          <p:cNvSpPr txBox="1">
+            <a:spLocks noGrp="1"/>
+          </p:cNvSpPr>
           <p:nvPr>
-            <p:ph idx="12" type="sldNum"/>
+            <p:ph type="sldNum" idx="12"/>
           </p:nvPr>
         </p:nvSpPr>
         <p:spPr>
@@ -5406,7 +5459,7 @@
           </a:prstGeom>
         </p:spPr>
         <p:txBody>
-          <a:bodyPr anchorCtr="0" anchor="ctr" bIns="91425" lIns="91425" spcFirstLastPara="1" rIns="91425" wrap="square" tIns="91425">
+          <a:bodyPr spcFirstLastPara="1" wrap="square" lIns="91425" tIns="91425" rIns="91425" bIns="91425" anchor="ctr" anchorCtr="0">
             <a:normAutofit/>
           </a:bodyPr>
           <a:lstStyle>
@@ -5448,7 +5501,7 @@
             </a:lvl9pPr>
           </a:lstStyle>
           <a:p>
-            <a:pPr indent="0" lvl="0" marL="0" rtl="0" algn="r">
+            <a:pPr marL="0" lvl="0" indent="0" algn="r" rtl="0">
               <a:spcBef>
                 <a:spcPts val="0"/>
               </a:spcBef>
@@ -5474,11 +5527,11 @@
 </file>
 
 <file path=ppt/slideLayouts/slideLayout8.xml><?xml version="1.0" encoding="utf-8"?>
-<p:sldLayout xmlns:a="http://schemas.openxmlformats.org/drawingml/2006/main" xmlns:r="http://schemas.openxmlformats.org/officeDocument/2006/relationships" xmlns:mc="http://schemas.openxmlformats.org/markup-compatibility/2006" xmlns:mv="urn:schemas-microsoft-com:mac:vml" xmlns:p="http://schemas.openxmlformats.org/presentationml/2006/main" xmlns:c="http://schemas.openxmlformats.org/drawingml/2006/chart" xmlns:dgm="http://schemas.openxmlformats.org/drawingml/2006/diagram" xmlns:o="urn:schemas-microsoft-com:office:office" xmlns:v="urn:schemas-microsoft-com:vml" xmlns:pvml="urn:schemas-microsoft-com:office:powerpoint" xmlns:com="http://schemas.openxmlformats.org/drawingml/2006/compatibility" xmlns:p14="http://schemas.microsoft.com/office/powerpoint/2010/main" xmlns:p15="http://schemas.microsoft.com/office/powerpoint/2012/main" xmlns:ahyp="http://schemas.microsoft.com/office/drawing/2018/hyperlinkcolor" matchingName="Section title and description">
+<p:sldLayout xmlns:a="http://schemas.openxmlformats.org/drawingml/2006/main" xmlns:r="http://schemas.openxmlformats.org/officeDocument/2006/relationships" xmlns:p="http://schemas.openxmlformats.org/presentationml/2006/main" matchingName="Section title and description">
   <p:cSld name="SECTION_TITLE_AND_DESCRIPTION">
     <p:spTree>
       <p:nvGrpSpPr>
-        <p:cNvPr id="43" name="Shape 43"/>
+        <p:cNvPr id="1" name="Shape 43"/>
         <p:cNvGrpSpPr/>
         <p:nvPr/>
       </p:nvGrpSpPr>
@@ -5512,12 +5565,12 @@
           </a:ln>
         </p:spPr>
         <p:txBody>
-          <a:bodyPr anchorCtr="0" anchor="ctr" bIns="91425" lIns="91425" spcFirstLastPara="1" rIns="91425" wrap="square" tIns="91425">
+          <a:bodyPr spcFirstLastPara="1" wrap="square" lIns="91425" tIns="91425" rIns="91425" bIns="91425" anchor="ctr" anchorCtr="0">
             <a:noAutofit/>
           </a:bodyPr>
           <a:lstStyle/>
           <a:p>
-            <a:pPr indent="0" lvl="0" marL="0" rtl="0" algn="l">
+            <a:pPr marL="0" lvl="0" indent="0" algn="l" rtl="0">
               <a:spcBef>
                 <a:spcPts val="0"/>
               </a:spcBef>
@@ -5526,9 +5579,6 @@
               </a:spcAft>
               <a:buNone/>
             </a:pPr>
-            <a:r>
-              <a:t/>
-            </a:r>
             <a:endParaRPr/>
           </a:p>
         </p:txBody>
@@ -5548,21 +5598,23 @@
             <a:avLst/>
           </a:prstGeom>
           <a:noFill/>
-          <a:ln cap="flat" cmpd="sng" w="38100">
+          <a:ln w="38100" cap="flat" cmpd="sng">
             <a:solidFill>
               <a:schemeClr val="accent5"/>
             </a:solidFill>
             <a:prstDash val="solid"/>
             <a:round/>
-            <a:headEnd len="sm" w="sm" type="none"/>
-            <a:tailEnd len="sm" w="sm" type="none"/>
+            <a:headEnd type="none" w="sm" len="sm"/>
+            <a:tailEnd type="none" w="sm" len="sm"/>
           </a:ln>
         </p:spPr>
       </p:cxnSp>
       <p:sp>
         <p:nvSpPr>
           <p:cNvPr id="46" name="Google Shape;46;p9"/>
-          <p:cNvSpPr txBox="1"/>
+          <p:cNvSpPr txBox="1">
+            <a:spLocks noGrp="1"/>
+          </p:cNvSpPr>
           <p:nvPr>
             <p:ph type="title"/>
           </p:nvPr>
@@ -5577,7 +5629,7 @@
           </a:prstGeom>
         </p:spPr>
         <p:txBody>
-          <a:bodyPr anchorCtr="0" anchor="b" bIns="91425" lIns="91425" spcFirstLastPara="1" rIns="91425" wrap="square" tIns="91425">
+          <a:bodyPr spcFirstLastPara="1" wrap="square" lIns="91425" tIns="91425" rIns="91425" bIns="91425" anchor="b" anchorCtr="0">
             <a:normAutofit/>
           </a:bodyPr>
           <a:lstStyle>
@@ -5681,15 +5733,19 @@
               <a:defRPr sz="3800"/>
             </a:lvl9pPr>
           </a:lstStyle>
-          <a:p/>
+          <a:p>
+            <a:endParaRPr/>
+          </a:p>
         </p:txBody>
       </p:sp>
       <p:sp>
         <p:nvSpPr>
           <p:cNvPr id="47" name="Google Shape;47;p9"/>
-          <p:cNvSpPr txBox="1"/>
+          <p:cNvSpPr txBox="1">
+            <a:spLocks noGrp="1"/>
+          </p:cNvSpPr>
           <p:nvPr>
-            <p:ph idx="1" type="subTitle"/>
+            <p:ph type="subTitle" idx="1"/>
           </p:nvPr>
         </p:nvSpPr>
         <p:spPr>
@@ -5702,7 +5758,7 @@
           </a:prstGeom>
         </p:spPr>
         <p:txBody>
-          <a:bodyPr anchorCtr="0" anchor="t" bIns="91425" lIns="91425" spcFirstLastPara="1" rIns="91425" wrap="square" tIns="91425">
+          <a:bodyPr spcFirstLastPara="1" wrap="square" lIns="91425" tIns="91425" rIns="91425" bIns="91425" anchor="t" anchorCtr="0">
             <a:normAutofit/>
           </a:bodyPr>
           <a:lstStyle>
@@ -5896,15 +5952,19 @@
               </a:defRPr>
             </a:lvl9pPr>
           </a:lstStyle>
-          <a:p/>
+          <a:p>
+            <a:endParaRPr/>
+          </a:p>
         </p:txBody>
       </p:sp>
       <p:sp>
         <p:nvSpPr>
           <p:cNvPr id="48" name="Google Shape;48;p9"/>
-          <p:cNvSpPr txBox="1"/>
+          <p:cNvSpPr txBox="1">
+            <a:spLocks noGrp="1"/>
+          </p:cNvSpPr>
           <p:nvPr>
-            <p:ph idx="2" type="body"/>
+            <p:ph type="body" idx="2"/>
           </p:nvPr>
         </p:nvSpPr>
         <p:spPr>
@@ -5917,11 +5977,11 @@
           </a:prstGeom>
         </p:spPr>
         <p:txBody>
-          <a:bodyPr anchorCtr="0" anchor="ctr" bIns="91425" lIns="91425" spcFirstLastPara="1" rIns="91425" wrap="square" tIns="91425">
+          <a:bodyPr spcFirstLastPara="1" wrap="square" lIns="91425" tIns="91425" rIns="91425" bIns="91425" anchor="ctr" anchorCtr="0">
             <a:normAutofit/>
           </a:bodyPr>
           <a:lstStyle>
-            <a:lvl1pPr indent="-342900" lvl="0" marL="457200">
+            <a:lvl1pPr marL="457200" lvl="0" indent="-342900">
               <a:spcBef>
                 <a:spcPts val="0"/>
               </a:spcBef>
@@ -5932,7 +5992,7 @@
               <a:buChar char="●"/>
               <a:defRPr/>
             </a:lvl1pPr>
-            <a:lvl2pPr indent="-317500" lvl="1" marL="914400">
+            <a:lvl2pPr marL="914400" lvl="1" indent="-317500">
               <a:spcBef>
                 <a:spcPts val="0"/>
               </a:spcBef>
@@ -5943,7 +6003,7 @@
               <a:buChar char="○"/>
               <a:defRPr/>
             </a:lvl2pPr>
-            <a:lvl3pPr indent="-317500" lvl="2" marL="1371600">
+            <a:lvl3pPr marL="1371600" lvl="2" indent="-317500">
               <a:spcBef>
                 <a:spcPts val="0"/>
               </a:spcBef>
@@ -5954,7 +6014,7 @@
               <a:buChar char="■"/>
               <a:defRPr/>
             </a:lvl3pPr>
-            <a:lvl4pPr indent="-317500" lvl="3" marL="1828800">
+            <a:lvl4pPr marL="1828800" lvl="3" indent="-317500">
               <a:spcBef>
                 <a:spcPts val="0"/>
               </a:spcBef>
@@ -5965,7 +6025,7 @@
               <a:buChar char="●"/>
               <a:defRPr/>
             </a:lvl4pPr>
-            <a:lvl5pPr indent="-317500" lvl="4" marL="2286000">
+            <a:lvl5pPr marL="2286000" lvl="4" indent="-317500">
               <a:spcBef>
                 <a:spcPts val="0"/>
               </a:spcBef>
@@ -5976,7 +6036,7 @@
               <a:buChar char="○"/>
               <a:defRPr/>
             </a:lvl5pPr>
-            <a:lvl6pPr indent="-317500" lvl="5" marL="2743200">
+            <a:lvl6pPr marL="2743200" lvl="5" indent="-317500">
               <a:spcBef>
                 <a:spcPts val="0"/>
               </a:spcBef>
@@ -5987,7 +6047,7 @@
               <a:buChar char="■"/>
               <a:defRPr/>
             </a:lvl6pPr>
-            <a:lvl7pPr indent="-317500" lvl="6" marL="3200400">
+            <a:lvl7pPr marL="3200400" lvl="6" indent="-317500">
               <a:spcBef>
                 <a:spcPts val="0"/>
               </a:spcBef>
@@ -5998,7 +6058,7 @@
               <a:buChar char="●"/>
               <a:defRPr/>
             </a:lvl7pPr>
-            <a:lvl8pPr indent="-317500" lvl="7" marL="3657600">
+            <a:lvl8pPr marL="3657600" lvl="7" indent="-317500">
               <a:spcBef>
                 <a:spcPts val="0"/>
               </a:spcBef>
@@ -6009,7 +6069,7 @@
               <a:buChar char="○"/>
               <a:defRPr/>
             </a:lvl8pPr>
-            <a:lvl9pPr indent="-317500" lvl="8" marL="4114800">
+            <a:lvl9pPr marL="4114800" lvl="8" indent="-317500">
               <a:spcBef>
                 <a:spcPts val="0"/>
               </a:spcBef>
@@ -6021,15 +6081,19 @@
               <a:defRPr/>
             </a:lvl9pPr>
           </a:lstStyle>
-          <a:p/>
+          <a:p>
+            <a:endParaRPr/>
+          </a:p>
         </p:txBody>
       </p:sp>
       <p:sp>
         <p:nvSpPr>
           <p:cNvPr id="49" name="Google Shape;49;p9"/>
-          <p:cNvSpPr txBox="1"/>
+          <p:cNvSpPr txBox="1">
+            <a:spLocks noGrp="1"/>
+          </p:cNvSpPr>
           <p:nvPr>
-            <p:ph idx="12" type="sldNum"/>
+            <p:ph type="sldNum" idx="12"/>
           </p:nvPr>
         </p:nvSpPr>
         <p:spPr>
@@ -6042,7 +6106,7 @@
           </a:prstGeom>
         </p:spPr>
         <p:txBody>
-          <a:bodyPr anchorCtr="0" anchor="ctr" bIns="91425" lIns="91425" spcFirstLastPara="1" rIns="91425" wrap="square" tIns="91425">
+          <a:bodyPr spcFirstLastPara="1" wrap="square" lIns="91425" tIns="91425" rIns="91425" bIns="91425" anchor="ctr" anchorCtr="0">
             <a:normAutofit/>
           </a:bodyPr>
           <a:lstStyle>
@@ -6084,7 +6148,7 @@
             </a:lvl9pPr>
           </a:lstStyle>
           <a:p>
-            <a:pPr indent="0" lvl="0" marL="0" rtl="0" algn="r">
+            <a:pPr marL="0" lvl="0" indent="0" algn="r" rtl="0">
               <a:spcBef>
                 <a:spcPts val="0"/>
               </a:spcBef>
@@ -6110,11 +6174,11 @@
 </file>
 
 <file path=ppt/slideLayouts/slideLayout9.xml><?xml version="1.0" encoding="utf-8"?>
-<p:sldLayout xmlns:a="http://schemas.openxmlformats.org/drawingml/2006/main" xmlns:r="http://schemas.openxmlformats.org/officeDocument/2006/relationships" xmlns:mc="http://schemas.openxmlformats.org/markup-compatibility/2006" xmlns:mv="urn:schemas-microsoft-com:mac:vml" xmlns:p="http://schemas.openxmlformats.org/presentationml/2006/main" xmlns:c="http://schemas.openxmlformats.org/drawingml/2006/chart" xmlns:dgm="http://schemas.openxmlformats.org/drawingml/2006/diagram" xmlns:o="urn:schemas-microsoft-com:office:office" xmlns:v="urn:schemas-microsoft-com:vml" xmlns:pvml="urn:schemas-microsoft-com:office:powerpoint" xmlns:com="http://schemas.openxmlformats.org/drawingml/2006/compatibility" xmlns:p14="http://schemas.microsoft.com/office/powerpoint/2010/main" xmlns:p15="http://schemas.microsoft.com/office/powerpoint/2012/main" xmlns:ahyp="http://schemas.microsoft.com/office/drawing/2018/hyperlinkcolor" matchingName="Caption">
+<p:sldLayout xmlns:a="http://schemas.openxmlformats.org/drawingml/2006/main" xmlns:r="http://schemas.openxmlformats.org/officeDocument/2006/relationships" xmlns:p="http://schemas.openxmlformats.org/presentationml/2006/main" matchingName="Caption">
   <p:cSld name="CAPTION_ONLY">
     <p:spTree>
       <p:nvGrpSpPr>
-        <p:cNvPr id="50" name="Shape 50"/>
+        <p:cNvPr id="1" name="Shape 50"/>
         <p:cNvGrpSpPr/>
         <p:nvPr/>
       </p:nvGrpSpPr>
@@ -6129,9 +6193,11 @@
       <p:sp>
         <p:nvSpPr>
           <p:cNvPr id="51" name="Google Shape;51;p10"/>
-          <p:cNvSpPr txBox="1"/>
+          <p:cNvSpPr txBox="1">
+            <a:spLocks noGrp="1"/>
+          </p:cNvSpPr>
           <p:nvPr>
-            <p:ph idx="1" type="body"/>
+            <p:ph type="body" idx="1"/>
           </p:nvPr>
         </p:nvSpPr>
         <p:spPr>
@@ -6144,11 +6210,11 @@
           </a:prstGeom>
         </p:spPr>
         <p:txBody>
-          <a:bodyPr anchorCtr="0" anchor="ctr" bIns="91425" lIns="91425" spcFirstLastPara="1" rIns="91425" wrap="square" tIns="91425">
+          <a:bodyPr spcFirstLastPara="1" wrap="square" lIns="91425" tIns="91425" rIns="91425" bIns="91425" anchor="ctr" anchorCtr="0">
             <a:normAutofit/>
           </a:bodyPr>
           <a:lstStyle>
-            <a:lvl1pPr indent="-228600" lvl="0" marL="457200">
+            <a:lvl1pPr marL="457200" lvl="0" indent="-228600">
               <a:lnSpc>
                 <a:spcPct val="100000"/>
               </a:lnSpc>
@@ -6169,15 +6235,19 @@
               </a:defRPr>
             </a:lvl1pPr>
           </a:lstStyle>
-          <a:p/>
+          <a:p>
+            <a:endParaRPr/>
+          </a:p>
         </p:txBody>
       </p:sp>
       <p:sp>
         <p:nvSpPr>
           <p:cNvPr id="52" name="Google Shape;52;p10"/>
-          <p:cNvSpPr txBox="1"/>
+          <p:cNvSpPr txBox="1">
+            <a:spLocks noGrp="1"/>
+          </p:cNvSpPr>
           <p:nvPr>
-            <p:ph idx="12" type="sldNum"/>
+            <p:ph type="sldNum" idx="12"/>
           </p:nvPr>
         </p:nvSpPr>
         <p:spPr>
@@ -6190,7 +6260,7 @@
           </a:prstGeom>
         </p:spPr>
         <p:txBody>
-          <a:bodyPr anchorCtr="0" anchor="ctr" bIns="91425" lIns="91425" spcFirstLastPara="1" rIns="91425" wrap="square" tIns="91425">
+          <a:bodyPr spcFirstLastPara="1" wrap="square" lIns="91425" tIns="91425" rIns="91425" bIns="91425" anchor="ctr" anchorCtr="0">
             <a:normAutofit/>
           </a:bodyPr>
           <a:lstStyle>
@@ -6232,7 +6302,7 @@
             </a:lvl9pPr>
           </a:lstStyle>
           <a:p>
-            <a:pPr indent="0" lvl="0" marL="0" rtl="0" algn="r">
+            <a:pPr marL="0" lvl="0" indent="0" algn="r" rtl="0">
               <a:spcBef>
                 <a:spcPts val="0"/>
               </a:spcBef>
@@ -6258,18 +6328,19 @@
 </file>
 
 <file path=ppt/slideMasters/slideMaster1.xml><?xml version="1.0" encoding="utf-8"?>
-<p:sldMaster xmlns:a="http://schemas.openxmlformats.org/drawingml/2006/main" xmlns:r="http://schemas.openxmlformats.org/officeDocument/2006/relationships" xmlns:mc="http://schemas.openxmlformats.org/markup-compatibility/2006" xmlns:mv="urn:schemas-microsoft-com:mac:vml" xmlns:p="http://schemas.openxmlformats.org/presentationml/2006/main" xmlns:c="http://schemas.openxmlformats.org/drawingml/2006/chart" xmlns:dgm="http://schemas.openxmlformats.org/drawingml/2006/diagram" xmlns:o="urn:schemas-microsoft-com:office:office" xmlns:v="urn:schemas-microsoft-com:vml" xmlns:pvml="urn:schemas-microsoft-com:office:powerpoint" xmlns:com="http://schemas.openxmlformats.org/drawingml/2006/compatibility" xmlns:p14="http://schemas.microsoft.com/office/powerpoint/2010/main" xmlns:p15="http://schemas.microsoft.com/office/powerpoint/2012/main" xmlns:ahyp="http://schemas.microsoft.com/office/drawing/2018/hyperlinkcolor">
+<p:sldMaster xmlns:a="http://schemas.openxmlformats.org/drawingml/2006/main" xmlns:r="http://schemas.openxmlformats.org/officeDocument/2006/relationships" xmlns:p="http://schemas.openxmlformats.org/presentationml/2006/main">
   <p:cSld name="marina">
     <p:bg>
       <p:bgPr>
         <a:solidFill>
           <a:schemeClr val="lt1"/>
         </a:solidFill>
+        <a:effectLst/>
       </p:bgPr>
     </p:bg>
     <p:spTree>
       <p:nvGrpSpPr>
-        <p:cNvPr id="5" name="Shape 5"/>
+        <p:cNvPr id="1" name="Shape 5"/>
         <p:cNvGrpSpPr/>
         <p:nvPr/>
       </p:nvGrpSpPr>
@@ -6284,7 +6355,9 @@
       <p:sp>
         <p:nvSpPr>
           <p:cNvPr id="6" name="Google Shape;6;p1"/>
-          <p:cNvSpPr txBox="1"/>
+          <p:cNvSpPr txBox="1">
+            <a:spLocks noGrp="1"/>
+          </p:cNvSpPr>
           <p:nvPr>
             <p:ph type="title"/>
           </p:nvPr>
@@ -6303,7 +6376,7 @@
           </a:ln>
         </p:spPr>
         <p:txBody>
-          <a:bodyPr anchorCtr="0" anchor="b" bIns="91425" lIns="91425" spcFirstLastPara="1" rIns="91425" wrap="square" tIns="91425">
+          <a:bodyPr spcFirstLastPara="1" wrap="square" lIns="91425" tIns="91425" rIns="91425" bIns="91425" anchor="b" anchorCtr="0">
             <a:normAutofit/>
           </a:bodyPr>
           <a:lstStyle>
@@ -6515,15 +6588,19 @@
               </a:defRPr>
             </a:lvl9pPr>
           </a:lstStyle>
-          <a:p/>
+          <a:p>
+            <a:endParaRPr/>
+          </a:p>
         </p:txBody>
       </p:sp>
       <p:sp>
         <p:nvSpPr>
           <p:cNvPr id="7" name="Google Shape;7;p1"/>
-          <p:cNvSpPr txBox="1"/>
+          <p:cNvSpPr txBox="1">
+            <a:spLocks noGrp="1"/>
+          </p:cNvSpPr>
           <p:nvPr>
-            <p:ph idx="1" type="body"/>
+            <p:ph type="body" idx="1"/>
           </p:nvPr>
         </p:nvSpPr>
         <p:spPr>
@@ -6540,11 +6617,11 @@
           </a:ln>
         </p:spPr>
         <p:txBody>
-          <a:bodyPr anchorCtr="0" anchor="t" bIns="91425" lIns="91425" spcFirstLastPara="1" rIns="91425" wrap="square" tIns="91425">
+          <a:bodyPr spcFirstLastPara="1" wrap="square" lIns="91425" tIns="91425" rIns="91425" bIns="91425" anchor="t" anchorCtr="0">
             <a:normAutofit/>
           </a:bodyPr>
           <a:lstStyle>
-            <a:lvl1pPr indent="-342900" lvl="0" marL="457200">
+            <a:lvl1pPr marL="457200" lvl="0" indent="-342900">
               <a:lnSpc>
                 <a:spcPct val="115000"/>
               </a:lnSpc>
@@ -6570,7 +6647,7 @@
                 <a:sym typeface="Roboto"/>
               </a:defRPr>
             </a:lvl1pPr>
-            <a:lvl2pPr indent="-317500" lvl="1" marL="914400">
+            <a:lvl2pPr marL="914400" lvl="1" indent="-317500">
               <a:lnSpc>
                 <a:spcPct val="115000"/>
               </a:lnSpc>
@@ -6596,7 +6673,7 @@
                 <a:sym typeface="Roboto"/>
               </a:defRPr>
             </a:lvl2pPr>
-            <a:lvl3pPr indent="-317500" lvl="2" marL="1371600">
+            <a:lvl3pPr marL="1371600" lvl="2" indent="-317500">
               <a:lnSpc>
                 <a:spcPct val="115000"/>
               </a:lnSpc>
@@ -6622,7 +6699,7 @@
                 <a:sym typeface="Roboto"/>
               </a:defRPr>
             </a:lvl3pPr>
-            <a:lvl4pPr indent="-317500" lvl="3" marL="1828800">
+            <a:lvl4pPr marL="1828800" lvl="3" indent="-317500">
               <a:lnSpc>
                 <a:spcPct val="115000"/>
               </a:lnSpc>
@@ -6648,7 +6725,7 @@
                 <a:sym typeface="Roboto"/>
               </a:defRPr>
             </a:lvl4pPr>
-            <a:lvl5pPr indent="-317500" lvl="4" marL="2286000">
+            <a:lvl5pPr marL="2286000" lvl="4" indent="-317500">
               <a:lnSpc>
                 <a:spcPct val="115000"/>
               </a:lnSpc>
@@ -6674,7 +6751,7 @@
                 <a:sym typeface="Roboto"/>
               </a:defRPr>
             </a:lvl5pPr>
-            <a:lvl6pPr indent="-317500" lvl="5" marL="2743200">
+            <a:lvl6pPr marL="2743200" lvl="5" indent="-317500">
               <a:lnSpc>
                 <a:spcPct val="115000"/>
               </a:lnSpc>
@@ -6700,7 +6777,7 @@
                 <a:sym typeface="Roboto"/>
               </a:defRPr>
             </a:lvl6pPr>
-            <a:lvl7pPr indent="-317500" lvl="6" marL="3200400">
+            <a:lvl7pPr marL="3200400" lvl="6" indent="-317500">
               <a:lnSpc>
                 <a:spcPct val="115000"/>
               </a:lnSpc>
@@ -6726,7 +6803,7 @@
                 <a:sym typeface="Roboto"/>
               </a:defRPr>
             </a:lvl7pPr>
-            <a:lvl8pPr indent="-317500" lvl="7" marL="3657600">
+            <a:lvl8pPr marL="3657600" lvl="7" indent="-317500">
               <a:lnSpc>
                 <a:spcPct val="115000"/>
               </a:lnSpc>
@@ -6752,7 +6829,7 @@
                 <a:sym typeface="Roboto"/>
               </a:defRPr>
             </a:lvl8pPr>
-            <a:lvl9pPr indent="-317500" lvl="8" marL="4114800">
+            <a:lvl9pPr marL="4114800" lvl="8" indent="-317500">
               <a:lnSpc>
                 <a:spcPct val="115000"/>
               </a:lnSpc>
@@ -6779,15 +6856,19 @@
               </a:defRPr>
             </a:lvl9pPr>
           </a:lstStyle>
-          <a:p/>
+          <a:p>
+            <a:endParaRPr/>
+          </a:p>
         </p:txBody>
       </p:sp>
       <p:sp>
         <p:nvSpPr>
           <p:cNvPr id="8" name="Google Shape;8;p1"/>
-          <p:cNvSpPr txBox="1"/>
+          <p:cNvSpPr txBox="1">
+            <a:spLocks noGrp="1"/>
+          </p:cNvSpPr>
           <p:nvPr>
-            <p:ph idx="12" type="sldNum"/>
+            <p:ph type="sldNum" idx="12"/>
           </p:nvPr>
         </p:nvSpPr>
         <p:spPr>
@@ -6804,7 +6885,7 @@
           </a:ln>
         </p:spPr>
         <p:txBody>
-          <a:bodyPr anchorCtr="0" anchor="ctr" bIns="91425" lIns="91425" spcFirstLastPara="1" rIns="91425" wrap="square" tIns="91425">
+          <a:bodyPr spcFirstLastPara="1" wrap="square" lIns="91425" tIns="91425" rIns="91425" bIns="91425" anchor="ctr" anchorCtr="0">
             <a:normAutofit/>
           </a:bodyPr>
           <a:lstStyle>
@@ -6918,7 +6999,7 @@
             </a:lvl9pPr>
           </a:lstStyle>
           <a:p>
-            <a:pPr indent="0" lvl="0" marL="0" rtl="0" algn="r">
+            <a:pPr marL="0" lvl="0" indent="0" algn="r" rtl="0">
               <a:spcBef>
                 <a:spcPts val="0"/>
               </a:spcBef>
@@ -6937,7 +7018,7 @@
       </p:sp>
     </p:spTree>
   </p:cSld>
-  <p:clrMap accent1="accent1" accent2="accent2" accent3="accent3" accent4="accent4" accent5="accent5" accent6="accent6" bg1="lt1" bg2="dk2" tx1="dk1" tx2="lt2" folHlink="folHlink" hlink="hlink"/>
+  <p:clrMap bg1="lt1" tx1="dk1" bg2="dk2" tx2="lt2" accent1="accent1" accent2="accent2" accent3="accent3" accent4="accent4" accent5="accent5" accent6="accent6" hlink="hlink" folHlink="folHlink"/>
   <p:sldLayoutIdLst>
     <p:sldLayoutId id="2147483648" r:id="rId1"/>
     <p:sldLayoutId id="2147483649" r:id="rId2"/>
@@ -6951,10 +7032,10 @@
     <p:sldLayoutId id="2147483657" r:id="rId10"/>
     <p:sldLayoutId id="2147483658" r:id="rId11"/>
   </p:sldLayoutIdLst>
-  <p:hf dt="0" ftr="0" hdr="0" sldNum="0"/>
+  <p:hf sldNum="0" hdr="0" ftr="0" dt="0"/>
   <p:txStyles>
     <p:titleStyle>
-      <a:defPPr lvl="0" marR="0" rtl="0" algn="l">
+      <a:defPPr marR="0" lvl="0" algn="l" rtl="0">
         <a:lnSpc>
           <a:spcPct val="100000"/>
         </a:lnSpc>
@@ -6965,7 +7046,7 @@
           <a:spcPts val="0"/>
         </a:spcAft>
       </a:defPPr>
-      <a:lvl1pPr lvl="0" marR="0" rtl="0" algn="l">
+      <a:lvl1pPr marR="0" lvl="0" algn="l" rtl="0">
         <a:lnSpc>
           <a:spcPct val="100000"/>
         </a:lnSpc>
@@ -6979,7 +7060,7 @@
           <a:srgbClr val="000000"/>
         </a:buClr>
         <a:buFont typeface="Arial"/>
-        <a:defRPr b="0" i="0" sz="1400" u="none" cap="none" strike="noStrike">
+        <a:defRPr sz="1400" b="0" i="0" u="none" strike="noStrike" cap="none">
           <a:solidFill>
             <a:srgbClr val="000000"/>
           </a:solidFill>
@@ -6989,7 +7070,7 @@
           <a:sym typeface="Arial"/>
         </a:defRPr>
       </a:lvl1pPr>
-      <a:lvl2pPr lvl="1" marR="0" rtl="0" algn="l">
+      <a:lvl2pPr marR="0" lvl="1" algn="l" rtl="0">
         <a:lnSpc>
           <a:spcPct val="100000"/>
         </a:lnSpc>
@@ -7003,7 +7084,7 @@
           <a:srgbClr val="000000"/>
         </a:buClr>
         <a:buFont typeface="Arial"/>
-        <a:defRPr b="0" i="0" sz="1400" u="none" cap="none" strike="noStrike">
+        <a:defRPr sz="1400" b="0" i="0" u="none" strike="noStrike" cap="none">
           <a:solidFill>
             <a:srgbClr val="000000"/>
           </a:solidFill>
@@ -7013,7 +7094,7 @@
           <a:sym typeface="Arial"/>
         </a:defRPr>
       </a:lvl2pPr>
-      <a:lvl3pPr lvl="2" marR="0" rtl="0" algn="l">
+      <a:lvl3pPr marR="0" lvl="2" algn="l" rtl="0">
         <a:lnSpc>
           <a:spcPct val="100000"/>
         </a:lnSpc>
@@ -7027,7 +7108,7 @@
           <a:srgbClr val="000000"/>
         </a:buClr>
         <a:buFont typeface="Arial"/>
-        <a:defRPr b="0" i="0" sz="1400" u="none" cap="none" strike="noStrike">
+        <a:defRPr sz="1400" b="0" i="0" u="none" strike="noStrike" cap="none">
           <a:solidFill>
             <a:srgbClr val="000000"/>
           </a:solidFill>
@@ -7037,7 +7118,7 @@
           <a:sym typeface="Arial"/>
         </a:defRPr>
       </a:lvl3pPr>
-      <a:lvl4pPr lvl="3" marR="0" rtl="0" algn="l">
+      <a:lvl4pPr marR="0" lvl="3" algn="l" rtl="0">
         <a:lnSpc>
           <a:spcPct val="100000"/>
         </a:lnSpc>
@@ -7051,7 +7132,7 @@
           <a:srgbClr val="000000"/>
         </a:buClr>
         <a:buFont typeface="Arial"/>
-        <a:defRPr b="0" i="0" sz="1400" u="none" cap="none" strike="noStrike">
+        <a:defRPr sz="1400" b="0" i="0" u="none" strike="noStrike" cap="none">
           <a:solidFill>
             <a:srgbClr val="000000"/>
           </a:solidFill>
@@ -7061,7 +7142,7 @@
           <a:sym typeface="Arial"/>
         </a:defRPr>
       </a:lvl4pPr>
-      <a:lvl5pPr lvl="4" marR="0" rtl="0" algn="l">
+      <a:lvl5pPr marR="0" lvl="4" algn="l" rtl="0">
         <a:lnSpc>
           <a:spcPct val="100000"/>
         </a:lnSpc>
@@ -7075,7 +7156,7 @@
           <a:srgbClr val="000000"/>
         </a:buClr>
         <a:buFont typeface="Arial"/>
-        <a:defRPr b="0" i="0" sz="1400" u="none" cap="none" strike="noStrike">
+        <a:defRPr sz="1400" b="0" i="0" u="none" strike="noStrike" cap="none">
           <a:solidFill>
             <a:srgbClr val="000000"/>
           </a:solidFill>
@@ -7085,7 +7166,7 @@
           <a:sym typeface="Arial"/>
         </a:defRPr>
       </a:lvl5pPr>
-      <a:lvl6pPr lvl="5" marR="0" rtl="0" algn="l">
+      <a:lvl6pPr marR="0" lvl="5" algn="l" rtl="0">
         <a:lnSpc>
           <a:spcPct val="100000"/>
         </a:lnSpc>
@@ -7099,7 +7180,7 @@
           <a:srgbClr val="000000"/>
         </a:buClr>
         <a:buFont typeface="Arial"/>
-        <a:defRPr b="0" i="0" sz="1400" u="none" cap="none" strike="noStrike">
+        <a:defRPr sz="1400" b="0" i="0" u="none" strike="noStrike" cap="none">
           <a:solidFill>
             <a:srgbClr val="000000"/>
           </a:solidFill>
@@ -7109,7 +7190,7 @@
           <a:sym typeface="Arial"/>
         </a:defRPr>
       </a:lvl6pPr>
-      <a:lvl7pPr lvl="6" marR="0" rtl="0" algn="l">
+      <a:lvl7pPr marR="0" lvl="6" algn="l" rtl="0">
         <a:lnSpc>
           <a:spcPct val="100000"/>
         </a:lnSpc>
@@ -7123,7 +7204,7 @@
           <a:srgbClr val="000000"/>
         </a:buClr>
         <a:buFont typeface="Arial"/>
-        <a:defRPr b="0" i="0" sz="1400" u="none" cap="none" strike="noStrike">
+        <a:defRPr sz="1400" b="0" i="0" u="none" strike="noStrike" cap="none">
           <a:solidFill>
             <a:srgbClr val="000000"/>
           </a:solidFill>
@@ -7133,7 +7214,7 @@
           <a:sym typeface="Arial"/>
         </a:defRPr>
       </a:lvl7pPr>
-      <a:lvl8pPr lvl="7" marR="0" rtl="0" algn="l">
+      <a:lvl8pPr marR="0" lvl="7" algn="l" rtl="0">
         <a:lnSpc>
           <a:spcPct val="100000"/>
         </a:lnSpc>
@@ -7147,7 +7228,7 @@
           <a:srgbClr val="000000"/>
         </a:buClr>
         <a:buFont typeface="Arial"/>
-        <a:defRPr b="0" i="0" sz="1400" u="none" cap="none" strike="noStrike">
+        <a:defRPr sz="1400" b="0" i="0" u="none" strike="noStrike" cap="none">
           <a:solidFill>
             <a:srgbClr val="000000"/>
           </a:solidFill>
@@ -7157,7 +7238,7 @@
           <a:sym typeface="Arial"/>
         </a:defRPr>
       </a:lvl8pPr>
-      <a:lvl9pPr lvl="8" marR="0" rtl="0" algn="l">
+      <a:lvl9pPr marR="0" lvl="8" algn="l" rtl="0">
         <a:lnSpc>
           <a:spcPct val="100000"/>
         </a:lnSpc>
@@ -7171,7 +7252,7 @@
           <a:srgbClr val="000000"/>
         </a:buClr>
         <a:buFont typeface="Arial"/>
-        <a:defRPr b="0" i="0" sz="1400" u="none" cap="none" strike="noStrike">
+        <a:defRPr sz="1400" b="0" i="0" u="none" strike="noStrike" cap="none">
           <a:solidFill>
             <a:srgbClr val="000000"/>
           </a:solidFill>
@@ -7183,7 +7264,7 @@
       </a:lvl9pPr>
     </p:titleStyle>
     <p:bodyStyle>
-      <a:defPPr lvl="0" marR="0" rtl="0" algn="l">
+      <a:defPPr marR="0" lvl="0" algn="l" rtl="0">
         <a:lnSpc>
           <a:spcPct val="100000"/>
         </a:lnSpc>
@@ -7194,7 +7275,7 @@
           <a:spcPts val="0"/>
         </a:spcAft>
       </a:defPPr>
-      <a:lvl1pPr lvl="0" marR="0" rtl="0" algn="l">
+      <a:lvl1pPr marR="0" lvl="0" algn="l" rtl="0">
         <a:lnSpc>
           <a:spcPct val="100000"/>
         </a:lnSpc>
@@ -7208,7 +7289,7 @@
           <a:srgbClr val="000000"/>
         </a:buClr>
         <a:buFont typeface="Arial"/>
-        <a:defRPr b="0" i="0" sz="1400" u="none" cap="none" strike="noStrike">
+        <a:defRPr sz="1400" b="0" i="0" u="none" strike="noStrike" cap="none">
           <a:solidFill>
             <a:srgbClr val="000000"/>
           </a:solidFill>
@@ -7218,7 +7299,7 @@
           <a:sym typeface="Arial"/>
         </a:defRPr>
       </a:lvl1pPr>
-      <a:lvl2pPr lvl="1" marR="0" rtl="0" algn="l">
+      <a:lvl2pPr marR="0" lvl="1" algn="l" rtl="0">
         <a:lnSpc>
           <a:spcPct val="100000"/>
         </a:lnSpc>
@@ -7232,7 +7313,7 @@
           <a:srgbClr val="000000"/>
         </a:buClr>
         <a:buFont typeface="Arial"/>
-        <a:defRPr b="0" i="0" sz="1400" u="none" cap="none" strike="noStrike">
+        <a:defRPr sz="1400" b="0" i="0" u="none" strike="noStrike" cap="none">
           <a:solidFill>
             <a:srgbClr val="000000"/>
           </a:solidFill>
@@ -7242,7 +7323,7 @@
           <a:sym typeface="Arial"/>
         </a:defRPr>
       </a:lvl2pPr>
-      <a:lvl3pPr lvl="2" marR="0" rtl="0" algn="l">
+      <a:lvl3pPr marR="0" lvl="2" algn="l" rtl="0">
         <a:lnSpc>
           <a:spcPct val="100000"/>
         </a:lnSpc>
@@ -7256,7 +7337,7 @@
           <a:srgbClr val="000000"/>
         </a:buClr>
         <a:buFont typeface="Arial"/>
-        <a:defRPr b="0" i="0" sz="1400" u="none" cap="none" strike="noStrike">
+        <a:defRPr sz="1400" b="0" i="0" u="none" strike="noStrike" cap="none">
           <a:solidFill>
             <a:srgbClr val="000000"/>
           </a:solidFill>
@@ -7266,7 +7347,7 @@
           <a:sym typeface="Arial"/>
         </a:defRPr>
       </a:lvl3pPr>
-      <a:lvl4pPr lvl="3" marR="0" rtl="0" algn="l">
+      <a:lvl4pPr marR="0" lvl="3" algn="l" rtl="0">
         <a:lnSpc>
           <a:spcPct val="100000"/>
         </a:lnSpc>
@@ -7280,7 +7361,7 @@
           <a:srgbClr val="000000"/>
         </a:buClr>
         <a:buFont typeface="Arial"/>
-        <a:defRPr b="0" i="0" sz="1400" u="none" cap="none" strike="noStrike">
+        <a:defRPr sz="1400" b="0" i="0" u="none" strike="noStrike" cap="none">
           <a:solidFill>
             <a:srgbClr val="000000"/>
           </a:solidFill>
@@ -7290,7 +7371,7 @@
           <a:sym typeface="Arial"/>
         </a:defRPr>
       </a:lvl4pPr>
-      <a:lvl5pPr lvl="4" marR="0" rtl="0" algn="l">
+      <a:lvl5pPr marR="0" lvl="4" algn="l" rtl="0">
         <a:lnSpc>
           <a:spcPct val="100000"/>
         </a:lnSpc>
@@ -7304,7 +7385,7 @@
           <a:srgbClr val="000000"/>
         </a:buClr>
         <a:buFont typeface="Arial"/>
-        <a:defRPr b="0" i="0" sz="1400" u="none" cap="none" strike="noStrike">
+        <a:defRPr sz="1400" b="0" i="0" u="none" strike="noStrike" cap="none">
           <a:solidFill>
             <a:srgbClr val="000000"/>
           </a:solidFill>
@@ -7314,7 +7395,7 @@
           <a:sym typeface="Arial"/>
         </a:defRPr>
       </a:lvl5pPr>
-      <a:lvl6pPr lvl="5" marR="0" rtl="0" algn="l">
+      <a:lvl6pPr marR="0" lvl="5" algn="l" rtl="0">
         <a:lnSpc>
           <a:spcPct val="100000"/>
         </a:lnSpc>
@@ -7328,7 +7409,7 @@
           <a:srgbClr val="000000"/>
         </a:buClr>
         <a:buFont typeface="Arial"/>
-        <a:defRPr b="0" i="0" sz="1400" u="none" cap="none" strike="noStrike">
+        <a:defRPr sz="1400" b="0" i="0" u="none" strike="noStrike" cap="none">
           <a:solidFill>
             <a:srgbClr val="000000"/>
           </a:solidFill>
@@ -7338,7 +7419,7 @@
           <a:sym typeface="Arial"/>
         </a:defRPr>
       </a:lvl6pPr>
-      <a:lvl7pPr lvl="6" marR="0" rtl="0" algn="l">
+      <a:lvl7pPr marR="0" lvl="6" algn="l" rtl="0">
         <a:lnSpc>
           <a:spcPct val="100000"/>
         </a:lnSpc>
@@ -7352,7 +7433,7 @@
           <a:srgbClr val="000000"/>
         </a:buClr>
         <a:buFont typeface="Arial"/>
-        <a:defRPr b="0" i="0" sz="1400" u="none" cap="none" strike="noStrike">
+        <a:defRPr sz="1400" b="0" i="0" u="none" strike="noStrike" cap="none">
           <a:solidFill>
             <a:srgbClr val="000000"/>
           </a:solidFill>
@@ -7362,7 +7443,7 @@
           <a:sym typeface="Arial"/>
         </a:defRPr>
       </a:lvl7pPr>
-      <a:lvl8pPr lvl="7" marR="0" rtl="0" algn="l">
+      <a:lvl8pPr marR="0" lvl="7" algn="l" rtl="0">
         <a:lnSpc>
           <a:spcPct val="100000"/>
         </a:lnSpc>
@@ -7376,7 +7457,7 @@
           <a:srgbClr val="000000"/>
         </a:buClr>
         <a:buFont typeface="Arial"/>
-        <a:defRPr b="0" i="0" sz="1400" u="none" cap="none" strike="noStrike">
+        <a:defRPr sz="1400" b="0" i="0" u="none" strike="noStrike" cap="none">
           <a:solidFill>
             <a:srgbClr val="000000"/>
           </a:solidFill>
@@ -7386,7 +7467,7 @@
           <a:sym typeface="Arial"/>
         </a:defRPr>
       </a:lvl8pPr>
-      <a:lvl9pPr lvl="8" marR="0" rtl="0" algn="l">
+      <a:lvl9pPr marR="0" lvl="8" algn="l" rtl="0">
         <a:lnSpc>
           <a:spcPct val="100000"/>
         </a:lnSpc>
@@ -7400,7 +7481,7 @@
           <a:srgbClr val="000000"/>
         </a:buClr>
         <a:buFont typeface="Arial"/>
-        <a:defRPr b="0" i="0" sz="1400" u="none" cap="none" strike="noStrike">
+        <a:defRPr sz="1400" b="0" i="0" u="none" strike="noStrike" cap="none">
           <a:solidFill>
             <a:srgbClr val="000000"/>
           </a:solidFill>
@@ -7412,7 +7493,7 @@
       </a:lvl9pPr>
     </p:bodyStyle>
     <p:otherStyle>
-      <a:defPPr lvl="0" marR="0" rtl="0" algn="l">
+      <a:defPPr marR="0" lvl="0" algn="l" rtl="0">
         <a:lnSpc>
           <a:spcPct val="100000"/>
         </a:lnSpc>
@@ -7423,7 +7504,7 @@
           <a:spcPts val="0"/>
         </a:spcAft>
       </a:defPPr>
-      <a:lvl1pPr lvl="0" marR="0" rtl="0" algn="l">
+      <a:lvl1pPr marR="0" lvl="0" algn="l" rtl="0">
         <a:lnSpc>
           <a:spcPct val="100000"/>
         </a:lnSpc>
@@ -7437,7 +7518,7 @@
           <a:srgbClr val="000000"/>
         </a:buClr>
         <a:buFont typeface="Arial"/>
-        <a:defRPr b="0" i="0" sz="1400" u="none" cap="none" strike="noStrike">
+        <a:defRPr sz="1400" b="0" i="0" u="none" strike="noStrike" cap="none">
           <a:solidFill>
             <a:srgbClr val="000000"/>
           </a:solidFill>
@@ -7447,7 +7528,7 @@
           <a:sym typeface="Arial"/>
         </a:defRPr>
       </a:lvl1pPr>
-      <a:lvl2pPr lvl="1" marR="0" rtl="0" algn="l">
+      <a:lvl2pPr marR="0" lvl="1" algn="l" rtl="0">
         <a:lnSpc>
           <a:spcPct val="100000"/>
         </a:lnSpc>
@@ -7461,7 +7542,7 @@
           <a:srgbClr val="000000"/>
         </a:buClr>
         <a:buFont typeface="Arial"/>
-        <a:defRPr b="0" i="0" sz="1400" u="none" cap="none" strike="noStrike">
+        <a:defRPr sz="1400" b="0" i="0" u="none" strike="noStrike" cap="none">
           <a:solidFill>
             <a:srgbClr val="000000"/>
           </a:solidFill>
@@ -7471,7 +7552,7 @@
           <a:sym typeface="Arial"/>
         </a:defRPr>
       </a:lvl2pPr>
-      <a:lvl3pPr lvl="2" marR="0" rtl="0" algn="l">
+      <a:lvl3pPr marR="0" lvl="2" algn="l" rtl="0">
         <a:lnSpc>
           <a:spcPct val="100000"/>
         </a:lnSpc>
@@ -7485,7 +7566,7 @@
           <a:srgbClr val="000000"/>
         </a:buClr>
         <a:buFont typeface="Arial"/>
-        <a:defRPr b="0" i="0" sz="1400" u="none" cap="none" strike="noStrike">
+        <a:defRPr sz="1400" b="0" i="0" u="none" strike="noStrike" cap="none">
           <a:solidFill>
             <a:srgbClr val="000000"/>
           </a:solidFill>
@@ -7495,7 +7576,7 @@
           <a:sym typeface="Arial"/>
         </a:defRPr>
       </a:lvl3pPr>
-      <a:lvl4pPr lvl="3" marR="0" rtl="0" algn="l">
+      <a:lvl4pPr marR="0" lvl="3" algn="l" rtl="0">
         <a:lnSpc>
           <a:spcPct val="100000"/>
         </a:lnSpc>
@@ -7509,7 +7590,7 @@
           <a:srgbClr val="000000"/>
         </a:buClr>
         <a:buFont typeface="Arial"/>
-        <a:defRPr b="0" i="0" sz="1400" u="none" cap="none" strike="noStrike">
+        <a:defRPr sz="1400" b="0" i="0" u="none" strike="noStrike" cap="none">
           <a:solidFill>
             <a:srgbClr val="000000"/>
           </a:solidFill>
@@ -7519,7 +7600,7 @@
           <a:sym typeface="Arial"/>
         </a:defRPr>
       </a:lvl4pPr>
-      <a:lvl5pPr lvl="4" marR="0" rtl="0" algn="l">
+      <a:lvl5pPr marR="0" lvl="4" algn="l" rtl="0">
         <a:lnSpc>
           <a:spcPct val="100000"/>
         </a:lnSpc>
@@ -7533,7 +7614,7 @@
           <a:srgbClr val="000000"/>
         </a:buClr>
         <a:buFont typeface="Arial"/>
-        <a:defRPr b="0" i="0" sz="1400" u="none" cap="none" strike="noStrike">
+        <a:defRPr sz="1400" b="0" i="0" u="none" strike="noStrike" cap="none">
           <a:solidFill>
             <a:srgbClr val="000000"/>
           </a:solidFill>
@@ -7543,7 +7624,7 @@
           <a:sym typeface="Arial"/>
         </a:defRPr>
       </a:lvl5pPr>
-      <a:lvl6pPr lvl="5" marR="0" rtl="0" algn="l">
+      <a:lvl6pPr marR="0" lvl="5" algn="l" rtl="0">
         <a:lnSpc>
           <a:spcPct val="100000"/>
         </a:lnSpc>
@@ -7557,7 +7638,7 @@
           <a:srgbClr val="000000"/>
         </a:buClr>
         <a:buFont typeface="Arial"/>
-        <a:defRPr b="0" i="0" sz="1400" u="none" cap="none" strike="noStrike">
+        <a:defRPr sz="1400" b="0" i="0" u="none" strike="noStrike" cap="none">
           <a:solidFill>
             <a:srgbClr val="000000"/>
           </a:solidFill>
@@ -7567,7 +7648,7 @@
           <a:sym typeface="Arial"/>
         </a:defRPr>
       </a:lvl6pPr>
-      <a:lvl7pPr lvl="6" marR="0" rtl="0" algn="l">
+      <a:lvl7pPr marR="0" lvl="6" algn="l" rtl="0">
         <a:lnSpc>
           <a:spcPct val="100000"/>
         </a:lnSpc>
@@ -7581,7 +7662,7 @@
           <a:srgbClr val="000000"/>
         </a:buClr>
         <a:buFont typeface="Arial"/>
-        <a:defRPr b="0" i="0" sz="1400" u="none" cap="none" strike="noStrike">
+        <a:defRPr sz="1400" b="0" i="0" u="none" strike="noStrike" cap="none">
           <a:solidFill>
             <a:srgbClr val="000000"/>
           </a:solidFill>
@@ -7591,7 +7672,7 @@
           <a:sym typeface="Arial"/>
         </a:defRPr>
       </a:lvl7pPr>
-      <a:lvl8pPr lvl="7" marR="0" rtl="0" algn="l">
+      <a:lvl8pPr marR="0" lvl="7" algn="l" rtl="0">
         <a:lnSpc>
           <a:spcPct val="100000"/>
         </a:lnSpc>
@@ -7605,7 +7686,7 @@
           <a:srgbClr val="000000"/>
         </a:buClr>
         <a:buFont typeface="Arial"/>
-        <a:defRPr b="0" i="0" sz="1400" u="none" cap="none" strike="noStrike">
+        <a:defRPr sz="1400" b="0" i="0" u="none" strike="noStrike" cap="none">
           <a:solidFill>
             <a:srgbClr val="000000"/>
           </a:solidFill>
@@ -7615,7 +7696,7 @@
           <a:sym typeface="Arial"/>
         </a:defRPr>
       </a:lvl8pPr>
-      <a:lvl9pPr lvl="8" marR="0" rtl="0" algn="l">
+      <a:lvl9pPr marR="0" lvl="8" algn="l" rtl="0">
         <a:lnSpc>
           <a:spcPct val="100000"/>
         </a:lnSpc>
@@ -7629,7 +7710,7 @@
           <a:srgbClr val="000000"/>
         </a:buClr>
         <a:buFont typeface="Arial"/>
-        <a:defRPr b="0" i="0" sz="1400" u="none" cap="none" strike="noStrike">
+        <a:defRPr sz="1400" b="0" i="0" u="none" strike="noStrike" cap="none">
           <a:solidFill>
             <a:srgbClr val="000000"/>
           </a:solidFill>
@@ -7645,11 +7726,11 @@
 </file>
 
 <file path=ppt/slides/slide1.xml><?xml version="1.0" encoding="utf-8"?>
-<p:sld xmlns:a="http://schemas.openxmlformats.org/drawingml/2006/main" xmlns:r="http://schemas.openxmlformats.org/officeDocument/2006/relationships" xmlns:mc="http://schemas.openxmlformats.org/markup-compatibility/2006" xmlns:mv="urn:schemas-microsoft-com:mac:vml" xmlns:p="http://schemas.openxmlformats.org/presentationml/2006/main" xmlns:c="http://schemas.openxmlformats.org/drawingml/2006/chart" xmlns:dgm="http://schemas.openxmlformats.org/drawingml/2006/diagram" xmlns:o="urn:schemas-microsoft-com:office:office" xmlns:v="urn:schemas-microsoft-com:vml" xmlns:pvml="urn:schemas-microsoft-com:office:powerpoint" xmlns:com="http://schemas.openxmlformats.org/drawingml/2006/compatibility" xmlns:p14="http://schemas.microsoft.com/office/powerpoint/2010/main" xmlns:p15="http://schemas.microsoft.com/office/powerpoint/2012/main" xmlns:ahyp="http://schemas.microsoft.com/office/drawing/2018/hyperlinkcolor">
+<p:sld xmlns:a="http://schemas.openxmlformats.org/drawingml/2006/main" xmlns:r="http://schemas.openxmlformats.org/officeDocument/2006/relationships" xmlns:p="http://schemas.openxmlformats.org/presentationml/2006/main">
   <p:cSld>
     <p:spTree>
       <p:nvGrpSpPr>
-        <p:cNvPr id="63" name="Shape 63"/>
+        <p:cNvPr id="1" name="Shape 63"/>
         <p:cNvGrpSpPr/>
         <p:nvPr/>
       </p:nvGrpSpPr>
@@ -7664,7 +7745,9 @@
       <p:sp>
         <p:nvSpPr>
           <p:cNvPr id="64" name="Google Shape;64;p13"/>
-          <p:cNvSpPr txBox="1"/>
+          <p:cNvSpPr txBox="1">
+            <a:spLocks noGrp="1"/>
+          </p:cNvSpPr>
           <p:nvPr>
             <p:ph type="ctrTitle"/>
           </p:nvPr>
@@ -7679,12 +7762,12 @@
           </a:prstGeom>
         </p:spPr>
         <p:txBody>
-          <a:bodyPr anchorCtr="0" anchor="b" bIns="91425" lIns="91425" spcFirstLastPara="1" rIns="91425" wrap="square" tIns="91425">
+          <a:bodyPr spcFirstLastPara="1" wrap="square" lIns="91425" tIns="91425" rIns="91425" bIns="91425" anchor="b" anchorCtr="0">
             <a:normAutofit/>
           </a:bodyPr>
           <a:lstStyle/>
           <a:p>
-            <a:pPr indent="0" lvl="0" marL="0" rtl="0" algn="ctr">
+            <a:pPr marL="0" lvl="0" indent="0" algn="ctr" rtl="0">
               <a:spcBef>
                 <a:spcPts val="0"/>
               </a:spcBef>
@@ -7694,7 +7777,7 @@
               <a:buNone/>
             </a:pPr>
             <a:r>
-              <a:rPr i="1" lang="en">
+              <a:rPr lang="en" i="1">
                 <a:highlight>
                   <a:schemeClr val="dk2"/>
                 </a:highlight>
@@ -7703,31 +7786,7 @@
                 <a:cs typeface="Corsiva"/>
                 <a:sym typeface="Corsiva"/>
               </a:rPr>
-              <a:t>What’s the best </a:t>
-            </a:r>
-            <a:r>
-              <a:rPr i="1" lang="en">
-                <a:highlight>
-                  <a:schemeClr val="dk2"/>
-                </a:highlight>
-                <a:latin typeface="Corsiva"/>
-                <a:ea typeface="Corsiva"/>
-                <a:cs typeface="Corsiva"/>
-                <a:sym typeface="Corsiva"/>
-              </a:rPr>
-              <a:t>fragrance</a:t>
-            </a:r>
-            <a:r>
-              <a:rPr i="1" lang="en">
-                <a:highlight>
-                  <a:schemeClr val="dk2"/>
-                </a:highlight>
-                <a:latin typeface="Corsiva"/>
-                <a:ea typeface="Corsiva"/>
-                <a:cs typeface="Corsiva"/>
-                <a:sym typeface="Corsiva"/>
-              </a:rPr>
-              <a:t> for you?</a:t>
+              <a:t>What’s the best fragrance for you?</a:t>
             </a:r>
             <a:endParaRPr i="1">
               <a:highlight>
@@ -7743,191 +7802,33 @@
       </p:sp>
       <p:sp>
         <p:nvSpPr>
-          <p:cNvPr id="65" name="Google Shape;65;p13"/>
-          <p:cNvSpPr txBox="1"/>
+          <p:cNvPr id="3" name="Subtitle 2">
+            <a:extLst>
+              <a:ext uri="{FF2B5EF4-FFF2-40B4-BE49-F238E27FC236}">
+                <a16:creationId xmlns:a16="http://schemas.microsoft.com/office/drawing/2014/main" id="{24F120F9-41A5-4465-07D3-FCBC4E81DD6F}"/>
+              </a:ext>
+            </a:extLst>
+          </p:cNvPr>
+          <p:cNvSpPr>
+            <a:spLocks noGrp="1"/>
+          </p:cNvSpPr>
           <p:nvPr>
-            <p:ph idx="1" type="subTitle"/>
+            <p:ph type="subTitle" idx="1"/>
           </p:nvPr>
         </p:nvSpPr>
         <p:spPr>
           <a:xfrm>
-            <a:off x="3744175" y="2509275"/>
-            <a:ext cx="1487700" cy="909000"/>
+            <a:off x="1680302" y="6384173"/>
+            <a:ext cx="5783400" cy="332510"/>
           </a:xfrm>
-          <a:prstGeom prst="rect">
-            <a:avLst/>
-          </a:prstGeom>
-          <a:solidFill>
-            <a:schemeClr val="lt1"/>
-          </a:solidFill>
         </p:spPr>
         <p:txBody>
-          <a:bodyPr anchorCtr="0" anchor="t" bIns="91425" lIns="91425" spcFirstLastPara="1" rIns="91425" wrap="square" tIns="91425">
-            <a:normAutofit fontScale="32500" lnSpcReduction="20000"/>
+          <a:bodyPr>
+            <a:normAutofit fontScale="47500" lnSpcReduction="20000"/>
           </a:bodyPr>
           <a:lstStyle/>
           <a:p>
-            <a:pPr indent="0" lvl="0" marL="0" rtl="0" algn="ctr">
-              <a:spcBef>
-                <a:spcPts val="0"/>
-              </a:spcBef>
-              <a:spcAft>
-                <a:spcPts val="0"/>
-              </a:spcAft>
-              <a:buNone/>
-            </a:pPr>
-            <a:r>
-              <a:rPr b="1" i="1" lang="en">
-                <a:solidFill>
-                  <a:schemeClr val="dk1"/>
-                </a:solidFill>
-              </a:rPr>
-              <a:t>Pranav Garg</a:t>
-            </a:r>
-            <a:endParaRPr b="1" i="1">
-              <a:solidFill>
-                <a:schemeClr val="dk1"/>
-              </a:solidFill>
-            </a:endParaRPr>
-          </a:p>
-          <a:p>
-            <a:pPr indent="0" lvl="0" marL="0" rtl="0" algn="ctr">
-              <a:spcBef>
-                <a:spcPts val="0"/>
-              </a:spcBef>
-              <a:spcAft>
-                <a:spcPts val="0"/>
-              </a:spcAft>
-              <a:buNone/>
-            </a:pPr>
-            <a:r>
-              <a:rPr b="1" i="1" lang="en">
-                <a:solidFill>
-                  <a:schemeClr val="dk1"/>
-                </a:solidFill>
-              </a:rPr>
-              <a:t>Ronak Goyal</a:t>
-            </a:r>
-            <a:endParaRPr b="1" i="1">
-              <a:solidFill>
-                <a:schemeClr val="dk1"/>
-              </a:solidFill>
-            </a:endParaRPr>
-          </a:p>
-          <a:p>
-            <a:pPr indent="0" lvl="0" marL="0" rtl="0" algn="ctr">
-              <a:spcBef>
-                <a:spcPts val="0"/>
-              </a:spcBef>
-              <a:spcAft>
-                <a:spcPts val="0"/>
-              </a:spcAft>
-              <a:buNone/>
-            </a:pPr>
-            <a:r>
-              <a:rPr b="1" i="1" lang="en">
-                <a:solidFill>
-                  <a:schemeClr val="dk1"/>
-                </a:solidFill>
-              </a:rPr>
-              <a:t>Utkarsh Garg</a:t>
-            </a:r>
-            <a:endParaRPr b="1" i="1">
-              <a:solidFill>
-                <a:schemeClr val="dk1"/>
-              </a:solidFill>
-            </a:endParaRPr>
-          </a:p>
-          <a:p>
-            <a:pPr indent="0" lvl="0" marL="0" rtl="0" algn="ctr">
-              <a:spcBef>
-                <a:spcPts val="0"/>
-              </a:spcBef>
-              <a:spcAft>
-                <a:spcPts val="0"/>
-              </a:spcAft>
-              <a:buNone/>
-            </a:pPr>
-            <a:r>
-              <a:rPr b="1" i="1" lang="en">
-                <a:solidFill>
-                  <a:schemeClr val="dk1"/>
-                </a:solidFill>
-              </a:rPr>
-              <a:t>Alexander Imhoff</a:t>
-            </a:r>
-            <a:endParaRPr b="1" i="1">
-              <a:solidFill>
-                <a:schemeClr val="dk1"/>
-              </a:solidFill>
-            </a:endParaRPr>
-          </a:p>
-          <a:p>
-            <a:pPr indent="0" lvl="0" marL="0" rtl="0" algn="ctr">
-              <a:spcBef>
-                <a:spcPts val="0"/>
-              </a:spcBef>
-              <a:spcAft>
-                <a:spcPts val="0"/>
-              </a:spcAft>
-              <a:buNone/>
-            </a:pPr>
-            <a:r>
-              <a:rPr b="1" i="1" lang="en">
-                <a:solidFill>
-                  <a:schemeClr val="dk1"/>
-                </a:solidFill>
-              </a:rPr>
-              <a:t>John Izzo</a:t>
-            </a:r>
-            <a:endParaRPr b="1" i="1">
-              <a:solidFill>
-                <a:schemeClr val="dk1"/>
-              </a:solidFill>
-            </a:endParaRPr>
-          </a:p>
-          <a:p>
-            <a:pPr indent="0" lvl="0" marL="0" rtl="0" algn="ctr">
-              <a:spcBef>
-                <a:spcPts val="0"/>
-              </a:spcBef>
-              <a:spcAft>
-                <a:spcPts val="0"/>
-              </a:spcAft>
-              <a:buNone/>
-            </a:pPr>
-            <a:r>
-              <a:rPr b="1" i="1" lang="en">
-                <a:solidFill>
-                  <a:schemeClr val="dk1"/>
-                </a:solidFill>
-              </a:rPr>
-              <a:t>Akash Barathan</a:t>
-            </a:r>
-            <a:endParaRPr b="1" i="1">
-              <a:solidFill>
-                <a:schemeClr val="dk1"/>
-              </a:solidFill>
-            </a:endParaRPr>
-          </a:p>
-          <a:p>
-            <a:pPr indent="0" lvl="0" marL="0" rtl="0" algn="ctr">
-              <a:spcBef>
-                <a:spcPts val="0"/>
-              </a:spcBef>
-              <a:spcAft>
-                <a:spcPts val="0"/>
-              </a:spcAft>
-              <a:buNone/>
-            </a:pPr>
-            <a:r>
-              <a:t/>
-            </a:r>
-            <a:endParaRPr b="1" i="1">
-              <a:solidFill>
-                <a:schemeClr val="dk1"/>
-              </a:solidFill>
-            </a:endParaRPr>
+            <a:endParaRPr lang="en-US" dirty="0"/>
           </a:p>
         </p:txBody>
       </p:sp>
@@ -7940,11 +7841,11 @@
 </file>
 
 <file path=ppt/slides/slide2.xml><?xml version="1.0" encoding="utf-8"?>
-<p:sld xmlns:a="http://schemas.openxmlformats.org/drawingml/2006/main" xmlns:r="http://schemas.openxmlformats.org/officeDocument/2006/relationships" xmlns:mc="http://schemas.openxmlformats.org/markup-compatibility/2006" xmlns:mv="urn:schemas-microsoft-com:mac:vml" xmlns:p="http://schemas.openxmlformats.org/presentationml/2006/main" xmlns:c="http://schemas.openxmlformats.org/drawingml/2006/chart" xmlns:dgm="http://schemas.openxmlformats.org/drawingml/2006/diagram" xmlns:o="urn:schemas-microsoft-com:office:office" xmlns:v="urn:schemas-microsoft-com:vml" xmlns:pvml="urn:schemas-microsoft-com:office:powerpoint" xmlns:com="http://schemas.openxmlformats.org/drawingml/2006/compatibility" xmlns:p14="http://schemas.microsoft.com/office/powerpoint/2010/main" xmlns:p15="http://schemas.microsoft.com/office/powerpoint/2012/main" xmlns:ahyp="http://schemas.microsoft.com/office/drawing/2018/hyperlinkcolor">
+<p:sld xmlns:a="http://schemas.openxmlformats.org/drawingml/2006/main" xmlns:r="http://schemas.openxmlformats.org/officeDocument/2006/relationships" xmlns:p="http://schemas.openxmlformats.org/presentationml/2006/main">
   <p:cSld>
     <p:spTree>
       <p:nvGrpSpPr>
-        <p:cNvPr id="69" name="Shape 69"/>
+        <p:cNvPr id="1" name="Shape 69"/>
         <p:cNvGrpSpPr/>
         <p:nvPr/>
       </p:nvGrpSpPr>
@@ -7959,7 +7860,9 @@
       <p:sp>
         <p:nvSpPr>
           <p:cNvPr id="70" name="Google Shape;70;p14"/>
-          <p:cNvSpPr txBox="1"/>
+          <p:cNvSpPr txBox="1">
+            <a:spLocks noGrp="1"/>
+          </p:cNvSpPr>
           <p:nvPr>
             <p:ph type="title"/>
           </p:nvPr>
@@ -7974,12 +7877,12 @@
           </a:prstGeom>
         </p:spPr>
         <p:txBody>
-          <a:bodyPr anchorCtr="0" anchor="b" bIns="91425" lIns="91425" spcFirstLastPara="1" rIns="91425" wrap="square" tIns="91425">
+          <a:bodyPr spcFirstLastPara="1" wrap="square" lIns="91425" tIns="91425" rIns="91425" bIns="91425" anchor="b" anchorCtr="0">
             <a:normAutofit/>
           </a:bodyPr>
           <a:lstStyle/>
           <a:p>
-            <a:pPr indent="0" lvl="0" marL="0" rtl="0" algn="l">
+            <a:pPr marL="0" lvl="0" indent="0" algn="l" rtl="0">
               <a:spcBef>
                 <a:spcPts val="0"/>
               </a:spcBef>
@@ -7999,9 +7902,11 @@
       <p:sp>
         <p:nvSpPr>
           <p:cNvPr id="71" name="Google Shape;71;p14"/>
-          <p:cNvSpPr txBox="1"/>
+          <p:cNvSpPr txBox="1">
+            <a:spLocks noGrp="1"/>
+          </p:cNvSpPr>
           <p:nvPr>
-            <p:ph idx="1" type="body"/>
+            <p:ph type="body" idx="1"/>
           </p:nvPr>
         </p:nvSpPr>
         <p:spPr>
@@ -8014,12 +7919,12 @@
           </a:prstGeom>
         </p:spPr>
         <p:txBody>
-          <a:bodyPr anchorCtr="0" anchor="t" bIns="91425" lIns="91425" spcFirstLastPara="1" rIns="91425" wrap="square" tIns="91425">
+          <a:bodyPr spcFirstLastPara="1" wrap="square" lIns="91425" tIns="91425" rIns="91425" bIns="91425" anchor="t" anchorCtr="0">
             <a:normAutofit fontScale="77500" lnSpcReduction="20000"/>
           </a:bodyPr>
           <a:lstStyle/>
           <a:p>
-            <a:pPr indent="0" lvl="0" marL="0" rtl="0" algn="l">
+            <a:pPr marL="0" lvl="0" indent="0" algn="l" rtl="0">
               <a:spcBef>
                 <a:spcPts val="0"/>
               </a:spcBef>
@@ -8030,20 +7935,12 @@
             </a:pPr>
             <a:r>
               <a:rPr lang="en"/>
-              <a:t>The Problem: Our client wants to implement an online fragrance recommendation software to boost engagement with their </a:t>
-            </a:r>
-            <a:r>
-              <a:rPr lang="en"/>
-              <a:t>fragrance</a:t>
-            </a:r>
-            <a:r>
-              <a:rPr lang="en"/>
-              <a:t> products.</a:t>
+              <a:t>The Problem: Our client wants to implement an online fragrance recommendation software to boost engagement with their fragrance products.</a:t>
             </a:r>
             <a:endParaRPr/>
           </a:p>
           <a:p>
-            <a:pPr indent="0" lvl="0" marL="0" rtl="0" algn="l">
+            <a:pPr marL="0" lvl="0" indent="0" algn="l" rtl="0">
               <a:spcBef>
                 <a:spcPts val="1200"/>
               </a:spcBef>
@@ -8059,7 +7956,7 @@
             <a:endParaRPr/>
           </a:p>
           <a:p>
-            <a:pPr indent="0" lvl="0" marL="0" rtl="0" algn="l">
+            <a:pPr marL="0" lvl="0" indent="0" algn="l" rtl="0">
               <a:spcBef>
                 <a:spcPts val="1200"/>
               </a:spcBef>
@@ -8068,9 +7965,6 @@
               </a:spcAft>
               <a:buNone/>
             </a:pPr>
-            <a:r>
-              <a:t/>
-            </a:r>
             <a:endParaRPr/>
           </a:p>
         </p:txBody>
@@ -8112,11 +8006,11 @@
 </file>
 
 <file path=ppt/slides/slide3.xml><?xml version="1.0" encoding="utf-8"?>
-<p:sld xmlns:a="http://schemas.openxmlformats.org/drawingml/2006/main" xmlns:r="http://schemas.openxmlformats.org/officeDocument/2006/relationships" xmlns:mc="http://schemas.openxmlformats.org/markup-compatibility/2006" xmlns:mv="urn:schemas-microsoft-com:mac:vml" xmlns:p="http://schemas.openxmlformats.org/presentationml/2006/main" xmlns:c="http://schemas.openxmlformats.org/drawingml/2006/chart" xmlns:dgm="http://schemas.openxmlformats.org/drawingml/2006/diagram" xmlns:o="urn:schemas-microsoft-com:office:office" xmlns:v="urn:schemas-microsoft-com:vml" xmlns:pvml="urn:schemas-microsoft-com:office:powerpoint" xmlns:com="http://schemas.openxmlformats.org/drawingml/2006/compatibility" xmlns:p14="http://schemas.microsoft.com/office/powerpoint/2010/main" xmlns:p15="http://schemas.microsoft.com/office/powerpoint/2012/main" xmlns:ahyp="http://schemas.microsoft.com/office/drawing/2018/hyperlinkcolor">
+<p:sld xmlns:a="http://schemas.openxmlformats.org/drawingml/2006/main" xmlns:r="http://schemas.openxmlformats.org/officeDocument/2006/relationships" xmlns:p="http://schemas.openxmlformats.org/presentationml/2006/main">
   <p:cSld>
     <p:spTree>
       <p:nvGrpSpPr>
-        <p:cNvPr id="76" name="Shape 76"/>
+        <p:cNvPr id="1" name="Shape 76"/>
         <p:cNvGrpSpPr/>
         <p:nvPr/>
       </p:nvGrpSpPr>
@@ -8131,7 +8025,9 @@
       <p:sp>
         <p:nvSpPr>
           <p:cNvPr id="77" name="Google Shape;77;p15"/>
-          <p:cNvSpPr txBox="1"/>
+          <p:cNvSpPr txBox="1">
+            <a:spLocks noGrp="1"/>
+          </p:cNvSpPr>
           <p:nvPr>
             <p:ph type="title"/>
           </p:nvPr>
@@ -8146,12 +8042,12 @@
           </a:prstGeom>
         </p:spPr>
         <p:txBody>
-          <a:bodyPr anchorCtr="0" anchor="b" bIns="91425" lIns="91425" spcFirstLastPara="1" rIns="91425" wrap="square" tIns="91425">
+          <a:bodyPr spcFirstLastPara="1" wrap="square" lIns="91425" tIns="91425" rIns="91425" bIns="91425" anchor="b" anchorCtr="0">
             <a:normAutofit/>
           </a:bodyPr>
           <a:lstStyle/>
           <a:p>
-            <a:pPr indent="0" lvl="0" marL="0" rtl="0" algn="l">
+            <a:pPr marL="0" lvl="0" indent="0" algn="l" rtl="0">
               <a:spcBef>
                 <a:spcPts val="0"/>
               </a:spcBef>
@@ -8171,9 +8067,11 @@
       <p:sp>
         <p:nvSpPr>
           <p:cNvPr id="78" name="Google Shape;78;p15"/>
-          <p:cNvSpPr txBox="1"/>
+          <p:cNvSpPr txBox="1">
+            <a:spLocks noGrp="1"/>
+          </p:cNvSpPr>
           <p:nvPr>
-            <p:ph idx="1" type="body"/>
+            <p:ph type="body" idx="1"/>
           </p:nvPr>
         </p:nvSpPr>
         <p:spPr>
@@ -8186,12 +8084,12 @@
           </a:prstGeom>
         </p:spPr>
         <p:txBody>
-          <a:bodyPr anchorCtr="0" anchor="t" bIns="91425" lIns="91425" spcFirstLastPara="1" rIns="91425" wrap="square" tIns="91425">
+          <a:bodyPr spcFirstLastPara="1" wrap="square" lIns="91425" tIns="91425" rIns="91425" bIns="91425" anchor="t" anchorCtr="0">
             <a:normAutofit/>
           </a:bodyPr>
           <a:lstStyle/>
           <a:p>
-            <a:pPr indent="-342900" lvl="0" marL="457200" rtl="0" algn="l">
+            <a:pPr marL="457200" lvl="0" indent="-342900" algn="l" rtl="0">
               <a:spcBef>
                 <a:spcPts val="0"/>
               </a:spcBef>
@@ -8208,7 +8106,7 @@
             <a:endParaRPr/>
           </a:p>
           <a:p>
-            <a:pPr indent="-342900" lvl="0" marL="457200" rtl="0" algn="l">
+            <a:pPr marL="457200" lvl="0" indent="-342900" algn="l" rtl="0">
               <a:spcBef>
                 <a:spcPts val="0"/>
               </a:spcBef>
@@ -8225,7 +8123,7 @@
             <a:endParaRPr/>
           </a:p>
           <a:p>
-            <a:pPr indent="-342900" lvl="0" marL="457200" rtl="0" algn="l">
+            <a:pPr marL="457200" lvl="0" indent="-342900" algn="l" rtl="0">
               <a:spcBef>
                 <a:spcPts val="0"/>
               </a:spcBef>
@@ -8312,30 +8210,30 @@
           </a:xfrm>
           <a:prstGeom prst="upArrow">
             <a:avLst>
-              <a:gd fmla="val 50000" name="adj1"/>
-              <a:gd fmla="val 50000" name="adj2"/>
+              <a:gd name="adj1" fmla="val 50000"/>
+              <a:gd name="adj2" fmla="val 50000"/>
             </a:avLst>
           </a:prstGeom>
           <a:solidFill>
             <a:srgbClr val="000000"/>
           </a:solidFill>
-          <a:ln cap="flat" cmpd="sng" w="9525">
+          <a:ln w="9525" cap="flat" cmpd="sng">
             <a:solidFill>
               <a:schemeClr val="dk2"/>
             </a:solidFill>
             <a:prstDash val="solid"/>
             <a:round/>
-            <a:headEnd len="sm" w="sm" type="none"/>
-            <a:tailEnd len="sm" w="sm" type="none"/>
+            <a:headEnd type="none" w="sm" len="sm"/>
+            <a:tailEnd type="none" w="sm" len="sm"/>
           </a:ln>
         </p:spPr>
         <p:txBody>
-          <a:bodyPr anchorCtr="0" anchor="ctr" bIns="91425" lIns="91425" spcFirstLastPara="1" rIns="91425" wrap="square" tIns="91425">
+          <a:bodyPr spcFirstLastPara="1" wrap="square" lIns="91425" tIns="91425" rIns="91425" bIns="91425" anchor="ctr" anchorCtr="0">
             <a:noAutofit/>
           </a:bodyPr>
           <a:lstStyle/>
           <a:p>
-            <a:pPr indent="0" lvl="0" marL="0" rtl="0" algn="ctr">
+            <a:pPr marL="0" lvl="0" indent="0" algn="ctr" rtl="0">
               <a:spcBef>
                 <a:spcPts val="0"/>
               </a:spcBef>
@@ -8344,9 +8242,6 @@
               </a:spcAft>
               <a:buNone/>
             </a:pPr>
-            <a:r>
-              <a:t/>
-            </a:r>
             <a:endParaRPr>
               <a:latin typeface="Roboto"/>
               <a:ea typeface="Roboto"/>
@@ -8365,11 +8260,11 @@
 </file>
 
 <file path=ppt/slides/slide4.xml><?xml version="1.0" encoding="utf-8"?>
-<p:sld xmlns:a="http://schemas.openxmlformats.org/drawingml/2006/main" xmlns:r="http://schemas.openxmlformats.org/officeDocument/2006/relationships" xmlns:mc="http://schemas.openxmlformats.org/markup-compatibility/2006" xmlns:mv="urn:schemas-microsoft-com:mac:vml" xmlns:p="http://schemas.openxmlformats.org/presentationml/2006/main" xmlns:c="http://schemas.openxmlformats.org/drawingml/2006/chart" xmlns:dgm="http://schemas.openxmlformats.org/drawingml/2006/diagram" xmlns:o="urn:schemas-microsoft-com:office:office" xmlns:v="urn:schemas-microsoft-com:vml" xmlns:pvml="urn:schemas-microsoft-com:office:powerpoint" xmlns:com="http://schemas.openxmlformats.org/drawingml/2006/compatibility" xmlns:p14="http://schemas.microsoft.com/office/powerpoint/2010/main" xmlns:p15="http://schemas.microsoft.com/office/powerpoint/2012/main" xmlns:ahyp="http://schemas.microsoft.com/office/drawing/2018/hyperlinkcolor">
+<p:sld xmlns:a="http://schemas.openxmlformats.org/drawingml/2006/main" xmlns:r="http://schemas.openxmlformats.org/officeDocument/2006/relationships" xmlns:p="http://schemas.openxmlformats.org/presentationml/2006/main">
   <p:cSld>
     <p:spTree>
       <p:nvGrpSpPr>
-        <p:cNvPr id="85" name="Shape 85"/>
+        <p:cNvPr id="1" name="Shape 85"/>
         <p:cNvGrpSpPr/>
         <p:nvPr/>
       </p:nvGrpSpPr>
@@ -8384,7 +8279,9 @@
       <p:sp>
         <p:nvSpPr>
           <p:cNvPr id="86" name="Google Shape;86;p16"/>
-          <p:cNvSpPr txBox="1"/>
+          <p:cNvSpPr txBox="1">
+            <a:spLocks noGrp="1"/>
+          </p:cNvSpPr>
           <p:nvPr>
             <p:ph type="title"/>
           </p:nvPr>
@@ -8399,12 +8296,12 @@
           </a:prstGeom>
         </p:spPr>
         <p:txBody>
-          <a:bodyPr anchorCtr="0" anchor="b" bIns="91425" lIns="91425" spcFirstLastPara="1" rIns="91425" wrap="square" tIns="91425">
+          <a:bodyPr spcFirstLastPara="1" wrap="square" lIns="91425" tIns="91425" rIns="91425" bIns="91425" anchor="b" anchorCtr="0">
             <a:normAutofit/>
           </a:bodyPr>
           <a:lstStyle/>
           <a:p>
-            <a:pPr indent="0" lvl="0" marL="0" rtl="0" algn="l">
+            <a:pPr marL="0" lvl="0" indent="0" algn="l" rtl="0">
               <a:spcBef>
                 <a:spcPts val="0"/>
               </a:spcBef>
@@ -8448,7 +8345,7 @@
             </a:xfrm>
             <a:prstGeom prst="chevron">
               <a:avLst>
-                <a:gd fmla="val 50000" name="adj"/>
+                <a:gd name="adj" fmla="val 50000"/>
               </a:avLst>
             </a:prstGeom>
             <a:solidFill>
@@ -8459,12 +8356,12 @@
             </a:ln>
           </p:spPr>
           <p:txBody>
-            <a:bodyPr anchorCtr="0" anchor="ctr" bIns="91425" lIns="91425" spcFirstLastPara="1" rIns="91425" wrap="square" tIns="91425">
+            <a:bodyPr spcFirstLastPara="1" wrap="square" lIns="91425" tIns="91425" rIns="91425" bIns="91425" anchor="ctr" anchorCtr="0">
               <a:noAutofit/>
             </a:bodyPr>
             <a:lstStyle/>
             <a:p>
-              <a:pPr indent="0" lvl="0" marL="0" rtl="0" algn="l">
+              <a:pPr marL="0" lvl="0" indent="0" algn="l" rtl="0">
                 <a:spcBef>
                   <a:spcPts val="0"/>
                 </a:spcBef>
@@ -8517,12 +8414,12 @@
             </a:ln>
           </p:spPr>
           <p:txBody>
-            <a:bodyPr anchorCtr="0" anchor="t" bIns="91425" lIns="91425" spcFirstLastPara="1" rIns="91425" wrap="square" tIns="91425">
+            <a:bodyPr spcFirstLastPara="1" wrap="square" lIns="91425" tIns="91425" rIns="91425" bIns="91425" anchor="t" anchorCtr="0">
               <a:noAutofit/>
             </a:bodyPr>
             <a:lstStyle/>
             <a:p>
-              <a:pPr indent="-304800" lvl="0" marL="457200" rtl="0" algn="l">
+              <a:pPr marL="457200" lvl="0" indent="-304800" algn="l" rtl="0">
                 <a:lnSpc>
                   <a:spcPct val="115000"/>
                 </a:lnSpc>
@@ -8591,7 +8488,7 @@
             </a:xfrm>
             <a:prstGeom prst="homePlate">
               <a:avLst>
-                <a:gd fmla="val 50000" name="adj"/>
+                <a:gd name="adj" fmla="val 50000"/>
               </a:avLst>
             </a:prstGeom>
             <a:solidFill>
@@ -8602,12 +8499,12 @@
             </a:ln>
           </p:spPr>
           <p:txBody>
-            <a:bodyPr anchorCtr="0" anchor="ctr" bIns="91425" lIns="91425" spcFirstLastPara="1" rIns="91425" wrap="square" tIns="91425">
+            <a:bodyPr spcFirstLastPara="1" wrap="square" lIns="91425" tIns="91425" rIns="91425" bIns="91425" anchor="ctr" anchorCtr="0">
               <a:noAutofit/>
             </a:bodyPr>
             <a:lstStyle/>
             <a:p>
-              <a:pPr indent="0" lvl="0" marL="0" rtl="0" algn="ctr">
+              <a:pPr marL="0" lvl="0" indent="0" algn="ctr" rtl="0">
                 <a:spcBef>
                   <a:spcPts val="0"/>
                 </a:spcBef>
@@ -8660,12 +8557,12 @@
             </a:ln>
           </p:spPr>
           <p:txBody>
-            <a:bodyPr anchorCtr="0" anchor="t" bIns="91425" lIns="91425" spcFirstLastPara="1" rIns="91425" wrap="square" tIns="91425">
+            <a:bodyPr spcFirstLastPara="1" wrap="square" lIns="91425" tIns="91425" rIns="91425" bIns="91425" anchor="t" anchorCtr="0">
               <a:noAutofit/>
             </a:bodyPr>
             <a:lstStyle/>
             <a:p>
-              <a:pPr indent="-298450" lvl="0" marL="457200" rtl="0" algn="l">
+              <a:pPr marL="457200" lvl="0" indent="-298450" algn="l" rtl="0">
                 <a:lnSpc>
                   <a:spcPct val="115000"/>
                 </a:lnSpc>
@@ -8705,7 +8602,7 @@
               </a:endParaRPr>
             </a:p>
             <a:p>
-              <a:pPr indent="-298450" lvl="0" marL="457200" rtl="0" algn="l">
+              <a:pPr marL="457200" lvl="0" indent="-298450" algn="l" rtl="0">
                 <a:lnSpc>
                   <a:spcPct val="115000"/>
                 </a:lnSpc>
@@ -8774,7 +8671,7 @@
             </a:xfrm>
             <a:prstGeom prst="chevron">
               <a:avLst>
-                <a:gd fmla="val 50000" name="adj"/>
+                <a:gd name="adj" fmla="val 50000"/>
               </a:avLst>
             </a:prstGeom>
             <a:solidFill>
@@ -8785,12 +8682,12 @@
             </a:ln>
           </p:spPr>
           <p:txBody>
-            <a:bodyPr anchorCtr="0" anchor="ctr" bIns="91425" lIns="91425" spcFirstLastPara="1" rIns="91425" wrap="square" tIns="91425">
+            <a:bodyPr spcFirstLastPara="1" wrap="square" lIns="91425" tIns="91425" rIns="91425" bIns="91425" anchor="ctr" anchorCtr="0">
               <a:noAutofit/>
             </a:bodyPr>
             <a:lstStyle/>
             <a:p>
-              <a:pPr indent="0" lvl="0" marL="0" rtl="0" algn="ctr">
+              <a:pPr marL="0" lvl="0" indent="0" algn="ctr" rtl="0">
                 <a:spcBef>
                   <a:spcPts val="0"/>
                 </a:spcBef>
@@ -8843,12 +8740,12 @@
             </a:ln>
           </p:spPr>
           <p:txBody>
-            <a:bodyPr anchorCtr="0" anchor="t" bIns="91425" lIns="91425" spcFirstLastPara="1" rIns="91425" wrap="square" tIns="91425">
+            <a:bodyPr spcFirstLastPara="1" wrap="square" lIns="91425" tIns="91425" rIns="91425" bIns="91425" anchor="t" anchorCtr="0">
               <a:noAutofit/>
             </a:bodyPr>
             <a:lstStyle/>
             <a:p>
-              <a:pPr indent="-304800" lvl="0" marL="457200" rtl="0" algn="l">
+              <a:pPr marL="457200" lvl="0" indent="-304800" algn="l" rtl="0">
                 <a:lnSpc>
                   <a:spcPct val="115000"/>
                 </a:lnSpc>
@@ -8888,7 +8785,7 @@
               </a:endParaRPr>
             </a:p>
             <a:p>
-              <a:pPr indent="-304800" lvl="0" marL="457200" rtl="0" algn="l">
+              <a:pPr marL="457200" lvl="0" indent="-304800" algn="l" rtl="0">
                 <a:lnSpc>
                   <a:spcPct val="115000"/>
                 </a:lnSpc>
@@ -8928,7 +8825,7 @@
               </a:endParaRPr>
             </a:p>
             <a:p>
-              <a:pPr indent="0" lvl="0" marL="0" rtl="0" algn="l">
+              <a:pPr marL="0" lvl="0" indent="0" algn="l" rtl="0">
                 <a:lnSpc>
                   <a:spcPct val="115000"/>
                 </a:lnSpc>
@@ -8940,9 +8837,6 @@
                 </a:spcAft>
                 <a:buNone/>
               </a:pPr>
-              <a:r>
-                <a:t/>
-              </a:r>
               <a:endParaRPr sz="1200">
                 <a:latin typeface="Roboto"/>
                 <a:ea typeface="Roboto"/>
@@ -8966,7 +8860,7 @@
           </a:xfrm>
           <a:prstGeom prst="chevron">
             <a:avLst>
-              <a:gd fmla="val 50000" name="adj"/>
+              <a:gd name="adj" fmla="val 50000"/>
             </a:avLst>
           </a:prstGeom>
           <a:solidFill>
@@ -8977,12 +8871,12 @@
           </a:ln>
         </p:spPr>
         <p:txBody>
-          <a:bodyPr anchorCtr="0" anchor="ctr" bIns="91425" lIns="91425" spcFirstLastPara="1" rIns="91425" wrap="square" tIns="91425">
+          <a:bodyPr spcFirstLastPara="1" wrap="square" lIns="91425" tIns="91425" rIns="91425" bIns="91425" anchor="ctr" anchorCtr="0">
             <a:noAutofit/>
           </a:bodyPr>
           <a:lstStyle/>
           <a:p>
-            <a:pPr indent="0" lvl="0" marL="0" rtl="0" algn="ctr">
+            <a:pPr marL="0" lvl="0" indent="0" algn="ctr" rtl="0">
               <a:spcBef>
                 <a:spcPts val="0"/>
               </a:spcBef>
@@ -9028,7 +8922,7 @@
           </a:xfrm>
           <a:prstGeom prst="chevron">
             <a:avLst>
-              <a:gd fmla="val 50000" name="adj"/>
+              <a:gd name="adj" fmla="val 50000"/>
             </a:avLst>
           </a:prstGeom>
           <a:solidFill>
@@ -9039,12 +8933,12 @@
           </a:ln>
         </p:spPr>
         <p:txBody>
-          <a:bodyPr anchorCtr="0" anchor="ctr" bIns="91425" lIns="91425" spcFirstLastPara="1" rIns="91425" wrap="square" tIns="91425">
+          <a:bodyPr spcFirstLastPara="1" wrap="square" lIns="91425" tIns="91425" rIns="91425" bIns="91425" anchor="ctr" anchorCtr="0">
             <a:noAutofit/>
           </a:bodyPr>
           <a:lstStyle/>
           <a:p>
-            <a:pPr indent="0" lvl="0" marL="0" rtl="0" algn="ctr">
+            <a:pPr marL="0" lvl="0" indent="0" algn="ctr" rtl="0">
               <a:spcBef>
                 <a:spcPts val="0"/>
               </a:spcBef>
@@ -9097,12 +8991,12 @@
           </a:ln>
         </p:spPr>
         <p:txBody>
-          <a:bodyPr anchorCtr="0" anchor="t" bIns="91425" lIns="91425" spcFirstLastPara="1" rIns="91425" wrap="square" tIns="91425">
+          <a:bodyPr spcFirstLastPara="1" wrap="square" lIns="91425" tIns="91425" rIns="91425" bIns="91425" anchor="t" anchorCtr="0">
             <a:noAutofit/>
           </a:bodyPr>
           <a:lstStyle/>
           <a:p>
-            <a:pPr indent="-298450" lvl="0" marL="457200" rtl="0" algn="l">
+            <a:pPr marL="457200" lvl="0" indent="-298450" algn="l" rtl="0">
               <a:lnSpc>
                 <a:spcPct val="115000"/>
               </a:lnSpc>
@@ -9142,7 +9036,7 @@
             </a:endParaRPr>
           </a:p>
           <a:p>
-            <a:pPr indent="-298450" lvl="0" marL="457200" rtl="0" algn="l">
+            <a:pPr marL="457200" lvl="0" indent="-298450" algn="l" rtl="0">
               <a:lnSpc>
                 <a:spcPct val="115000"/>
               </a:lnSpc>
@@ -9203,12 +9097,12 @@
           </a:ln>
         </p:spPr>
         <p:txBody>
-          <a:bodyPr anchorCtr="0" anchor="t" bIns="91425" lIns="91425" spcFirstLastPara="1" rIns="91425" wrap="square" tIns="91425">
+          <a:bodyPr spcFirstLastPara="1" wrap="square" lIns="91425" tIns="91425" rIns="91425" bIns="91425" anchor="t" anchorCtr="0">
             <a:noAutofit/>
           </a:bodyPr>
           <a:lstStyle/>
           <a:p>
-            <a:pPr indent="-304800" lvl="0" marL="457200" rtl="0" algn="l">
+            <a:pPr marL="457200" lvl="0" indent="-304800" algn="l" rtl="0">
               <a:lnSpc>
                 <a:spcPct val="115000"/>
               </a:lnSpc>
@@ -9248,7 +9142,7 @@
             </a:endParaRPr>
           </a:p>
           <a:p>
-            <a:pPr indent="0" lvl="0" marL="0" rtl="0" algn="l">
+            <a:pPr marL="0" lvl="0" indent="0" algn="l" rtl="0">
               <a:lnSpc>
                 <a:spcPct val="115000"/>
               </a:lnSpc>
@@ -9260,9 +9154,6 @@
               </a:spcAft>
               <a:buNone/>
             </a:pPr>
-            <a:r>
-              <a:t/>
-            </a:r>
             <a:endParaRPr sz="1200">
               <a:latin typeface="Roboto"/>
               <a:ea typeface="Roboto"/>
@@ -9421,11 +9312,11 @@
 </file>
 
 <file path=ppt/slides/slide5.xml><?xml version="1.0" encoding="utf-8"?>
-<p:sld xmlns:a="http://schemas.openxmlformats.org/drawingml/2006/main" xmlns:r="http://schemas.openxmlformats.org/officeDocument/2006/relationships" xmlns:mc="http://schemas.openxmlformats.org/markup-compatibility/2006" xmlns:mv="urn:schemas-microsoft-com:mac:vml" xmlns:p="http://schemas.openxmlformats.org/presentationml/2006/main" xmlns:c="http://schemas.openxmlformats.org/drawingml/2006/chart" xmlns:dgm="http://schemas.openxmlformats.org/drawingml/2006/diagram" xmlns:o="urn:schemas-microsoft-com:office:office" xmlns:v="urn:schemas-microsoft-com:vml" xmlns:pvml="urn:schemas-microsoft-com:office:powerpoint" xmlns:com="http://schemas.openxmlformats.org/drawingml/2006/compatibility" xmlns:p14="http://schemas.microsoft.com/office/powerpoint/2010/main" xmlns:p15="http://schemas.microsoft.com/office/powerpoint/2012/main" xmlns:ahyp="http://schemas.microsoft.com/office/drawing/2018/hyperlinkcolor">
+<p:sld xmlns:a="http://schemas.openxmlformats.org/drawingml/2006/main" xmlns:r="http://schemas.openxmlformats.org/officeDocument/2006/relationships" xmlns:p="http://schemas.openxmlformats.org/presentationml/2006/main">
   <p:cSld>
     <p:spTree>
       <p:nvGrpSpPr>
-        <p:cNvPr id="108" name="Shape 108"/>
+        <p:cNvPr id="1" name="Shape 108"/>
         <p:cNvGrpSpPr/>
         <p:nvPr/>
       </p:nvGrpSpPr>
@@ -9447,7 +9338,7 @@
           <a:blip r:embed="rId3">
             <a:alphaModFix/>
           </a:blip>
-          <a:srcRect b="1597" l="0" r="0" t="1597"/>
+          <a:srcRect t="1597" b="1597"/>
           <a:stretch/>
         </p:blipFill>
         <p:spPr>
@@ -9484,12 +9375,12 @@
           </a:ln>
         </p:spPr>
         <p:txBody>
-          <a:bodyPr anchorCtr="0" anchor="t" bIns="91425" lIns="91425" spcFirstLastPara="1" rIns="91425" wrap="square" tIns="91425">
+          <a:bodyPr spcFirstLastPara="1" wrap="square" lIns="91425" tIns="91425" rIns="91425" bIns="91425" anchor="t" anchorCtr="0">
             <a:noAutofit/>
           </a:bodyPr>
           <a:lstStyle/>
           <a:p>
-            <a:pPr indent="-336550" lvl="0" marL="457200" rtl="0" algn="l">
+            <a:pPr marL="457200" lvl="0" indent="-336550" algn="l" rtl="0">
               <a:spcBef>
                 <a:spcPts val="0"/>
               </a:spcBef>
@@ -9526,7 +9417,7 @@
             </a:endParaRPr>
           </a:p>
           <a:p>
-            <a:pPr indent="-336550" lvl="0" marL="457200" rtl="0" algn="l">
+            <a:pPr marL="457200" lvl="0" indent="-336550" algn="l" rtl="0">
               <a:spcBef>
                 <a:spcPts val="0"/>
               </a:spcBef>
@@ -9563,7 +9454,7 @@
             </a:endParaRPr>
           </a:p>
           <a:p>
-            <a:pPr indent="-336550" lvl="0" marL="457200" rtl="0" algn="l">
+            <a:pPr marL="457200" lvl="0" indent="-336550" algn="l" rtl="0">
               <a:spcBef>
                 <a:spcPts val="0"/>
               </a:spcBef>
@@ -9610,11 +9501,11 @@
 </file>
 
 <file path=ppt/slides/slide6.xml><?xml version="1.0" encoding="utf-8"?>
-<p:sld xmlns:a="http://schemas.openxmlformats.org/drawingml/2006/main" xmlns:r="http://schemas.openxmlformats.org/officeDocument/2006/relationships" xmlns:mc="http://schemas.openxmlformats.org/markup-compatibility/2006" xmlns:mv="urn:schemas-microsoft-com:mac:vml" xmlns:p="http://schemas.openxmlformats.org/presentationml/2006/main" xmlns:c="http://schemas.openxmlformats.org/drawingml/2006/chart" xmlns:dgm="http://schemas.openxmlformats.org/drawingml/2006/diagram" xmlns:o="urn:schemas-microsoft-com:office:office" xmlns:v="urn:schemas-microsoft-com:vml" xmlns:pvml="urn:schemas-microsoft-com:office:powerpoint" xmlns:com="http://schemas.openxmlformats.org/drawingml/2006/compatibility" xmlns:p14="http://schemas.microsoft.com/office/powerpoint/2010/main" xmlns:p15="http://schemas.microsoft.com/office/powerpoint/2012/main" xmlns:ahyp="http://schemas.microsoft.com/office/drawing/2018/hyperlinkcolor">
+<p:sld xmlns:a="http://schemas.openxmlformats.org/drawingml/2006/main" xmlns:r="http://schemas.openxmlformats.org/officeDocument/2006/relationships" xmlns:p="http://schemas.openxmlformats.org/presentationml/2006/main">
   <p:cSld>
     <p:spTree>
       <p:nvGrpSpPr>
-        <p:cNvPr id="114" name="Shape 114"/>
+        <p:cNvPr id="1" name="Shape 114"/>
         <p:cNvGrpSpPr/>
         <p:nvPr/>
       </p:nvGrpSpPr>
@@ -9636,7 +9527,7 @@
           <a:blip r:embed="rId3">
             <a:alphaModFix/>
           </a:blip>
-          <a:srcRect b="14464" l="0" r="0" t="14457"/>
+          <a:srcRect t="14457" b="14464"/>
           <a:stretch/>
         </p:blipFill>
         <p:spPr>
@@ -9662,11 +9553,11 @@
 </file>
 
 <file path=ppt/slides/slide7.xml><?xml version="1.0" encoding="utf-8"?>
-<p:sld xmlns:a="http://schemas.openxmlformats.org/drawingml/2006/main" xmlns:r="http://schemas.openxmlformats.org/officeDocument/2006/relationships" xmlns:mc="http://schemas.openxmlformats.org/markup-compatibility/2006" xmlns:mv="urn:schemas-microsoft-com:mac:vml" xmlns:p="http://schemas.openxmlformats.org/presentationml/2006/main" xmlns:c="http://schemas.openxmlformats.org/drawingml/2006/chart" xmlns:dgm="http://schemas.openxmlformats.org/drawingml/2006/diagram" xmlns:o="urn:schemas-microsoft-com:office:office" xmlns:v="urn:schemas-microsoft-com:vml" xmlns:pvml="urn:schemas-microsoft-com:office:powerpoint" xmlns:com="http://schemas.openxmlformats.org/drawingml/2006/compatibility" xmlns:p14="http://schemas.microsoft.com/office/powerpoint/2010/main" xmlns:p15="http://schemas.microsoft.com/office/powerpoint/2012/main" xmlns:ahyp="http://schemas.microsoft.com/office/drawing/2018/hyperlinkcolor">
+<p:sld xmlns:a="http://schemas.openxmlformats.org/drawingml/2006/main" xmlns:r="http://schemas.openxmlformats.org/officeDocument/2006/relationships" xmlns:p="http://schemas.openxmlformats.org/presentationml/2006/main">
   <p:cSld>
     <p:spTree>
       <p:nvGrpSpPr>
-        <p:cNvPr id="119" name="Shape 119"/>
+        <p:cNvPr id="1" name="Shape 119"/>
         <p:cNvGrpSpPr/>
         <p:nvPr/>
       </p:nvGrpSpPr>
@@ -9681,7 +9572,9 @@
       <p:sp>
         <p:nvSpPr>
           <p:cNvPr id="120" name="Google Shape;120;p19"/>
-          <p:cNvSpPr txBox="1"/>
+          <p:cNvSpPr txBox="1">
+            <a:spLocks noGrp="1"/>
+          </p:cNvSpPr>
           <p:nvPr>
             <p:ph type="title"/>
           </p:nvPr>
@@ -9696,12 +9589,12 @@
           </a:prstGeom>
         </p:spPr>
         <p:txBody>
-          <a:bodyPr anchorCtr="0" anchor="b" bIns="91425" lIns="91425" spcFirstLastPara="1" rIns="91425" wrap="square" tIns="91425">
+          <a:bodyPr spcFirstLastPara="1" wrap="square" lIns="91425" tIns="91425" rIns="91425" bIns="91425" anchor="b" anchorCtr="0">
             <a:normAutofit/>
           </a:bodyPr>
           <a:lstStyle/>
           <a:p>
-            <a:pPr indent="0" lvl="0" marL="0" rtl="0" algn="l">
+            <a:pPr marL="0" lvl="0" indent="0" algn="l" rtl="0">
               <a:spcBef>
                 <a:spcPts val="0"/>
               </a:spcBef>
@@ -9721,9 +9614,11 @@
       <p:sp>
         <p:nvSpPr>
           <p:cNvPr id="121" name="Google Shape;121;p19"/>
-          <p:cNvSpPr txBox="1"/>
+          <p:cNvSpPr txBox="1">
+            <a:spLocks noGrp="1"/>
+          </p:cNvSpPr>
           <p:nvPr>
-            <p:ph idx="1" type="body"/>
+            <p:ph type="body" idx="1"/>
           </p:nvPr>
         </p:nvSpPr>
         <p:spPr>
@@ -9736,12 +9631,12 @@
           </a:prstGeom>
         </p:spPr>
         <p:txBody>
-          <a:bodyPr anchorCtr="0" anchor="t" bIns="91425" lIns="91425" spcFirstLastPara="1" rIns="91425" wrap="square" tIns="91425">
+          <a:bodyPr spcFirstLastPara="1" wrap="square" lIns="91425" tIns="91425" rIns="91425" bIns="91425" anchor="t" anchorCtr="0">
             <a:normAutofit/>
           </a:bodyPr>
           <a:lstStyle/>
           <a:p>
-            <a:pPr indent="0" lvl="0" marL="0" rtl="0" algn="l">
+            <a:pPr marL="0" lvl="0" indent="0" algn="l" rtl="0">
               <a:spcBef>
                 <a:spcPts val="0"/>
               </a:spcBef>
@@ -9755,7 +9650,7 @@
               <a:t>Customer X visits a Macy’s store and wants a fragrance that is </a:t>
             </a:r>
             <a:r>
-              <a:rPr b="1" i="1" lang="en" sz="1500"/>
+              <a:rPr lang="en" sz="1500" b="1" i="1"/>
               <a:t>exotic.</a:t>
             </a:r>
             <a:r>
@@ -9765,7 +9660,7 @@
             <a:endParaRPr sz="1500"/>
           </a:p>
           <a:p>
-            <a:pPr indent="0" lvl="0" marL="0" rtl="0" algn="l">
+            <a:pPr marL="0" lvl="0" indent="0" algn="l" rtl="0">
               <a:spcBef>
                 <a:spcPts val="1200"/>
               </a:spcBef>
@@ -9774,13 +9669,10 @@
               </a:spcAft>
               <a:buNone/>
             </a:pPr>
-            <a:r>
-              <a:t/>
-            </a:r>
             <a:endParaRPr sz="1500"/>
           </a:p>
           <a:p>
-            <a:pPr indent="0" lvl="0" marL="0" rtl="0" algn="l">
+            <a:pPr marL="0" lvl="0" indent="0" algn="l" rtl="0">
               <a:spcBef>
                 <a:spcPts val="1200"/>
               </a:spcBef>
@@ -9789,9 +9681,6 @@
               </a:spcAft>
               <a:buNone/>
             </a:pPr>
-            <a:r>
-              <a:t/>
-            </a:r>
             <a:endParaRPr/>
           </a:p>
         </p:txBody>
@@ -9814,8 +9703,20 @@
                 <a:tableStyleId>{BA60E43C-F65B-484E-B497-3D0101EFAB7F}</a:tableStyleId>
               </a:tblPr>
               <a:tblGrid>
-                <a:gridCol w="3619500"/>
-                <a:gridCol w="3619500"/>
+                <a:gridCol w="3619500">
+                  <a:extLst>
+                    <a:ext uri="{9D8B030D-6E8A-4147-A177-3AD203B41FA5}">
+                      <a16:colId xmlns:a16="http://schemas.microsoft.com/office/drawing/2014/main" val="20000"/>
+                    </a:ext>
+                  </a:extLst>
+                </a:gridCol>
+                <a:gridCol w="3619500">
+                  <a:extLst>
+                    <a:ext uri="{9D8B030D-6E8A-4147-A177-3AD203B41FA5}">
+                      <a16:colId xmlns:a16="http://schemas.microsoft.com/office/drawing/2014/main" val="20001"/>
+                    </a:ext>
+                  </a:extLst>
+                </a:gridCol>
               </a:tblGrid>
               <a:tr h="381000">
                 <a:tc>
@@ -9823,7 +9724,7 @@
                     <a:bodyPr/>
                     <a:lstStyle/>
                     <a:p>
-                      <a:pPr indent="0" lvl="0" marL="0" rtl="0" algn="l">
+                      <a:pPr marL="0" lvl="0" indent="0" algn="l" rtl="0">
                         <a:spcBef>
                           <a:spcPts val="0"/>
                         </a:spcBef>
@@ -9847,14 +9748,14 @@
                       </a:endParaRPr>
                     </a:p>
                   </a:txBody>
-                  <a:tcPr marT="91425" marB="91425" marR="91425" marL="91425"/>
+                  <a:tcPr marL="91425" marR="91425" marT="91425" marB="91425"/>
                 </a:tc>
                 <a:tc>
                   <a:txBody>
                     <a:bodyPr/>
                     <a:lstStyle/>
                     <a:p>
-                      <a:pPr indent="0" lvl="0" marL="0" rtl="0" algn="l">
+                      <a:pPr marL="0" lvl="0" indent="0" algn="l" rtl="0">
                         <a:spcBef>
                           <a:spcPts val="0"/>
                         </a:spcBef>
@@ -9878,8 +9779,13 @@
                       </a:endParaRPr>
                     </a:p>
                   </a:txBody>
-                  <a:tcPr marT="91425" marB="91425" marR="91425" marL="91425"/>
+                  <a:tcPr marL="91425" marR="91425" marT="91425" marB="91425"/>
                 </a:tc>
+                <a:extLst>
+                  <a:ext uri="{0D108BD9-81ED-4DB2-BD59-A6C34878D82A}">
+                    <a16:rowId xmlns:a16="http://schemas.microsoft.com/office/drawing/2014/main" val="10000"/>
+                  </a:ext>
+                </a:extLst>
               </a:tr>
               <a:tr h="381000">
                 <a:tc>
@@ -9887,7 +9793,7 @@
                     <a:bodyPr/>
                     <a:lstStyle/>
                     <a:p>
-                      <a:pPr indent="0" lvl="0" marL="0" rtl="0" algn="l">
+                      <a:pPr marL="0" lvl="0" indent="0" algn="l" rtl="0">
                         <a:spcBef>
                           <a:spcPts val="0"/>
                         </a:spcBef>
@@ -9911,14 +9817,14 @@
                       </a:endParaRPr>
                     </a:p>
                   </a:txBody>
-                  <a:tcPr marT="91425" marB="91425" marR="91425" marL="91425"/>
+                  <a:tcPr marL="91425" marR="91425" marT="91425" marB="91425"/>
                 </a:tc>
                 <a:tc>
                   <a:txBody>
                     <a:bodyPr/>
                     <a:lstStyle/>
                     <a:p>
-                      <a:pPr indent="0" lvl="0" marL="0" rtl="0" algn="l">
+                      <a:pPr marL="0" lvl="0" indent="0" algn="l" rtl="0">
                         <a:spcBef>
                           <a:spcPts val="0"/>
                         </a:spcBef>
@@ -9942,8 +9848,13 @@
                       </a:endParaRPr>
                     </a:p>
                   </a:txBody>
-                  <a:tcPr marT="91425" marB="91425" marR="91425" marL="91425"/>
+                  <a:tcPr marL="91425" marR="91425" marT="91425" marB="91425"/>
                 </a:tc>
+                <a:extLst>
+                  <a:ext uri="{0D108BD9-81ED-4DB2-BD59-A6C34878D82A}">
+                    <a16:rowId xmlns:a16="http://schemas.microsoft.com/office/drawing/2014/main" val="10001"/>
+                  </a:ext>
+                </a:extLst>
               </a:tr>
               <a:tr h="381000">
                 <a:tc>
@@ -9951,7 +9862,7 @@
                     <a:bodyPr/>
                     <a:lstStyle/>
                     <a:p>
-                      <a:pPr indent="0" lvl="0" marL="0" rtl="0" algn="l">
+                      <a:pPr marL="0" lvl="0" indent="0" algn="l" rtl="0">
                         <a:spcBef>
                           <a:spcPts val="0"/>
                         </a:spcBef>
@@ -9975,14 +9886,14 @@
                       </a:endParaRPr>
                     </a:p>
                   </a:txBody>
-                  <a:tcPr marT="91425" marB="91425" marR="91425" marL="91425"/>
+                  <a:tcPr marL="91425" marR="91425" marT="91425" marB="91425"/>
                 </a:tc>
                 <a:tc>
                   <a:txBody>
                     <a:bodyPr/>
                     <a:lstStyle/>
                     <a:p>
-                      <a:pPr indent="0" lvl="0" marL="0" rtl="0" algn="l">
+                      <a:pPr marL="0" lvl="0" indent="0" algn="l" rtl="0">
                         <a:spcBef>
                           <a:spcPts val="0"/>
                         </a:spcBef>
@@ -10006,8 +9917,13 @@
                       </a:endParaRPr>
                     </a:p>
                   </a:txBody>
-                  <a:tcPr marT="91425" marB="91425" marR="91425" marL="91425"/>
+                  <a:tcPr marL="91425" marR="91425" marT="91425" marB="91425"/>
                 </a:tc>
+                <a:extLst>
+                  <a:ext uri="{0D108BD9-81ED-4DB2-BD59-A6C34878D82A}">
+                    <a16:rowId xmlns:a16="http://schemas.microsoft.com/office/drawing/2014/main" val="10002"/>
+                  </a:ext>
+                </a:extLst>
               </a:tr>
               <a:tr h="381000">
                 <a:tc>
@@ -10015,7 +9931,7 @@
                     <a:bodyPr/>
                     <a:lstStyle/>
                     <a:p>
-                      <a:pPr indent="0" lvl="0" marL="0" rtl="0" algn="l">
+                      <a:pPr marL="0" lvl="0" indent="0" algn="l" rtl="0">
                         <a:spcBef>
                           <a:spcPts val="0"/>
                         </a:spcBef>
@@ -10039,14 +9955,14 @@
                       </a:endParaRPr>
                     </a:p>
                   </a:txBody>
-                  <a:tcPr marT="91425" marB="91425" marR="91425" marL="91425"/>
+                  <a:tcPr marL="91425" marR="91425" marT="91425" marB="91425"/>
                 </a:tc>
                 <a:tc>
                   <a:txBody>
                     <a:bodyPr/>
                     <a:lstStyle/>
                     <a:p>
-                      <a:pPr indent="0" lvl="0" marL="0" rtl="0" algn="l">
+                      <a:pPr marL="0" lvl="0" indent="0" algn="l" rtl="0">
                         <a:spcBef>
                           <a:spcPts val="0"/>
                         </a:spcBef>
@@ -10070,8 +9986,13 @@
                       </a:endParaRPr>
                     </a:p>
                   </a:txBody>
-                  <a:tcPr marT="91425" marB="91425" marR="91425" marL="91425"/>
+                  <a:tcPr marL="91425" marR="91425" marT="91425" marB="91425"/>
                 </a:tc>
+                <a:extLst>
+                  <a:ext uri="{0D108BD9-81ED-4DB2-BD59-A6C34878D82A}">
+                    <a16:rowId xmlns:a16="http://schemas.microsoft.com/office/drawing/2014/main" val="10003"/>
+                  </a:ext>
+                </a:extLst>
               </a:tr>
               <a:tr h="381000">
                 <a:tc>
@@ -10079,7 +10000,7 @@
                     <a:bodyPr/>
                     <a:lstStyle/>
                     <a:p>
-                      <a:pPr indent="0" lvl="0" marL="0" rtl="0" algn="l">
+                      <a:pPr marL="0" lvl="0" indent="0" algn="l" rtl="0">
                         <a:spcBef>
                           <a:spcPts val="0"/>
                         </a:spcBef>
@@ -10103,14 +10024,14 @@
                       </a:endParaRPr>
                     </a:p>
                   </a:txBody>
-                  <a:tcPr marT="91425" marB="91425" marR="91425" marL="91425"/>
+                  <a:tcPr marL="91425" marR="91425" marT="91425" marB="91425"/>
                 </a:tc>
                 <a:tc>
                   <a:txBody>
                     <a:bodyPr/>
                     <a:lstStyle/>
                     <a:p>
-                      <a:pPr indent="0" lvl="0" marL="0" rtl="0" algn="l">
+                      <a:pPr marL="0" lvl="0" indent="0" algn="l" rtl="0">
                         <a:spcBef>
                           <a:spcPts val="0"/>
                         </a:spcBef>
@@ -10134,8 +10055,13 @@
                       </a:endParaRPr>
                     </a:p>
                   </a:txBody>
-                  <a:tcPr marT="91425" marB="91425" marR="91425" marL="91425"/>
+                  <a:tcPr marL="91425" marR="91425" marT="91425" marB="91425"/>
                 </a:tc>
+                <a:extLst>
+                  <a:ext uri="{0D108BD9-81ED-4DB2-BD59-A6C34878D82A}">
+                    <a16:rowId xmlns:a16="http://schemas.microsoft.com/office/drawing/2014/main" val="10004"/>
+                  </a:ext>
+                </a:extLst>
               </a:tr>
               <a:tr h="381000">
                 <a:tc>
@@ -10143,7 +10069,7 @@
                     <a:bodyPr/>
                     <a:lstStyle/>
                     <a:p>
-                      <a:pPr indent="0" lvl="0" marL="0" rtl="0" algn="l">
+                      <a:pPr marL="0" lvl="0" indent="0" algn="l" rtl="0">
                         <a:spcBef>
                           <a:spcPts val="0"/>
                         </a:spcBef>
@@ -10167,14 +10093,14 @@
                       </a:endParaRPr>
                     </a:p>
                   </a:txBody>
-                  <a:tcPr marT="91425" marB="91425" marR="91425" marL="91425"/>
+                  <a:tcPr marL="91425" marR="91425" marT="91425" marB="91425"/>
                 </a:tc>
                 <a:tc>
                   <a:txBody>
                     <a:bodyPr/>
                     <a:lstStyle/>
                     <a:p>
-                      <a:pPr indent="0" lvl="0" marL="0" rtl="0" algn="l">
+                      <a:pPr marL="0" lvl="0" indent="0" algn="l" rtl="0">
                         <a:spcBef>
                           <a:spcPts val="0"/>
                         </a:spcBef>
@@ -10198,8 +10124,13 @@
                       </a:endParaRPr>
                     </a:p>
                   </a:txBody>
-                  <a:tcPr marT="91425" marB="91425" marR="91425" marL="91425"/>
+                  <a:tcPr marL="91425" marR="91425" marT="91425" marB="91425"/>
                 </a:tc>
+                <a:extLst>
+                  <a:ext uri="{0D108BD9-81ED-4DB2-BD59-A6C34878D82A}">
+                    <a16:rowId xmlns:a16="http://schemas.microsoft.com/office/drawing/2014/main" val="10005"/>
+                  </a:ext>
+                </a:extLst>
               </a:tr>
             </a:tbl>
           </a:graphicData>
@@ -10214,11 +10145,11 @@
 </file>
 
 <file path=ppt/slides/slide8.xml><?xml version="1.0" encoding="utf-8"?>
-<p:sld xmlns:a="http://schemas.openxmlformats.org/drawingml/2006/main" xmlns:r="http://schemas.openxmlformats.org/officeDocument/2006/relationships" xmlns:mc="http://schemas.openxmlformats.org/markup-compatibility/2006" xmlns:mv="urn:schemas-microsoft-com:mac:vml" xmlns:p="http://schemas.openxmlformats.org/presentationml/2006/main" xmlns:c="http://schemas.openxmlformats.org/drawingml/2006/chart" xmlns:dgm="http://schemas.openxmlformats.org/drawingml/2006/diagram" xmlns:o="urn:schemas-microsoft-com:office:office" xmlns:v="urn:schemas-microsoft-com:vml" xmlns:pvml="urn:schemas-microsoft-com:office:powerpoint" xmlns:com="http://schemas.openxmlformats.org/drawingml/2006/compatibility" xmlns:p14="http://schemas.microsoft.com/office/powerpoint/2010/main" xmlns:p15="http://schemas.microsoft.com/office/powerpoint/2012/main" xmlns:ahyp="http://schemas.microsoft.com/office/drawing/2018/hyperlinkcolor">
+<p:sld xmlns:a="http://schemas.openxmlformats.org/drawingml/2006/main" xmlns:r="http://schemas.openxmlformats.org/officeDocument/2006/relationships" xmlns:p="http://schemas.openxmlformats.org/presentationml/2006/main">
   <p:cSld>
     <p:spTree>
       <p:nvGrpSpPr>
-        <p:cNvPr id="126" name="Shape 126"/>
+        <p:cNvPr id="1" name="Shape 126"/>
         <p:cNvGrpSpPr/>
         <p:nvPr/>
       </p:nvGrpSpPr>
@@ -10233,7 +10164,9 @@
       <p:sp>
         <p:nvSpPr>
           <p:cNvPr id="127" name="Google Shape;127;p20"/>
-          <p:cNvSpPr txBox="1"/>
+          <p:cNvSpPr txBox="1">
+            <a:spLocks noGrp="1"/>
+          </p:cNvSpPr>
           <p:nvPr>
             <p:ph type="title"/>
           </p:nvPr>
@@ -10248,12 +10181,12 @@
           </a:prstGeom>
         </p:spPr>
         <p:txBody>
-          <a:bodyPr anchorCtr="0" anchor="b" bIns="91425" lIns="91425" spcFirstLastPara="1" rIns="91425" wrap="square" tIns="91425">
+          <a:bodyPr spcFirstLastPara="1" wrap="square" lIns="91425" tIns="91425" rIns="91425" bIns="91425" anchor="b" anchorCtr="0">
             <a:normAutofit/>
           </a:bodyPr>
           <a:lstStyle/>
           <a:p>
-            <a:pPr indent="0" lvl="0" marL="0" rtl="0" algn="l">
+            <a:pPr marL="0" lvl="0" indent="0" algn="l" rtl="0">
               <a:spcBef>
                 <a:spcPts val="0"/>
               </a:spcBef>
@@ -10290,12 +10223,12 @@
           </a:ln>
         </p:spPr>
         <p:txBody>
-          <a:bodyPr anchorCtr="0" anchor="t" bIns="91425" lIns="91425" spcFirstLastPara="1" rIns="91425" wrap="square" tIns="91425">
+          <a:bodyPr spcFirstLastPara="1" wrap="square" lIns="91425" tIns="91425" rIns="91425" bIns="91425" anchor="t" anchorCtr="0">
             <a:noAutofit/>
           </a:bodyPr>
           <a:lstStyle/>
           <a:p>
-            <a:pPr indent="-342900" lvl="0" marL="457200" rtl="0" algn="l">
+            <a:pPr marL="457200" lvl="0" indent="-342900" algn="l" rtl="0">
               <a:spcBef>
                 <a:spcPts val="0"/>
               </a:spcBef>
@@ -10319,31 +10252,7 @@
                 <a:cs typeface="Roboto"/>
                 <a:sym typeface="Roboto"/>
               </a:rPr>
-              <a:t>Utilize </a:t>
-            </a:r>
-            <a:r>
-              <a:rPr lang="en" sz="1800">
-                <a:solidFill>
-                  <a:schemeClr val="dk1"/>
-                </a:solidFill>
-                <a:latin typeface="Roboto"/>
-                <a:ea typeface="Roboto"/>
-                <a:cs typeface="Roboto"/>
-                <a:sym typeface="Roboto"/>
-              </a:rPr>
-              <a:t>wisdom</a:t>
-            </a:r>
-            <a:r>
-              <a:rPr lang="en" sz="1800">
-                <a:solidFill>
-                  <a:schemeClr val="dk1"/>
-                </a:solidFill>
-                <a:latin typeface="Roboto"/>
-                <a:ea typeface="Roboto"/>
-                <a:cs typeface="Roboto"/>
-                <a:sym typeface="Roboto"/>
-              </a:rPr>
-              <a:t> of crowds to turn a user’s desired attributes into a reliable perfume recommendation</a:t>
+              <a:t>Utilize wisdom of crowds to turn a user’s desired attributes into a reliable perfume recommendation</a:t>
             </a:r>
             <a:endParaRPr sz="1800">
               <a:solidFill>
@@ -10356,7 +10265,7 @@
             </a:endParaRPr>
           </a:p>
           <a:p>
-            <a:pPr indent="-342900" lvl="0" marL="457200" rtl="0" algn="l">
+            <a:pPr marL="457200" lvl="0" indent="-342900" algn="l" rtl="0">
               <a:spcBef>
                 <a:spcPts val="0"/>
               </a:spcBef>
@@ -10393,7 +10302,7 @@
             </a:endParaRPr>
           </a:p>
           <a:p>
-            <a:pPr indent="-342900" lvl="0" marL="457200" rtl="0" algn="l">
+            <a:pPr marL="457200" lvl="0" indent="-342900" algn="l" rtl="0">
               <a:spcBef>
                 <a:spcPts val="0"/>
               </a:spcBef>
@@ -10430,7 +10339,7 @@
             </a:endParaRPr>
           </a:p>
           <a:p>
-            <a:pPr indent="-342900" lvl="0" marL="457200" rtl="0" algn="l">
+            <a:pPr marL="457200" lvl="0" indent="-342900" algn="l" rtl="0">
               <a:spcBef>
                 <a:spcPts val="0"/>
               </a:spcBef>
@@ -10454,19 +10363,7 @@
                 <a:cs typeface="Roboto"/>
                 <a:sym typeface="Roboto"/>
               </a:rPr>
-              <a:t>The software can increase customer satisfaction by combatting </a:t>
-            </a:r>
-            <a:r>
-              <a:rPr lang="en" sz="1800">
-                <a:solidFill>
-                  <a:schemeClr val="dk1"/>
-                </a:solidFill>
-                <a:latin typeface="Roboto"/>
-                <a:ea typeface="Roboto"/>
-                <a:cs typeface="Roboto"/>
-                <a:sym typeface="Roboto"/>
-              </a:rPr>
-              <a:t>decision fatigue</a:t>
+              <a:t>The software can increase customer satisfaction by combatting decision fatigue</a:t>
             </a:r>
             <a:endParaRPr sz="1800">
               <a:solidFill>
@@ -10479,7 +10376,7 @@
             </a:endParaRPr>
           </a:p>
           <a:p>
-            <a:pPr indent="-342900" lvl="0" marL="457200" rtl="0" algn="l">
+            <a:pPr marL="457200" lvl="0" indent="-342900" algn="l" rtl="0">
               <a:spcBef>
                 <a:spcPts val="0"/>
               </a:spcBef>
@@ -10526,11 +10423,11 @@
 </file>
 
 <file path=ppt/slides/slide9.xml><?xml version="1.0" encoding="utf-8"?>
-<p:sld xmlns:a="http://schemas.openxmlformats.org/drawingml/2006/main" xmlns:r="http://schemas.openxmlformats.org/officeDocument/2006/relationships" xmlns:mc="http://schemas.openxmlformats.org/markup-compatibility/2006" xmlns:mv="urn:schemas-microsoft-com:mac:vml" xmlns:p="http://schemas.openxmlformats.org/presentationml/2006/main" xmlns:c="http://schemas.openxmlformats.org/drawingml/2006/chart" xmlns:dgm="http://schemas.openxmlformats.org/drawingml/2006/diagram" xmlns:o="urn:schemas-microsoft-com:office:office" xmlns:v="urn:schemas-microsoft-com:vml" xmlns:pvml="urn:schemas-microsoft-com:office:powerpoint" xmlns:com="http://schemas.openxmlformats.org/drawingml/2006/compatibility" xmlns:p14="http://schemas.microsoft.com/office/powerpoint/2010/main" xmlns:p15="http://schemas.microsoft.com/office/powerpoint/2012/main" xmlns:ahyp="http://schemas.microsoft.com/office/drawing/2018/hyperlinkcolor">
+<p:sld xmlns:a="http://schemas.openxmlformats.org/drawingml/2006/main" xmlns:r="http://schemas.openxmlformats.org/officeDocument/2006/relationships" xmlns:p="http://schemas.openxmlformats.org/presentationml/2006/main">
   <p:cSld>
     <p:spTree>
       <p:nvGrpSpPr>
-        <p:cNvPr id="132" name="Shape 132"/>
+        <p:cNvPr id="1" name="Shape 132"/>
         <p:cNvGrpSpPr/>
         <p:nvPr/>
       </p:nvGrpSpPr>
@@ -10545,7 +10442,9 @@
       <p:sp>
         <p:nvSpPr>
           <p:cNvPr id="133" name="Google Shape;133;p21"/>
-          <p:cNvSpPr txBox="1"/>
+          <p:cNvSpPr txBox="1">
+            <a:spLocks noGrp="1"/>
+          </p:cNvSpPr>
           <p:nvPr>
             <p:ph type="title"/>
           </p:nvPr>
@@ -10560,12 +10459,12 @@
           </a:prstGeom>
         </p:spPr>
         <p:txBody>
-          <a:bodyPr anchorCtr="0" anchor="b" bIns="91425" lIns="91425" spcFirstLastPara="1" rIns="91425" wrap="square" tIns="91425">
+          <a:bodyPr spcFirstLastPara="1" wrap="square" lIns="91425" tIns="91425" rIns="91425" bIns="91425" anchor="b" anchorCtr="0">
             <a:normAutofit/>
           </a:bodyPr>
           <a:lstStyle/>
           <a:p>
-            <a:pPr indent="0" lvl="0" marL="0" rtl="0" algn="l">
+            <a:pPr marL="0" lvl="0" indent="0" algn="l" rtl="0">
               <a:spcBef>
                 <a:spcPts val="0"/>
               </a:spcBef>
@@ -10585,9 +10484,11 @@
       <p:sp>
         <p:nvSpPr>
           <p:cNvPr id="134" name="Google Shape;134;p21"/>
-          <p:cNvSpPr txBox="1"/>
+          <p:cNvSpPr txBox="1">
+            <a:spLocks noGrp="1"/>
+          </p:cNvSpPr>
           <p:nvPr>
-            <p:ph idx="1" type="body"/>
+            <p:ph type="body" idx="1"/>
           </p:nvPr>
         </p:nvSpPr>
         <p:spPr>
@@ -10600,12 +10501,12 @@
           </a:prstGeom>
         </p:spPr>
         <p:txBody>
-          <a:bodyPr anchorCtr="0" anchor="t" bIns="91425" lIns="91425" spcFirstLastPara="1" rIns="91425" wrap="square" tIns="91425">
+          <a:bodyPr spcFirstLastPara="1" wrap="square" lIns="91425" tIns="91425" rIns="91425" bIns="91425" anchor="t" anchorCtr="0">
             <a:normAutofit/>
           </a:bodyPr>
           <a:lstStyle/>
           <a:p>
-            <a:pPr indent="-342900" lvl="0" marL="457200" rtl="0" algn="l">
+            <a:pPr marL="457200" lvl="0" indent="-342900" algn="l" rtl="0">
               <a:spcBef>
                 <a:spcPts val="0"/>
               </a:spcBef>
@@ -10622,7 +10523,7 @@
             <a:endParaRPr/>
           </a:p>
           <a:p>
-            <a:pPr indent="-317500" lvl="1" marL="914400" rtl="0" algn="l">
+            <a:pPr marL="914400" lvl="1" indent="-317500" algn="l" rtl="0">
               <a:spcBef>
                 <a:spcPts val="0"/>
               </a:spcBef>
@@ -10639,7 +10540,7 @@
             <a:endParaRPr/>
           </a:p>
           <a:p>
-            <a:pPr indent="-342900" lvl="0" marL="457200" rtl="0" algn="l">
+            <a:pPr marL="457200" lvl="0" indent="-342900" algn="l" rtl="0">
               <a:spcBef>
                 <a:spcPts val="0"/>
               </a:spcBef>
@@ -10656,7 +10557,7 @@
             <a:endParaRPr/>
           </a:p>
           <a:p>
-            <a:pPr indent="-317500" lvl="1" marL="914400" rtl="0" algn="l">
+            <a:pPr marL="914400" lvl="1" indent="-317500" algn="l" rtl="0">
               <a:spcBef>
                 <a:spcPts val="0"/>
               </a:spcBef>
@@ -10673,7 +10574,7 @@
             <a:endParaRPr/>
           </a:p>
           <a:p>
-            <a:pPr indent="-342900" lvl="0" marL="457200" rtl="0" algn="l">
+            <a:pPr marL="457200" lvl="0" indent="-342900" algn="l" rtl="0">
               <a:spcBef>
                 <a:spcPts val="0"/>
               </a:spcBef>
@@ -10690,7 +10591,7 @@
             <a:endParaRPr/>
           </a:p>
           <a:p>
-            <a:pPr indent="-317500" lvl="1" marL="914400" rtl="0" algn="l">
+            <a:pPr marL="914400" lvl="1" indent="-317500" algn="l" rtl="0">
               <a:spcBef>
                 <a:spcPts val="0"/>
               </a:spcBef>
@@ -10707,7 +10608,7 @@
             <a:endParaRPr/>
           </a:p>
           <a:p>
-            <a:pPr indent="-342900" lvl="0" marL="457200" rtl="0" algn="l">
+            <a:pPr marL="457200" lvl="0" indent="-342900" algn="l" rtl="0">
               <a:spcBef>
                 <a:spcPts val="0"/>
               </a:spcBef>
@@ -10724,7 +10625,7 @@
             <a:endParaRPr/>
           </a:p>
           <a:p>
-            <a:pPr indent="0" lvl="0" marL="0" rtl="0" algn="l">
+            <a:pPr marL="0" lvl="0" indent="0" algn="l" rtl="0">
               <a:spcBef>
                 <a:spcPts val="1200"/>
               </a:spcBef>
@@ -10733,9 +10634,6 @@
               </a:spcAft>
               <a:buNone/>
             </a:pPr>
-            <a:r>
-              <a:t/>
-            </a:r>
             <a:endParaRPr/>
           </a:p>
         </p:txBody>
@@ -10749,7 +10647,7 @@
 </file>
 
 <file path=ppt/theme/theme1.xml><?xml version="1.0" encoding="utf-8"?>
-<a:theme xmlns:a="http://schemas.openxmlformats.org/drawingml/2006/main" xmlns:r="http://schemas.openxmlformats.org/officeDocument/2006/relationships" name="Marina">
+<a:theme xmlns:a="http://schemas.openxmlformats.org/drawingml/2006/main" name="Marina">
   <a:themeElements>
     <a:clrScheme name="Marina">
       <a:dk1>
@@ -11024,11 +10922,13 @@
       </a:bgFillStyleLst>
     </a:fmtScheme>
   </a:themeElements>
+  <a:objectDefaults/>
+  <a:extraClrSchemeLst/>
 </a:theme>
 </file>
 
 <file path=ppt/theme/theme2.xml><?xml version="1.0" encoding="utf-8"?>
-<a:theme xmlns:a="http://schemas.openxmlformats.org/drawingml/2006/main" xmlns:r="http://schemas.openxmlformats.org/officeDocument/2006/relationships">
+<a:theme xmlns:a="http://schemas.openxmlformats.org/drawingml/2006/main">
   <a:themeElements>
     <a:clrScheme name="Default">
       <a:dk1>
@@ -11303,5 +11203,7 @@
       </a:bgFillStyleLst>
     </a:fmtScheme>
   </a:themeElements>
+  <a:objectDefaults/>
+  <a:extraClrSchemeLst/>
 </a:theme>
 </file>